--- a/ENCONTRO_0/RiskPilot_ENCONTRO_0.pptx
+++ b/ENCONTRO_0/RiskPilot_ENCONTRO_0.pptx
@@ -5,7 +5,7 @@
     <p:sldMasterId id="2147483648" r:id="rId1"/>
   </p:sldMasterIdLst>
   <p:notesMasterIdLst>
-    <p:notesMasterId r:id="rId63"/>
+    <p:notesMasterId r:id="rId64"/>
   </p:notesMasterIdLst>
   <p:sldIdLst>
     <p:sldId id="259" r:id="rId2"/>
@@ -34,41 +34,42 @@
     <p:sldId id="312" r:id="rId25"/>
     <p:sldId id="313" r:id="rId26"/>
     <p:sldId id="315" r:id="rId27"/>
-    <p:sldId id="316" r:id="rId28"/>
-    <p:sldId id="317" r:id="rId29"/>
-    <p:sldId id="325" r:id="rId30"/>
-    <p:sldId id="289" r:id="rId31"/>
-    <p:sldId id="293" r:id="rId32"/>
-    <p:sldId id="321" r:id="rId33"/>
-    <p:sldId id="326" r:id="rId34"/>
-    <p:sldId id="294" r:id="rId35"/>
-    <p:sldId id="295" r:id="rId36"/>
-    <p:sldId id="296" r:id="rId37"/>
-    <p:sldId id="297" r:id="rId38"/>
-    <p:sldId id="301" r:id="rId39"/>
-    <p:sldId id="298" r:id="rId40"/>
-    <p:sldId id="299" r:id="rId41"/>
-    <p:sldId id="302" r:id="rId42"/>
-    <p:sldId id="303" r:id="rId43"/>
-    <p:sldId id="323" r:id="rId44"/>
-    <p:sldId id="304" r:id="rId45"/>
-    <p:sldId id="305" r:id="rId46"/>
-    <p:sldId id="307" r:id="rId47"/>
-    <p:sldId id="322" r:id="rId48"/>
-    <p:sldId id="264" r:id="rId49"/>
-    <p:sldId id="324" r:id="rId50"/>
-    <p:sldId id="273" r:id="rId51"/>
-    <p:sldId id="308" r:id="rId52"/>
-    <p:sldId id="309" r:id="rId53"/>
-    <p:sldId id="292" r:id="rId54"/>
-    <p:sldId id="291" r:id="rId55"/>
-    <p:sldId id="274" r:id="rId56"/>
-    <p:sldId id="275" r:id="rId57"/>
-    <p:sldId id="276" r:id="rId58"/>
-    <p:sldId id="277" r:id="rId59"/>
-    <p:sldId id="258" r:id="rId60"/>
-    <p:sldId id="256" r:id="rId61"/>
-    <p:sldId id="257" r:id="rId62"/>
+    <p:sldId id="327" r:id="rId28"/>
+    <p:sldId id="316" r:id="rId29"/>
+    <p:sldId id="317" r:id="rId30"/>
+    <p:sldId id="325" r:id="rId31"/>
+    <p:sldId id="289" r:id="rId32"/>
+    <p:sldId id="293" r:id="rId33"/>
+    <p:sldId id="321" r:id="rId34"/>
+    <p:sldId id="326" r:id="rId35"/>
+    <p:sldId id="294" r:id="rId36"/>
+    <p:sldId id="295" r:id="rId37"/>
+    <p:sldId id="296" r:id="rId38"/>
+    <p:sldId id="297" r:id="rId39"/>
+    <p:sldId id="301" r:id="rId40"/>
+    <p:sldId id="298" r:id="rId41"/>
+    <p:sldId id="299" r:id="rId42"/>
+    <p:sldId id="302" r:id="rId43"/>
+    <p:sldId id="303" r:id="rId44"/>
+    <p:sldId id="323" r:id="rId45"/>
+    <p:sldId id="304" r:id="rId46"/>
+    <p:sldId id="305" r:id="rId47"/>
+    <p:sldId id="307" r:id="rId48"/>
+    <p:sldId id="322" r:id="rId49"/>
+    <p:sldId id="264" r:id="rId50"/>
+    <p:sldId id="324" r:id="rId51"/>
+    <p:sldId id="273" r:id="rId52"/>
+    <p:sldId id="308" r:id="rId53"/>
+    <p:sldId id="309" r:id="rId54"/>
+    <p:sldId id="292" r:id="rId55"/>
+    <p:sldId id="291" r:id="rId56"/>
+    <p:sldId id="274" r:id="rId57"/>
+    <p:sldId id="275" r:id="rId58"/>
+    <p:sldId id="276" r:id="rId59"/>
+    <p:sldId id="277" r:id="rId60"/>
+    <p:sldId id="258" r:id="rId61"/>
+    <p:sldId id="256" r:id="rId62"/>
+    <p:sldId id="257" r:id="rId63"/>
   </p:sldIdLst>
   <p:sldSz cx="12192000" cy="6858000"/>
   <p:notesSz cx="6858000" cy="9144000"/>
@@ -257,7 +258,7 @@
           <a:p>
             <a:fld id="{FD97ED7F-D5EC-4E0A-BEE0-04114EA12A8F}" type="datetimeFigureOut">
               <a:rPr lang="en-US" smtClean="0"/>
-              <a:t>7/6/2025</a:t>
+              <a:t>7/12/2025</a:t>
             </a:fld>
             <a:endParaRPr lang="en-US" dirty="0"/>
           </a:p>
@@ -625,6 +626,118 @@
         <p:cNvPr id="1" name="">
           <a:extLst>
             <a:ext uri="{FF2B5EF4-FFF2-40B4-BE49-F238E27FC236}">
+              <a16:creationId xmlns:a16="http://schemas.microsoft.com/office/drawing/2014/main" id="{5460D83A-62FC-4211-4257-E2EE4EDF1F6F}"/>
+            </a:ext>
+          </a:extLst>
+        </p:cNvPr>
+        <p:cNvGrpSpPr/>
+        <p:nvPr/>
+      </p:nvGrpSpPr>
+      <p:grpSpPr>
+        <a:xfrm>
+          <a:off x="0" y="0"/>
+          <a:ext cx="0" cy="0"/>
+          <a:chOff x="0" y="0"/>
+          <a:chExt cx="0" cy="0"/>
+        </a:xfrm>
+      </p:grpSpPr>
+      <p:sp>
+        <p:nvSpPr>
+          <p:cNvPr id="2" name="Espaço Reservado para Imagem de Slide 1">
+            <a:extLst>
+              <a:ext uri="{FF2B5EF4-FFF2-40B4-BE49-F238E27FC236}">
+                <a16:creationId xmlns:a16="http://schemas.microsoft.com/office/drawing/2014/main" id="{82D02F92-CF30-DF53-958E-C913C4B57FB6}"/>
+              </a:ext>
+            </a:extLst>
+          </p:cNvPr>
+          <p:cNvSpPr>
+            <a:spLocks noGrp="1" noRot="1" noChangeAspect="1"/>
+          </p:cNvSpPr>
+          <p:nvPr>
+            <p:ph type="sldImg"/>
+          </p:nvPr>
+        </p:nvSpPr>
+        <p:spPr/>
+      </p:sp>
+      <p:sp>
+        <p:nvSpPr>
+          <p:cNvPr id="3" name="Espaço Reservado para Anotações 2">
+            <a:extLst>
+              <a:ext uri="{FF2B5EF4-FFF2-40B4-BE49-F238E27FC236}">
+                <a16:creationId xmlns:a16="http://schemas.microsoft.com/office/drawing/2014/main" id="{9789AF4B-2D73-E22F-89FC-7A0761ADB4C4}"/>
+              </a:ext>
+            </a:extLst>
+          </p:cNvPr>
+          <p:cNvSpPr>
+            <a:spLocks noGrp="1"/>
+          </p:cNvSpPr>
+          <p:nvPr>
+            <p:ph type="body" idx="1"/>
+          </p:nvPr>
+        </p:nvSpPr>
+        <p:spPr/>
+        <p:txBody>
+          <a:bodyPr/>
+          <a:lstStyle/>
+          <a:p>
+            <a:r>
+              <a:rPr lang="pt-BR" dirty="0"/>
+              <a:t>Quick-quiz</a:t>
+            </a:r>
+            <a:endParaRPr lang="en-US" dirty="0"/>
+          </a:p>
+        </p:txBody>
+      </p:sp>
+      <p:sp>
+        <p:nvSpPr>
+          <p:cNvPr id="4" name="Espaço Reservado para Número de Slide 3">
+            <a:extLst>
+              <a:ext uri="{FF2B5EF4-FFF2-40B4-BE49-F238E27FC236}">
+                <a16:creationId xmlns:a16="http://schemas.microsoft.com/office/drawing/2014/main" id="{FB8FFCFA-C785-FD71-5A6D-FEEC4D3D733D}"/>
+              </a:ext>
+            </a:extLst>
+          </p:cNvPr>
+          <p:cNvSpPr>
+            <a:spLocks noGrp="1"/>
+          </p:cNvSpPr>
+          <p:nvPr>
+            <p:ph type="sldNum" sz="quarter" idx="5"/>
+          </p:nvPr>
+        </p:nvSpPr>
+        <p:spPr/>
+        <p:txBody>
+          <a:bodyPr/>
+          <a:lstStyle/>
+          <a:p>
+            <a:fld id="{6B24B0AF-B94F-4251-B462-EE52E4EC21D8}" type="slidenum">
+              <a:rPr lang="en-US" smtClean="0"/>
+              <a:t>54</a:t>
+            </a:fld>
+            <a:endParaRPr lang="en-US" dirty="0"/>
+          </a:p>
+        </p:txBody>
+      </p:sp>
+    </p:spTree>
+    <p:extLst>
+      <p:ext uri="{BB962C8B-B14F-4D97-AF65-F5344CB8AC3E}">
+        <p14:creationId xmlns:p14="http://schemas.microsoft.com/office/powerpoint/2010/main" val="2350496753"/>
+      </p:ext>
+    </p:extLst>
+  </p:cSld>
+  <p:clrMapOvr>
+    <a:masterClrMapping/>
+  </p:clrMapOvr>
+</p:notes>
+</file>
+
+<file path=ppt/notesSlides/notesSlide11.xml><?xml version="1.0" encoding="utf-8"?>
+<p:notes xmlns:a="http://schemas.openxmlformats.org/drawingml/2006/main" xmlns:r="http://schemas.openxmlformats.org/officeDocument/2006/relationships" xmlns:p="http://schemas.openxmlformats.org/presentationml/2006/main">
+  <p:cSld>
+    <p:spTree>
+      <p:nvGrpSpPr>
+        <p:cNvPr id="1" name="">
+          <a:extLst>
+            <a:ext uri="{FF2B5EF4-FFF2-40B4-BE49-F238E27FC236}">
               <a16:creationId xmlns:a16="http://schemas.microsoft.com/office/drawing/2014/main" id="{5D9BC1CB-D900-3EF1-36B1-D99D96FFDEC1}"/>
             </a:ext>
           </a:extLst>
@@ -710,7 +823,7 @@
           <a:p>
             <a:fld id="{6B24B0AF-B94F-4251-B462-EE52E4EC21D8}" type="slidenum">
               <a:rPr lang="en-US" smtClean="0"/>
-              <a:t>54</a:t>
+              <a:t>55</a:t>
             </a:fld>
             <a:endParaRPr lang="en-US" dirty="0"/>
           </a:p>
@@ -720,94 +833,6 @@
     <p:extLst>
       <p:ext uri="{BB962C8B-B14F-4D97-AF65-F5344CB8AC3E}">
         <p14:creationId xmlns:p14="http://schemas.microsoft.com/office/powerpoint/2010/main" val="2980922864"/>
-      </p:ext>
-    </p:extLst>
-  </p:cSld>
-  <p:clrMapOvr>
-    <a:masterClrMapping/>
-  </p:clrMapOvr>
-</p:notes>
-</file>
-
-<file path=ppt/notesSlides/notesSlide11.xml><?xml version="1.0" encoding="utf-8"?>
-<p:notes xmlns:a="http://schemas.openxmlformats.org/drawingml/2006/main" xmlns:r="http://schemas.openxmlformats.org/officeDocument/2006/relationships" xmlns:p="http://schemas.openxmlformats.org/presentationml/2006/main">
-  <p:cSld>
-    <p:spTree>
-      <p:nvGrpSpPr>
-        <p:cNvPr id="1" name=""/>
-        <p:cNvGrpSpPr/>
-        <p:nvPr/>
-      </p:nvGrpSpPr>
-      <p:grpSpPr>
-        <a:xfrm>
-          <a:off x="0" y="0"/>
-          <a:ext cx="0" cy="0"/>
-          <a:chOff x="0" y="0"/>
-          <a:chExt cx="0" cy="0"/>
-        </a:xfrm>
-      </p:grpSpPr>
-      <p:sp>
-        <p:nvSpPr>
-          <p:cNvPr id="2" name="Espaço Reservado para Imagem de Slide 1"/>
-          <p:cNvSpPr>
-            <a:spLocks noGrp="1" noRot="1" noChangeAspect="1"/>
-          </p:cNvSpPr>
-          <p:nvPr>
-            <p:ph type="sldImg"/>
-          </p:nvPr>
-        </p:nvSpPr>
-        <p:spPr/>
-      </p:sp>
-      <p:sp>
-        <p:nvSpPr>
-          <p:cNvPr id="3" name="Espaço Reservado para Anotações 2"/>
-          <p:cNvSpPr>
-            <a:spLocks noGrp="1"/>
-          </p:cNvSpPr>
-          <p:nvPr>
-            <p:ph type="body" idx="1"/>
-          </p:nvPr>
-        </p:nvSpPr>
-        <p:spPr/>
-        <p:txBody>
-          <a:bodyPr/>
-          <a:lstStyle/>
-          <a:p>
-            <a:r>
-              <a:rPr lang="pt-BR" dirty="0"/>
-              <a:t>Tabela comparativa</a:t>
-            </a:r>
-            <a:endParaRPr lang="en-US" dirty="0"/>
-          </a:p>
-        </p:txBody>
-      </p:sp>
-      <p:sp>
-        <p:nvSpPr>
-          <p:cNvPr id="4" name="Espaço Reservado para Número de Slide 3"/>
-          <p:cNvSpPr>
-            <a:spLocks noGrp="1"/>
-          </p:cNvSpPr>
-          <p:nvPr>
-            <p:ph type="sldNum" sz="quarter" idx="5"/>
-          </p:nvPr>
-        </p:nvSpPr>
-        <p:spPr/>
-        <p:txBody>
-          <a:bodyPr/>
-          <a:lstStyle/>
-          <a:p>
-            <a:fld id="{6B24B0AF-B94F-4251-B462-EE52E4EC21D8}" type="slidenum">
-              <a:rPr lang="en-US" smtClean="0"/>
-              <a:t>55</a:t>
-            </a:fld>
-            <a:endParaRPr lang="en-US" dirty="0"/>
-          </a:p>
-        </p:txBody>
-      </p:sp>
-    </p:spTree>
-    <p:extLst>
-      <p:ext uri="{BB962C8B-B14F-4D97-AF65-F5344CB8AC3E}">
-        <p14:creationId xmlns:p14="http://schemas.microsoft.com/office/powerpoint/2010/main" val="3202172086"/>
       </p:ext>
     </p:extLst>
   </p:cSld>
@@ -863,7 +888,7 @@
           <a:p>
             <a:r>
               <a:rPr lang="pt-BR" dirty="0"/>
-              <a:t>Mini-painel</a:t>
+              <a:t>Tabela comparativa</a:t>
             </a:r>
             <a:endParaRPr lang="en-US" dirty="0"/>
           </a:p>
@@ -887,6 +912,94 @@
             <a:fld id="{6B24B0AF-B94F-4251-B462-EE52E4EC21D8}" type="slidenum">
               <a:rPr lang="en-US" smtClean="0"/>
               <a:t>56</a:t>
+            </a:fld>
+            <a:endParaRPr lang="en-US" dirty="0"/>
+          </a:p>
+        </p:txBody>
+      </p:sp>
+    </p:spTree>
+    <p:extLst>
+      <p:ext uri="{BB962C8B-B14F-4D97-AF65-F5344CB8AC3E}">
+        <p14:creationId xmlns:p14="http://schemas.microsoft.com/office/powerpoint/2010/main" val="3202172086"/>
+      </p:ext>
+    </p:extLst>
+  </p:cSld>
+  <p:clrMapOvr>
+    <a:masterClrMapping/>
+  </p:clrMapOvr>
+</p:notes>
+</file>
+
+<file path=ppt/notesSlides/notesSlide13.xml><?xml version="1.0" encoding="utf-8"?>
+<p:notes xmlns:a="http://schemas.openxmlformats.org/drawingml/2006/main" xmlns:r="http://schemas.openxmlformats.org/officeDocument/2006/relationships" xmlns:p="http://schemas.openxmlformats.org/presentationml/2006/main">
+  <p:cSld>
+    <p:spTree>
+      <p:nvGrpSpPr>
+        <p:cNvPr id="1" name=""/>
+        <p:cNvGrpSpPr/>
+        <p:nvPr/>
+      </p:nvGrpSpPr>
+      <p:grpSpPr>
+        <a:xfrm>
+          <a:off x="0" y="0"/>
+          <a:ext cx="0" cy="0"/>
+          <a:chOff x="0" y="0"/>
+          <a:chExt cx="0" cy="0"/>
+        </a:xfrm>
+      </p:grpSpPr>
+      <p:sp>
+        <p:nvSpPr>
+          <p:cNvPr id="2" name="Espaço Reservado para Imagem de Slide 1"/>
+          <p:cNvSpPr>
+            <a:spLocks noGrp="1" noRot="1" noChangeAspect="1"/>
+          </p:cNvSpPr>
+          <p:nvPr>
+            <p:ph type="sldImg"/>
+          </p:nvPr>
+        </p:nvSpPr>
+        <p:spPr/>
+      </p:sp>
+      <p:sp>
+        <p:nvSpPr>
+          <p:cNvPr id="3" name="Espaço Reservado para Anotações 2"/>
+          <p:cNvSpPr>
+            <a:spLocks noGrp="1"/>
+          </p:cNvSpPr>
+          <p:nvPr>
+            <p:ph type="body" idx="1"/>
+          </p:nvPr>
+        </p:nvSpPr>
+        <p:spPr/>
+        <p:txBody>
+          <a:bodyPr/>
+          <a:lstStyle/>
+          <a:p>
+            <a:r>
+              <a:rPr lang="pt-BR" dirty="0"/>
+              <a:t>Mini-painel</a:t>
+            </a:r>
+            <a:endParaRPr lang="en-US" dirty="0"/>
+          </a:p>
+        </p:txBody>
+      </p:sp>
+      <p:sp>
+        <p:nvSpPr>
+          <p:cNvPr id="4" name="Espaço Reservado para Número de Slide 3"/>
+          <p:cNvSpPr>
+            <a:spLocks noGrp="1"/>
+          </p:cNvSpPr>
+          <p:nvPr>
+            <p:ph type="sldNum" sz="quarter" idx="5"/>
+          </p:nvPr>
+        </p:nvSpPr>
+        <p:spPr/>
+        <p:txBody>
+          <a:bodyPr/>
+          <a:lstStyle/>
+          <a:p>
+            <a:fld id="{6B24B0AF-B94F-4251-B462-EE52E4EC21D8}" type="slidenum">
+              <a:rPr lang="en-US" smtClean="0"/>
+              <a:t>57</a:t>
             </a:fld>
             <a:endParaRPr lang="en-US" dirty="0"/>
           </a:p>
@@ -1544,6 +1657,166 @@
   <p:cSld>
     <p:spTree>
       <p:nvGrpSpPr>
+        <p:cNvPr id="1" name="">
+          <a:extLst>
+            <a:ext uri="{FF2B5EF4-FFF2-40B4-BE49-F238E27FC236}">
+              <a16:creationId xmlns:a16="http://schemas.microsoft.com/office/drawing/2014/main" id="{084185C3-E6BB-8C06-608A-9727CBE60961}"/>
+            </a:ext>
+          </a:extLst>
+        </p:cNvPr>
+        <p:cNvGrpSpPr/>
+        <p:nvPr/>
+      </p:nvGrpSpPr>
+      <p:grpSpPr>
+        <a:xfrm>
+          <a:off x="0" y="0"/>
+          <a:ext cx="0" cy="0"/>
+          <a:chOff x="0" y="0"/>
+          <a:chExt cx="0" cy="0"/>
+        </a:xfrm>
+      </p:grpSpPr>
+      <p:sp>
+        <p:nvSpPr>
+          <p:cNvPr id="2" name="Espaço Reservado para Imagem de Slide 1">
+            <a:extLst>
+              <a:ext uri="{FF2B5EF4-FFF2-40B4-BE49-F238E27FC236}">
+                <a16:creationId xmlns:a16="http://schemas.microsoft.com/office/drawing/2014/main" id="{E8D85F4A-C7A9-F06A-6B05-0ABF3526435B}"/>
+              </a:ext>
+            </a:extLst>
+          </p:cNvPr>
+          <p:cNvSpPr>
+            <a:spLocks noGrp="1" noRot="1" noChangeAspect="1"/>
+          </p:cNvSpPr>
+          <p:nvPr>
+            <p:ph type="sldImg"/>
+          </p:nvPr>
+        </p:nvSpPr>
+        <p:spPr/>
+      </p:sp>
+      <p:sp>
+        <p:nvSpPr>
+          <p:cNvPr id="3" name="Espaço Reservado para Anotações 2">
+            <a:extLst>
+              <a:ext uri="{FF2B5EF4-FFF2-40B4-BE49-F238E27FC236}">
+                <a16:creationId xmlns:a16="http://schemas.microsoft.com/office/drawing/2014/main" id="{45786A41-0556-C050-52D8-44DEEDEB9535}"/>
+              </a:ext>
+            </a:extLst>
+          </p:cNvPr>
+          <p:cNvSpPr>
+            <a:spLocks noGrp="1"/>
+          </p:cNvSpPr>
+          <p:nvPr>
+            <p:ph type="body" idx="1"/>
+          </p:nvPr>
+        </p:nvSpPr>
+        <p:spPr/>
+        <p:txBody>
+          <a:bodyPr/>
+          <a:lstStyle/>
+          <a:p>
+            <a:r>
+              <a:rPr lang="en-US" dirty="0" err="1"/>
+              <a:t>Não</a:t>
+            </a:r>
+            <a:r>
+              <a:rPr lang="en-US" dirty="0"/>
+              <a:t> </a:t>
+            </a:r>
+            <a:r>
+              <a:rPr lang="en-US" dirty="0" err="1"/>
+              <a:t>compreendi</a:t>
+            </a:r>
+            <a:r>
+              <a:rPr lang="en-US" dirty="0"/>
+              <a:t> </a:t>
+            </a:r>
+            <a:r>
+              <a:rPr lang="en-US" dirty="0" err="1"/>
+              <a:t>corretamente</a:t>
+            </a:r>
+            <a:r>
+              <a:rPr lang="en-US" dirty="0"/>
+              <a:t>:</a:t>
+            </a:r>
+          </a:p>
+          <a:p>
+            <a:pPr>
+              <a:buNone/>
+            </a:pPr>
+            <a:r>
+              <a:rPr lang="pt-BR" dirty="0">
+                <a:solidFill>
+                  <a:schemeClr val="bg1"/>
+                </a:solidFill>
+              </a:rPr>
+              <a:t>Se o rating segue “eventual default” (Basel PD Ever) → use EVER para coerência.</a:t>
+            </a:r>
+          </a:p>
+          <a:p>
+            <a:pPr>
+              <a:buNone/>
+            </a:pPr>
+            <a:r>
+              <a:rPr lang="pt-BR" dirty="0">
+                <a:solidFill>
+                  <a:schemeClr val="bg1"/>
+                </a:solidFill>
+              </a:rPr>
+              <a:t>Se já existe matriz de transição mensal (PD point-in-time) → OVER pode se encaixar.</a:t>
+            </a:r>
+          </a:p>
+          <a:p>
+            <a:endParaRPr lang="en-US" dirty="0"/>
+          </a:p>
+        </p:txBody>
+      </p:sp>
+      <p:sp>
+        <p:nvSpPr>
+          <p:cNvPr id="4" name="Espaço Reservado para Número de Slide 3">
+            <a:extLst>
+              <a:ext uri="{FF2B5EF4-FFF2-40B4-BE49-F238E27FC236}">
+                <a16:creationId xmlns:a16="http://schemas.microsoft.com/office/drawing/2014/main" id="{8A4151F4-733A-CAB2-6576-9DD7D4F2687D}"/>
+              </a:ext>
+            </a:extLst>
+          </p:cNvPr>
+          <p:cNvSpPr>
+            <a:spLocks noGrp="1"/>
+          </p:cNvSpPr>
+          <p:nvPr>
+            <p:ph type="sldNum" sz="quarter" idx="5"/>
+          </p:nvPr>
+        </p:nvSpPr>
+        <p:spPr/>
+        <p:txBody>
+          <a:bodyPr/>
+          <a:lstStyle/>
+          <a:p>
+            <a:fld id="{6B24B0AF-B94F-4251-B462-EE52E4EC21D8}" type="slidenum">
+              <a:rPr lang="en-US" smtClean="0"/>
+              <a:t>27</a:t>
+            </a:fld>
+            <a:endParaRPr lang="en-US" dirty="0"/>
+          </a:p>
+        </p:txBody>
+      </p:sp>
+    </p:spTree>
+    <p:extLst>
+      <p:ext uri="{BB962C8B-B14F-4D97-AF65-F5344CB8AC3E}">
+        <p14:creationId xmlns:p14="http://schemas.microsoft.com/office/powerpoint/2010/main" val="515811512"/>
+      </p:ext>
+    </p:extLst>
+  </p:cSld>
+  <p:clrMapOvr>
+    <a:masterClrMapping/>
+  </p:clrMapOvr>
+</p:notes>
+</file>
+
+<file path=ppt/notesSlides/notesSlide7.xml><?xml version="1.0" encoding="utf-8"?>
+<p:notes xmlns:a="http://schemas.openxmlformats.org/drawingml/2006/main" xmlns:r="http://schemas.openxmlformats.org/officeDocument/2006/relationships" xmlns:p="http://schemas.openxmlformats.org/presentationml/2006/main">
+  <p:cSld>
+    <p:spTree>
+      <p:nvGrpSpPr>
         <p:cNvPr id="1" name=""/>
         <p:cNvGrpSpPr/>
         <p:nvPr/>
@@ -1608,7 +1881,7 @@
           <a:p>
             <a:fld id="{6B24B0AF-B94F-4251-B462-EE52E4EC21D8}" type="slidenum">
               <a:rPr lang="en-US" smtClean="0"/>
-              <a:t>50</a:t>
+              <a:t>51</a:t>
             </a:fld>
             <a:endParaRPr lang="en-US" dirty="0"/>
           </a:p>
@@ -1627,7 +1900,7 @@
 </p:notes>
 </file>
 
-<file path=ppt/notesSlides/notesSlide7.xml><?xml version="1.0" encoding="utf-8"?>
+<file path=ppt/notesSlides/notesSlide8.xml><?xml version="1.0" encoding="utf-8"?>
 <p:notes xmlns:a="http://schemas.openxmlformats.org/drawingml/2006/main" xmlns:r="http://schemas.openxmlformats.org/officeDocument/2006/relationships" xmlns:p="http://schemas.openxmlformats.org/presentationml/2006/main">
   <p:cSld>
     <p:spTree>
@@ -1720,7 +1993,7 @@
           <a:p>
             <a:fld id="{6B24B0AF-B94F-4251-B462-EE52E4EC21D8}" type="slidenum">
               <a:rPr lang="en-US" smtClean="0"/>
-              <a:t>51</a:t>
+              <a:t>52</a:t>
             </a:fld>
             <a:endParaRPr lang="en-US" dirty="0"/>
           </a:p>
@@ -1739,7 +2012,7 @@
 </p:notes>
 </file>
 
-<file path=ppt/notesSlides/notesSlide8.xml><?xml version="1.0" encoding="utf-8"?>
+<file path=ppt/notesSlides/notesSlide9.xml><?xml version="1.0" encoding="utf-8"?>
 <p:notes xmlns:a="http://schemas.openxmlformats.org/drawingml/2006/main" xmlns:r="http://schemas.openxmlformats.org/officeDocument/2006/relationships" xmlns:p="http://schemas.openxmlformats.org/presentationml/2006/main">
   <p:cSld>
     <p:spTree>
@@ -1832,7 +2105,7 @@
           <a:p>
             <a:fld id="{6B24B0AF-B94F-4251-B462-EE52E4EC21D8}" type="slidenum">
               <a:rPr lang="en-US" smtClean="0"/>
-              <a:t>52</a:t>
+              <a:t>53</a:t>
             </a:fld>
             <a:endParaRPr lang="en-US" dirty="0"/>
           </a:p>
@@ -1842,118 +2115,6 @@
     <p:extLst>
       <p:ext uri="{BB962C8B-B14F-4D97-AF65-F5344CB8AC3E}">
         <p14:creationId xmlns:p14="http://schemas.microsoft.com/office/powerpoint/2010/main" val="426082143"/>
-      </p:ext>
-    </p:extLst>
-  </p:cSld>
-  <p:clrMapOvr>
-    <a:masterClrMapping/>
-  </p:clrMapOvr>
-</p:notes>
-</file>
-
-<file path=ppt/notesSlides/notesSlide9.xml><?xml version="1.0" encoding="utf-8"?>
-<p:notes xmlns:a="http://schemas.openxmlformats.org/drawingml/2006/main" xmlns:r="http://schemas.openxmlformats.org/officeDocument/2006/relationships" xmlns:p="http://schemas.openxmlformats.org/presentationml/2006/main">
-  <p:cSld>
-    <p:spTree>
-      <p:nvGrpSpPr>
-        <p:cNvPr id="1" name="">
-          <a:extLst>
-            <a:ext uri="{FF2B5EF4-FFF2-40B4-BE49-F238E27FC236}">
-              <a16:creationId xmlns:a16="http://schemas.microsoft.com/office/drawing/2014/main" id="{5460D83A-62FC-4211-4257-E2EE4EDF1F6F}"/>
-            </a:ext>
-          </a:extLst>
-        </p:cNvPr>
-        <p:cNvGrpSpPr/>
-        <p:nvPr/>
-      </p:nvGrpSpPr>
-      <p:grpSpPr>
-        <a:xfrm>
-          <a:off x="0" y="0"/>
-          <a:ext cx="0" cy="0"/>
-          <a:chOff x="0" y="0"/>
-          <a:chExt cx="0" cy="0"/>
-        </a:xfrm>
-      </p:grpSpPr>
-      <p:sp>
-        <p:nvSpPr>
-          <p:cNvPr id="2" name="Espaço Reservado para Imagem de Slide 1">
-            <a:extLst>
-              <a:ext uri="{FF2B5EF4-FFF2-40B4-BE49-F238E27FC236}">
-                <a16:creationId xmlns:a16="http://schemas.microsoft.com/office/drawing/2014/main" id="{82D02F92-CF30-DF53-958E-C913C4B57FB6}"/>
-              </a:ext>
-            </a:extLst>
-          </p:cNvPr>
-          <p:cNvSpPr>
-            <a:spLocks noGrp="1" noRot="1" noChangeAspect="1"/>
-          </p:cNvSpPr>
-          <p:nvPr>
-            <p:ph type="sldImg"/>
-          </p:nvPr>
-        </p:nvSpPr>
-        <p:spPr/>
-      </p:sp>
-      <p:sp>
-        <p:nvSpPr>
-          <p:cNvPr id="3" name="Espaço Reservado para Anotações 2">
-            <a:extLst>
-              <a:ext uri="{FF2B5EF4-FFF2-40B4-BE49-F238E27FC236}">
-                <a16:creationId xmlns:a16="http://schemas.microsoft.com/office/drawing/2014/main" id="{9789AF4B-2D73-E22F-89FC-7A0761ADB4C4}"/>
-              </a:ext>
-            </a:extLst>
-          </p:cNvPr>
-          <p:cNvSpPr>
-            <a:spLocks noGrp="1"/>
-          </p:cNvSpPr>
-          <p:nvPr>
-            <p:ph type="body" idx="1"/>
-          </p:nvPr>
-        </p:nvSpPr>
-        <p:spPr/>
-        <p:txBody>
-          <a:bodyPr/>
-          <a:lstStyle/>
-          <a:p>
-            <a:r>
-              <a:rPr lang="pt-BR" dirty="0"/>
-              <a:t>Quick-quiz</a:t>
-            </a:r>
-            <a:endParaRPr lang="en-US" dirty="0"/>
-          </a:p>
-        </p:txBody>
-      </p:sp>
-      <p:sp>
-        <p:nvSpPr>
-          <p:cNvPr id="4" name="Espaço Reservado para Número de Slide 3">
-            <a:extLst>
-              <a:ext uri="{FF2B5EF4-FFF2-40B4-BE49-F238E27FC236}">
-                <a16:creationId xmlns:a16="http://schemas.microsoft.com/office/drawing/2014/main" id="{FB8FFCFA-C785-FD71-5A6D-FEEC4D3D733D}"/>
-              </a:ext>
-            </a:extLst>
-          </p:cNvPr>
-          <p:cNvSpPr>
-            <a:spLocks noGrp="1"/>
-          </p:cNvSpPr>
-          <p:nvPr>
-            <p:ph type="sldNum" sz="quarter" idx="5"/>
-          </p:nvPr>
-        </p:nvSpPr>
-        <p:spPr/>
-        <p:txBody>
-          <a:bodyPr/>
-          <a:lstStyle/>
-          <a:p>
-            <a:fld id="{6B24B0AF-B94F-4251-B462-EE52E4EC21D8}" type="slidenum">
-              <a:rPr lang="en-US" smtClean="0"/>
-              <a:t>53</a:t>
-            </a:fld>
-            <a:endParaRPr lang="en-US" dirty="0"/>
-          </a:p>
-        </p:txBody>
-      </p:sp>
-    </p:spTree>
-    <p:extLst>
-      <p:ext uri="{BB962C8B-B14F-4D97-AF65-F5344CB8AC3E}">
-        <p14:creationId xmlns:p14="http://schemas.microsoft.com/office/powerpoint/2010/main" val="2350496753"/>
       </p:ext>
     </p:extLst>
   </p:cSld>
@@ -2112,7 +2273,7 @@
           <a:p>
             <a:fld id="{AC62C343-566C-4875-B304-F6F333EC88E9}" type="datetimeFigureOut">
               <a:rPr lang="en-US" smtClean="0"/>
-              <a:t>7/6/2025</a:t>
+              <a:t>7/12/2025</a:t>
             </a:fld>
             <a:endParaRPr lang="en-US" dirty="0"/>
           </a:p>
@@ -2312,7 +2473,7 @@
           <a:p>
             <a:fld id="{AC62C343-566C-4875-B304-F6F333EC88E9}" type="datetimeFigureOut">
               <a:rPr lang="en-US" smtClean="0"/>
-              <a:t>7/6/2025</a:t>
+              <a:t>7/12/2025</a:t>
             </a:fld>
             <a:endParaRPr lang="en-US" dirty="0"/>
           </a:p>
@@ -2522,7 +2683,7 @@
           <a:p>
             <a:fld id="{AC62C343-566C-4875-B304-F6F333EC88E9}" type="datetimeFigureOut">
               <a:rPr lang="en-US" smtClean="0"/>
-              <a:t>7/6/2025</a:t>
+              <a:t>7/12/2025</a:t>
             </a:fld>
             <a:endParaRPr lang="en-US" dirty="0"/>
           </a:p>
@@ -2722,7 +2883,7 @@
           <a:p>
             <a:fld id="{AC62C343-566C-4875-B304-F6F333EC88E9}" type="datetimeFigureOut">
               <a:rPr lang="en-US" smtClean="0"/>
-              <a:t>7/6/2025</a:t>
+              <a:t>7/12/2025</a:t>
             </a:fld>
             <a:endParaRPr lang="en-US" dirty="0"/>
           </a:p>
@@ -2998,7 +3159,7 @@
           <a:p>
             <a:fld id="{AC62C343-566C-4875-B304-F6F333EC88E9}" type="datetimeFigureOut">
               <a:rPr lang="en-US" smtClean="0"/>
-              <a:t>7/6/2025</a:t>
+              <a:t>7/12/2025</a:t>
             </a:fld>
             <a:endParaRPr lang="en-US" dirty="0"/>
           </a:p>
@@ -3266,7 +3427,7 @@
           <a:p>
             <a:fld id="{AC62C343-566C-4875-B304-F6F333EC88E9}" type="datetimeFigureOut">
               <a:rPr lang="en-US" smtClean="0"/>
-              <a:t>7/6/2025</a:t>
+              <a:t>7/12/2025</a:t>
             </a:fld>
             <a:endParaRPr lang="en-US" dirty="0"/>
           </a:p>
@@ -3681,7 +3842,7 @@
           <a:p>
             <a:fld id="{AC62C343-566C-4875-B304-F6F333EC88E9}" type="datetimeFigureOut">
               <a:rPr lang="en-US" smtClean="0"/>
-              <a:t>7/6/2025</a:t>
+              <a:t>7/12/2025</a:t>
             </a:fld>
             <a:endParaRPr lang="en-US" dirty="0"/>
           </a:p>
@@ -3823,7 +3984,7 @@
           <a:p>
             <a:fld id="{AC62C343-566C-4875-B304-F6F333EC88E9}" type="datetimeFigureOut">
               <a:rPr lang="en-US" smtClean="0"/>
-              <a:t>7/6/2025</a:t>
+              <a:t>7/12/2025</a:t>
             </a:fld>
             <a:endParaRPr lang="en-US" dirty="0"/>
           </a:p>
@@ -3936,7 +4097,7 @@
           <a:p>
             <a:fld id="{AC62C343-566C-4875-B304-F6F333EC88E9}" type="datetimeFigureOut">
               <a:rPr lang="en-US" smtClean="0"/>
-              <a:t>7/6/2025</a:t>
+              <a:t>7/12/2025</a:t>
             </a:fld>
             <a:endParaRPr lang="en-US" dirty="0"/>
           </a:p>
@@ -4249,7 +4410,7 @@
           <a:p>
             <a:fld id="{AC62C343-566C-4875-B304-F6F333EC88E9}" type="datetimeFigureOut">
               <a:rPr lang="en-US" smtClean="0"/>
-              <a:t>7/6/2025</a:t>
+              <a:t>7/12/2025</a:t>
             </a:fld>
             <a:endParaRPr lang="en-US" dirty="0"/>
           </a:p>
@@ -4538,7 +4699,7 @@
           <a:p>
             <a:fld id="{AC62C343-566C-4875-B304-F6F333EC88E9}" type="datetimeFigureOut">
               <a:rPr lang="en-US" smtClean="0"/>
-              <a:t>7/6/2025</a:t>
+              <a:t>7/12/2025</a:t>
             </a:fld>
             <a:endParaRPr lang="en-US" dirty="0"/>
           </a:p>
@@ -4781,7 +4942,7 @@
           <a:p>
             <a:fld id="{AC62C343-566C-4875-B304-F6F333EC88E9}" type="datetimeFigureOut">
               <a:rPr lang="en-US" smtClean="0"/>
-              <a:t>7/6/2025</a:t>
+              <a:t>7/12/2025</a:t>
             </a:fld>
             <a:endParaRPr lang="en-US" dirty="0"/>
           </a:p>
@@ -19545,7 +19706,7 @@
 </file>
 
 <file path=ppt/slides/slide26.xml><?xml version="1.0" encoding="utf-8"?>
-<p:sld xmlns:a="http://schemas.openxmlformats.org/drawingml/2006/main" xmlns:r="http://schemas.openxmlformats.org/officeDocument/2006/relationships" xmlns:p="http://schemas.openxmlformats.org/presentationml/2006/main">
+<p:sld xmlns:a="http://schemas.openxmlformats.org/drawingml/2006/main" xmlns:r="http://schemas.openxmlformats.org/officeDocument/2006/relationships" xmlns:p="http://schemas.openxmlformats.org/presentationml/2006/main" show="0">
   <p:cSld>
     <p:spTree>
       <p:nvGrpSpPr>
@@ -20087,6 +20248,352 @@
 </file>
 
 <file path=ppt/slides/slide27.xml><?xml version="1.0" encoding="utf-8"?>
+<p:sld xmlns:a="http://schemas.openxmlformats.org/drawingml/2006/main" xmlns:r="http://schemas.openxmlformats.org/officeDocument/2006/relationships" xmlns:p="http://schemas.openxmlformats.org/presentationml/2006/main">
+  <p:cSld>
+    <p:spTree>
+      <p:nvGrpSpPr>
+        <p:cNvPr id="1" name="">
+          <a:extLst>
+            <a:ext uri="{FF2B5EF4-FFF2-40B4-BE49-F238E27FC236}">
+              <a16:creationId xmlns:a16="http://schemas.microsoft.com/office/drawing/2014/main" id="{4308B4F2-2842-54CE-CBE1-350E68A38848}"/>
+            </a:ext>
+          </a:extLst>
+        </p:cNvPr>
+        <p:cNvGrpSpPr/>
+        <p:nvPr/>
+      </p:nvGrpSpPr>
+      <p:grpSpPr>
+        <a:xfrm>
+          <a:off x="0" y="0"/>
+          <a:ext cx="0" cy="0"/>
+          <a:chOff x="0" y="0"/>
+          <a:chExt cx="0" cy="0"/>
+        </a:xfrm>
+      </p:grpSpPr>
+      <p:pic>
+        <p:nvPicPr>
+          <p:cNvPr id="9" name="Imagem 8">
+            <a:extLst>
+              <a:ext uri="{FF2B5EF4-FFF2-40B4-BE49-F238E27FC236}">
+                <a16:creationId xmlns:a16="http://schemas.microsoft.com/office/drawing/2014/main" id="{10035626-BD29-01E5-3F5A-B253099841A2}"/>
+              </a:ext>
+            </a:extLst>
+          </p:cNvPr>
+          <p:cNvPicPr>
+            <a:picLocks noChangeAspect="1"/>
+          </p:cNvPicPr>
+          <p:nvPr/>
+        </p:nvPicPr>
+        <p:blipFill>
+          <a:blip r:embed="rId3">
+            <a:extLst>
+              <a:ext uri="{28A0092B-C50C-407E-A947-70E740481C1C}">
+                <a14:useLocalDpi xmlns:a14="http://schemas.microsoft.com/office/drawing/2010/main" val="0"/>
+              </a:ext>
+            </a:extLst>
+          </a:blip>
+          <a:srcRect b="92427"/>
+          <a:stretch>
+            <a:fillRect/>
+          </a:stretch>
+        </p:blipFill>
+        <p:spPr>
+          <a:xfrm>
+            <a:off x="0" y="0"/>
+            <a:ext cx="12192000" cy="6858000"/>
+          </a:xfrm>
+          <a:prstGeom prst="rect">
+            <a:avLst/>
+          </a:prstGeom>
+        </p:spPr>
+      </p:pic>
+      <p:sp>
+        <p:nvSpPr>
+          <p:cNvPr id="8" name="CaixaDeTexto 7">
+            <a:extLst>
+              <a:ext uri="{FF2B5EF4-FFF2-40B4-BE49-F238E27FC236}">
+                <a16:creationId xmlns:a16="http://schemas.microsoft.com/office/drawing/2014/main" id="{C0B6216D-0614-B21D-2129-5D0BB26CC14C}"/>
+              </a:ext>
+            </a:extLst>
+          </p:cNvPr>
+          <p:cNvSpPr txBox="1"/>
+          <p:nvPr/>
+        </p:nvSpPr>
+        <p:spPr>
+          <a:xfrm>
+            <a:off x="6862917" y="124341"/>
+            <a:ext cx="6454642" cy="1107996"/>
+          </a:xfrm>
+          <a:prstGeom prst="rect">
+            <a:avLst/>
+          </a:prstGeom>
+          <a:noFill/>
+        </p:spPr>
+        <p:txBody>
+          <a:bodyPr wrap="square">
+            <a:spAutoFit/>
+          </a:bodyPr>
+          <a:lstStyle/>
+          <a:p>
+            <a:r>
+              <a:rPr lang="pt-BR" sz="6600" b="1" dirty="0">
+                <a:solidFill>
+                  <a:srgbClr val="FF6A00"/>
+                </a:solidFill>
+                <a:latin typeface="Barlow Bold" pitchFamily="34" charset="0"/>
+              </a:rPr>
+              <a:t>EVER x OVER</a:t>
+            </a:r>
+            <a:endParaRPr lang="en-US" sz="6600" dirty="0">
+              <a:solidFill>
+                <a:srgbClr val="FF6A00"/>
+              </a:solidFill>
+            </a:endParaRPr>
+          </a:p>
+        </p:txBody>
+      </p:sp>
+      <p:sp>
+        <p:nvSpPr>
+          <p:cNvPr id="2" name="CaixaDeTexto 1">
+            <a:extLst>
+              <a:ext uri="{FF2B5EF4-FFF2-40B4-BE49-F238E27FC236}">
+                <a16:creationId xmlns:a16="http://schemas.microsoft.com/office/drawing/2014/main" id="{5B52F721-2D48-4FD5-CAB5-38E497315E55}"/>
+              </a:ext>
+            </a:extLst>
+          </p:cNvPr>
+          <p:cNvSpPr txBox="1"/>
+          <p:nvPr/>
+        </p:nvSpPr>
+        <p:spPr>
+          <a:xfrm>
+            <a:off x="931257" y="3118397"/>
+            <a:ext cx="9500769" cy="646331"/>
+          </a:xfrm>
+          <a:prstGeom prst="rect">
+            <a:avLst/>
+          </a:prstGeom>
+          <a:noFill/>
+        </p:spPr>
+        <p:txBody>
+          <a:bodyPr wrap="square">
+            <a:spAutoFit/>
+          </a:bodyPr>
+          <a:lstStyle/>
+          <a:p>
+            <a:pPr>
+              <a:buNone/>
+            </a:pPr>
+            <a:r>
+              <a:rPr lang="pt-BR" dirty="0">
+                <a:solidFill>
+                  <a:schemeClr val="bg1"/>
+                </a:solidFill>
+              </a:rPr>
+              <a:t>Carteira pequena → EVER garante base ≥ 5 % positividade</a:t>
+            </a:r>
+          </a:p>
+          <a:p>
+            <a:pPr>
+              <a:buNone/>
+            </a:pPr>
+            <a:r>
+              <a:rPr lang="pt-BR" dirty="0">
+                <a:solidFill>
+                  <a:schemeClr val="bg1"/>
+                </a:solidFill>
+              </a:rPr>
+              <a:t>Carteira grande e bem distribuída → pode trabalhar com evento raro do OVER.</a:t>
+            </a:r>
+          </a:p>
+        </p:txBody>
+      </p:sp>
+      <p:sp>
+        <p:nvSpPr>
+          <p:cNvPr id="4" name="CaixaDeTexto 3">
+            <a:extLst>
+              <a:ext uri="{FF2B5EF4-FFF2-40B4-BE49-F238E27FC236}">
+                <a16:creationId xmlns:a16="http://schemas.microsoft.com/office/drawing/2014/main" id="{A42D1F54-EEA3-F247-446F-50601A8FB1A2}"/>
+              </a:ext>
+            </a:extLst>
+          </p:cNvPr>
+          <p:cNvSpPr txBox="1"/>
+          <p:nvPr/>
+        </p:nvSpPr>
+        <p:spPr>
+          <a:xfrm>
+            <a:off x="724780" y="2626614"/>
+            <a:ext cx="8901001" cy="523220"/>
+          </a:xfrm>
+          <a:prstGeom prst="rect">
+            <a:avLst/>
+          </a:prstGeom>
+          <a:noFill/>
+        </p:spPr>
+        <p:txBody>
+          <a:bodyPr wrap="square">
+            <a:spAutoFit/>
+          </a:bodyPr>
+          <a:lstStyle/>
+          <a:p>
+            <a:pPr>
+              <a:buNone/>
+            </a:pPr>
+            <a:r>
+              <a:rPr lang="pt-BR" sz="2800" b="1" dirty="0">
+                <a:solidFill>
+                  <a:schemeClr val="bg1"/>
+                </a:solidFill>
+              </a:rPr>
+              <a:t>Volume de dados / incidência mínima para modelagem</a:t>
+            </a:r>
+          </a:p>
+        </p:txBody>
+      </p:sp>
+    </p:spTree>
+    <p:extLst>
+      <p:ext uri="{BB962C8B-B14F-4D97-AF65-F5344CB8AC3E}">
+        <p14:creationId xmlns:p14="http://schemas.microsoft.com/office/powerpoint/2010/main" val="2667478485"/>
+      </p:ext>
+    </p:extLst>
+  </p:cSld>
+  <p:clrMapOvr>
+    <a:masterClrMapping/>
+  </p:clrMapOvr>
+  <p:timing>
+    <p:tnLst>
+      <p:par>
+        <p:cTn id="1" dur="indefinite" restart="never" nodeType="tmRoot">
+          <p:childTnLst>
+            <p:seq concurrent="1" nextAc="seek">
+              <p:cTn id="2" dur="indefinite" nodeType="mainSeq">
+                <p:childTnLst>
+                  <p:par>
+                    <p:cTn id="3" fill="hold">
+                      <p:stCondLst>
+                        <p:cond delay="indefinite"/>
+                      </p:stCondLst>
+                      <p:childTnLst>
+                        <p:par>
+                          <p:cTn id="4" fill="hold">
+                            <p:stCondLst>
+                              <p:cond delay="0"/>
+                            </p:stCondLst>
+                            <p:childTnLst>
+                              <p:par>
+                                <p:cTn id="5" presetID="10" presetClass="entr" presetSubtype="0" fill="hold" grpId="0" nodeType="clickEffect">
+                                  <p:stCondLst>
+                                    <p:cond delay="0"/>
+                                  </p:stCondLst>
+                                  <p:childTnLst>
+                                    <p:set>
+                                      <p:cBhvr>
+                                        <p:cTn id="6" dur="1" fill="hold">
+                                          <p:stCondLst>
+                                            <p:cond delay="0"/>
+                                          </p:stCondLst>
+                                        </p:cTn>
+                                        <p:tgtEl>
+                                          <p:spTgt spid="4"/>
+                                        </p:tgtEl>
+                                        <p:attrNameLst>
+                                          <p:attrName>style.visibility</p:attrName>
+                                        </p:attrNameLst>
+                                      </p:cBhvr>
+                                      <p:to>
+                                        <p:strVal val="visible"/>
+                                      </p:to>
+                                    </p:set>
+                                    <p:animEffect transition="in" filter="fade">
+                                      <p:cBhvr>
+                                        <p:cTn id="7" dur="500"/>
+                                        <p:tgtEl>
+                                          <p:spTgt spid="4"/>
+                                        </p:tgtEl>
+                                      </p:cBhvr>
+                                    </p:animEffect>
+                                  </p:childTnLst>
+                                </p:cTn>
+                              </p:par>
+                            </p:childTnLst>
+                          </p:cTn>
+                        </p:par>
+                        <p:par>
+                          <p:cTn id="8" fill="hold">
+                            <p:stCondLst>
+                              <p:cond delay="500"/>
+                            </p:stCondLst>
+                            <p:childTnLst>
+                              <p:par>
+                                <p:cTn id="9" presetID="10" presetClass="entr" presetSubtype="0" fill="hold" grpId="0" nodeType="afterEffect">
+                                  <p:stCondLst>
+                                    <p:cond delay="0"/>
+                                  </p:stCondLst>
+                                  <p:childTnLst>
+                                    <p:set>
+                                      <p:cBhvr>
+                                        <p:cTn id="10" dur="1" fill="hold">
+                                          <p:stCondLst>
+                                            <p:cond delay="0"/>
+                                          </p:stCondLst>
+                                        </p:cTn>
+                                        <p:tgtEl>
+                                          <p:spTgt spid="2"/>
+                                        </p:tgtEl>
+                                        <p:attrNameLst>
+                                          <p:attrName>style.visibility</p:attrName>
+                                        </p:attrNameLst>
+                                      </p:cBhvr>
+                                      <p:to>
+                                        <p:strVal val="visible"/>
+                                      </p:to>
+                                    </p:set>
+                                    <p:animEffect transition="in" filter="fade">
+                                      <p:cBhvr>
+                                        <p:cTn id="11" dur="500"/>
+                                        <p:tgtEl>
+                                          <p:spTgt spid="2"/>
+                                        </p:tgtEl>
+                                      </p:cBhvr>
+                                    </p:animEffect>
+                                  </p:childTnLst>
+                                </p:cTn>
+                              </p:par>
+                            </p:childTnLst>
+                          </p:cTn>
+                        </p:par>
+                      </p:childTnLst>
+                    </p:cTn>
+                  </p:par>
+                </p:childTnLst>
+              </p:cTn>
+              <p:prevCondLst>
+                <p:cond evt="onPrev" delay="0">
+                  <p:tgtEl>
+                    <p:sldTgt/>
+                  </p:tgtEl>
+                </p:cond>
+              </p:prevCondLst>
+              <p:nextCondLst>
+                <p:cond evt="onNext" delay="0">
+                  <p:tgtEl>
+                    <p:sldTgt/>
+                  </p:tgtEl>
+                </p:cond>
+              </p:nextCondLst>
+            </p:seq>
+          </p:childTnLst>
+        </p:cTn>
+      </p:par>
+    </p:tnLst>
+    <p:bldLst>
+      <p:bldP spid="2" grpId="0"/>
+      <p:bldP spid="4" grpId="0"/>
+    </p:bldLst>
+  </p:timing>
+</p:sld>
+</file>
+
+<file path=ppt/slides/slide28.xml><?xml version="1.0" encoding="utf-8"?>
 <p:sld xmlns:a="http://schemas.openxmlformats.org/drawingml/2006/main" xmlns:r="http://schemas.openxmlformats.org/officeDocument/2006/relationships" xmlns:p="http://schemas.openxmlformats.org/presentationml/2006/main">
   <p:cSld>
     <p:spTree>
@@ -20689,7 +21196,7 @@
 </p:sld>
 </file>
 
-<file path=ppt/slides/slide28.xml><?xml version="1.0" encoding="utf-8"?>
+<file path=ppt/slides/slide29.xml><?xml version="1.0" encoding="utf-8"?>
 <p:sld xmlns:a="http://schemas.openxmlformats.org/drawingml/2006/main" xmlns:r="http://schemas.openxmlformats.org/officeDocument/2006/relationships" xmlns:p="http://schemas.openxmlformats.org/presentationml/2006/main">
   <p:cSld>
     <p:spTree>
@@ -21481,7 +21988,1492 @@
 </p:sld>
 </file>
 
-<file path=ppt/slides/slide29.xml><?xml version="1.0" encoding="utf-8"?>
+<file path=ppt/slides/slide3.xml><?xml version="1.0" encoding="utf-8"?>
+<p:sld xmlns:a="http://schemas.openxmlformats.org/drawingml/2006/main" xmlns:r="http://schemas.openxmlformats.org/officeDocument/2006/relationships" xmlns:p="http://schemas.openxmlformats.org/presentationml/2006/main">
+  <p:cSld>
+    <p:spTree>
+      <p:nvGrpSpPr>
+        <p:cNvPr id="1" name="">
+          <a:extLst>
+            <a:ext uri="{FF2B5EF4-FFF2-40B4-BE49-F238E27FC236}">
+              <a16:creationId xmlns:a16="http://schemas.microsoft.com/office/drawing/2014/main" id="{B5C1670B-EAC5-72E8-E955-0AF23E36F803}"/>
+            </a:ext>
+          </a:extLst>
+        </p:cNvPr>
+        <p:cNvGrpSpPr/>
+        <p:nvPr/>
+      </p:nvGrpSpPr>
+      <p:grpSpPr>
+        <a:xfrm>
+          <a:off x="0" y="0"/>
+          <a:ext cx="0" cy="0"/>
+          <a:chOff x="0" y="0"/>
+          <a:chExt cx="0" cy="0"/>
+        </a:xfrm>
+      </p:grpSpPr>
+      <p:pic>
+        <p:nvPicPr>
+          <p:cNvPr id="9" name="Imagem 8">
+            <a:extLst>
+              <a:ext uri="{FF2B5EF4-FFF2-40B4-BE49-F238E27FC236}">
+                <a16:creationId xmlns:a16="http://schemas.microsoft.com/office/drawing/2014/main" id="{696EBA8A-C640-D08C-181E-1753783F3B62}"/>
+              </a:ext>
+            </a:extLst>
+          </p:cNvPr>
+          <p:cNvPicPr>
+            <a:picLocks noChangeAspect="1"/>
+          </p:cNvPicPr>
+          <p:nvPr/>
+        </p:nvPicPr>
+        <p:blipFill>
+          <a:blip r:embed="rId2">
+            <a:extLst>
+              <a:ext uri="{28A0092B-C50C-407E-A947-70E740481C1C}">
+                <a14:useLocalDpi xmlns:a14="http://schemas.microsoft.com/office/drawing/2010/main" val="0"/>
+              </a:ext>
+            </a:extLst>
+          </a:blip>
+          <a:srcRect b="92427"/>
+          <a:stretch>
+            <a:fillRect/>
+          </a:stretch>
+        </p:blipFill>
+        <p:spPr>
+          <a:xfrm>
+            <a:off x="0" y="0"/>
+            <a:ext cx="12192000" cy="6858000"/>
+          </a:xfrm>
+          <a:prstGeom prst="rect">
+            <a:avLst/>
+          </a:prstGeom>
+        </p:spPr>
+      </p:pic>
+      <p:sp>
+        <p:nvSpPr>
+          <p:cNvPr id="2" name="Text 0">
+            <a:extLst>
+              <a:ext uri="{FF2B5EF4-FFF2-40B4-BE49-F238E27FC236}">
+                <a16:creationId xmlns:a16="http://schemas.microsoft.com/office/drawing/2014/main" id="{134B57EE-6998-AB4D-3590-CCDC3734D4FB}"/>
+              </a:ext>
+            </a:extLst>
+          </p:cNvPr>
+          <p:cNvSpPr/>
+          <p:nvPr/>
+        </p:nvSpPr>
+        <p:spPr>
+          <a:xfrm>
+            <a:off x="440809" y="297300"/>
+            <a:ext cx="5416510" cy="676989"/>
+          </a:xfrm>
+          <a:prstGeom prst="rect">
+            <a:avLst/>
+          </a:prstGeom>
+          <a:noFill/>
+          <a:ln/>
+        </p:spPr>
+        <p:txBody>
+          <a:bodyPr wrap="none" lIns="0" tIns="0" rIns="0" bIns="0" rtlCol="0" anchor="t"/>
+          <a:lstStyle/>
+          <a:p>
+            <a:pPr marL="0" indent="0" algn="l">
+              <a:lnSpc>
+                <a:spcPts val="5300"/>
+              </a:lnSpc>
+              <a:buNone/>
+            </a:pPr>
+            <a:r>
+              <a:rPr lang="en-US" sz="4000" b="1" dirty="0">
+                <a:solidFill>
+                  <a:srgbClr val="FF6A00"/>
+                </a:solidFill>
+                <a:latin typeface="Barlow Bold" pitchFamily="34" charset="0"/>
+                <a:ea typeface="Barlow Bold" pitchFamily="34" charset="-122"/>
+                <a:cs typeface="Barlow Bold" pitchFamily="34" charset="-120"/>
+              </a:rPr>
+              <a:t>Cronograma Geral</a:t>
+            </a:r>
+            <a:endParaRPr lang="en-US" sz="4000" dirty="0">
+              <a:solidFill>
+                <a:srgbClr val="FF6A00"/>
+              </a:solidFill>
+            </a:endParaRPr>
+          </a:p>
+        </p:txBody>
+      </p:sp>
+      <p:sp>
+        <p:nvSpPr>
+          <p:cNvPr id="4" name="Shape 2">
+            <a:extLst>
+              <a:ext uri="{FF2B5EF4-FFF2-40B4-BE49-F238E27FC236}">
+                <a16:creationId xmlns:a16="http://schemas.microsoft.com/office/drawing/2014/main" id="{DE1D4533-25B7-1F7E-C7BD-550A183BE45A}"/>
+              </a:ext>
+            </a:extLst>
+          </p:cNvPr>
+          <p:cNvSpPr/>
+          <p:nvPr/>
+        </p:nvSpPr>
+        <p:spPr>
+          <a:xfrm>
+            <a:off x="433189" y="1263969"/>
+            <a:ext cx="11235928" cy="5210889"/>
+          </a:xfrm>
+          <a:prstGeom prst="roundRect">
+            <a:avLst>
+              <a:gd name="adj" fmla="val 3555"/>
+            </a:avLst>
+          </a:prstGeom>
+          <a:noFill/>
+          <a:ln w="7620">
+            <a:solidFill>
+              <a:srgbClr val="FFFFFF">
+                <a:alpha val="24000"/>
+              </a:srgbClr>
+            </a:solidFill>
+            <a:prstDash val="solid"/>
+          </a:ln>
+        </p:spPr>
+      </p:sp>
+      <p:sp>
+        <p:nvSpPr>
+          <p:cNvPr id="5" name="Shape 3">
+            <a:extLst>
+              <a:ext uri="{FF2B5EF4-FFF2-40B4-BE49-F238E27FC236}">
+                <a16:creationId xmlns:a16="http://schemas.microsoft.com/office/drawing/2014/main" id="{CB24A5ED-BDE4-CC9F-EC15-DE9D3C98DB3F}"/>
+              </a:ext>
+            </a:extLst>
+          </p:cNvPr>
+          <p:cNvSpPr/>
+          <p:nvPr/>
+        </p:nvSpPr>
+        <p:spPr>
+          <a:xfrm>
+            <a:off x="440809" y="1271589"/>
+            <a:ext cx="11222871" cy="920829"/>
+          </a:xfrm>
+          <a:prstGeom prst="rect">
+            <a:avLst/>
+          </a:prstGeom>
+          <a:solidFill>
+            <a:srgbClr val="FFFFFF">
+              <a:alpha val="4000"/>
+            </a:srgbClr>
+          </a:solidFill>
+          <a:ln/>
+        </p:spPr>
+      </p:sp>
+      <p:sp>
+        <p:nvSpPr>
+          <p:cNvPr id="6" name="Text 4">
+            <a:extLst>
+              <a:ext uri="{FF2B5EF4-FFF2-40B4-BE49-F238E27FC236}">
+                <a16:creationId xmlns:a16="http://schemas.microsoft.com/office/drawing/2014/main" id="{922708C0-4A71-65FA-41D2-2E4C094820A4}"/>
+              </a:ext>
+            </a:extLst>
+          </p:cNvPr>
+          <p:cNvSpPr/>
+          <p:nvPr/>
+        </p:nvSpPr>
+        <p:spPr>
+          <a:xfrm>
+            <a:off x="697587" y="1601963"/>
+            <a:ext cx="766425" cy="265293"/>
+          </a:xfrm>
+          <a:prstGeom prst="rect">
+            <a:avLst/>
+          </a:prstGeom>
+          <a:noFill/>
+          <a:ln/>
+        </p:spPr>
+        <p:txBody>
+          <a:bodyPr wrap="none" lIns="0" tIns="0" rIns="0" bIns="0" rtlCol="0" anchor="t"/>
+          <a:lstStyle/>
+          <a:p>
+            <a:pPr marL="0" indent="0" algn="ctr">
+              <a:lnSpc>
+                <a:spcPts val="2550"/>
+              </a:lnSpc>
+              <a:buNone/>
+            </a:pPr>
+            <a:r>
+              <a:rPr lang="en-US" sz="1600" dirty="0">
+                <a:solidFill>
+                  <a:srgbClr val="EEEFF5"/>
+                </a:solidFill>
+                <a:latin typeface="Montserrat" pitchFamily="34" charset="0"/>
+                <a:ea typeface="Montserrat" pitchFamily="34" charset="-122"/>
+                <a:cs typeface="Montserrat" pitchFamily="34" charset="-120"/>
+              </a:rPr>
+              <a:t>1</a:t>
+            </a:r>
+            <a:endParaRPr lang="en-US" sz="1600" dirty="0"/>
+          </a:p>
+        </p:txBody>
+      </p:sp>
+      <p:sp>
+        <p:nvSpPr>
+          <p:cNvPr id="7" name="Text 5">
+            <a:extLst>
+              <a:ext uri="{FF2B5EF4-FFF2-40B4-BE49-F238E27FC236}">
+                <a16:creationId xmlns:a16="http://schemas.microsoft.com/office/drawing/2014/main" id="{6D90A144-ECF8-426D-AC46-EFDB70B2B021}"/>
+              </a:ext>
+            </a:extLst>
+          </p:cNvPr>
+          <p:cNvSpPr/>
+          <p:nvPr/>
+        </p:nvSpPr>
+        <p:spPr>
+          <a:xfrm>
+            <a:off x="1795305" y="1601963"/>
+            <a:ext cx="1324334" cy="265293"/>
+          </a:xfrm>
+          <a:prstGeom prst="rect">
+            <a:avLst/>
+          </a:prstGeom>
+          <a:noFill/>
+          <a:ln/>
+        </p:spPr>
+        <p:txBody>
+          <a:bodyPr wrap="none" lIns="0" tIns="0" rIns="0" bIns="0" rtlCol="0" anchor="t"/>
+          <a:lstStyle/>
+          <a:p>
+            <a:pPr marL="0" indent="0" algn="ctr">
+              <a:lnSpc>
+                <a:spcPts val="2550"/>
+              </a:lnSpc>
+              <a:buNone/>
+            </a:pPr>
+            <a:r>
+              <a:rPr lang="en-US" sz="1600" dirty="0">
+                <a:solidFill>
+                  <a:srgbClr val="EEEFF5"/>
+                </a:solidFill>
+                <a:latin typeface="Montserrat" pitchFamily="34" charset="0"/>
+                <a:ea typeface="Montserrat" pitchFamily="34" charset="-122"/>
+                <a:cs typeface="Montserrat" pitchFamily="34" charset="-120"/>
+              </a:rPr>
+              <a:t>05/jul</a:t>
+            </a:r>
+            <a:endParaRPr lang="en-US" sz="1600" dirty="0"/>
+          </a:p>
+        </p:txBody>
+      </p:sp>
+      <p:sp>
+        <p:nvSpPr>
+          <p:cNvPr id="8" name="Text 6">
+            <a:extLst>
+              <a:ext uri="{FF2B5EF4-FFF2-40B4-BE49-F238E27FC236}">
+                <a16:creationId xmlns:a16="http://schemas.microsoft.com/office/drawing/2014/main" id="{47A7C380-9BDB-E10D-5481-0F9F14C5832B}"/>
+              </a:ext>
+            </a:extLst>
+          </p:cNvPr>
+          <p:cNvSpPr/>
+          <p:nvPr/>
+        </p:nvSpPr>
+        <p:spPr>
+          <a:xfrm>
+            <a:off x="3335539" y="1557464"/>
+            <a:ext cx="4149841" cy="354291"/>
+          </a:xfrm>
+          <a:prstGeom prst="rect">
+            <a:avLst/>
+          </a:prstGeom>
+          <a:noFill/>
+          <a:ln/>
+        </p:spPr>
+        <p:txBody>
+          <a:bodyPr wrap="square" lIns="0" tIns="0" rIns="0" bIns="0" rtlCol="0" anchor="t"/>
+          <a:lstStyle/>
+          <a:p>
+            <a:pPr marL="0" indent="0">
+              <a:lnSpc>
+                <a:spcPts val="2550"/>
+              </a:lnSpc>
+              <a:buNone/>
+            </a:pPr>
+            <a:r>
+              <a:rPr lang="en-US" sz="1600" dirty="0">
+                <a:solidFill>
+                  <a:srgbClr val="EEEFF5"/>
+                </a:solidFill>
+                <a:latin typeface="Montserrat" pitchFamily="34" charset="0"/>
+                <a:ea typeface="Montserrat" pitchFamily="34" charset="-122"/>
+                <a:cs typeface="Montserrat" pitchFamily="34" charset="-120"/>
+              </a:rPr>
+              <a:t>Fundamentos e Contexto Regulatório</a:t>
+            </a:r>
+            <a:endParaRPr lang="en-US" sz="1600" dirty="0"/>
+          </a:p>
+        </p:txBody>
+      </p:sp>
+      <p:sp>
+        <p:nvSpPr>
+          <p:cNvPr id="10" name="Text 7">
+            <a:extLst>
+              <a:ext uri="{FF2B5EF4-FFF2-40B4-BE49-F238E27FC236}">
+                <a16:creationId xmlns:a16="http://schemas.microsoft.com/office/drawing/2014/main" id="{E7155049-130D-1764-B515-CEAEB7D5BBBB}"/>
+              </a:ext>
+            </a:extLst>
+          </p:cNvPr>
+          <p:cNvSpPr/>
+          <p:nvPr/>
+        </p:nvSpPr>
+        <p:spPr>
+          <a:xfrm>
+            <a:off x="7845592" y="1557464"/>
+            <a:ext cx="3007754" cy="354291"/>
+          </a:xfrm>
+          <a:prstGeom prst="rect">
+            <a:avLst/>
+          </a:prstGeom>
+          <a:noFill/>
+          <a:ln/>
+        </p:spPr>
+        <p:txBody>
+          <a:bodyPr wrap="none" lIns="0" tIns="0" rIns="0" bIns="0" rtlCol="0" anchor="t"/>
+          <a:lstStyle/>
+          <a:p>
+            <a:pPr marL="0" indent="0">
+              <a:lnSpc>
+                <a:spcPts val="2550"/>
+              </a:lnSpc>
+              <a:buNone/>
+            </a:pPr>
+            <a:r>
+              <a:rPr lang="en-US" sz="1600" dirty="0">
+                <a:solidFill>
+                  <a:srgbClr val="EEEFF5"/>
+                </a:solidFill>
+                <a:latin typeface="Montserrat" pitchFamily="34" charset="0"/>
+                <a:ea typeface="Montserrat" pitchFamily="34" charset="-122"/>
+                <a:cs typeface="Montserrat" pitchFamily="34" charset="-120"/>
+              </a:rPr>
+              <a:t>Warm-Up Quiz</a:t>
+            </a:r>
+            <a:endParaRPr lang="en-US" sz="1600" dirty="0"/>
+          </a:p>
+        </p:txBody>
+      </p:sp>
+      <p:sp>
+        <p:nvSpPr>
+          <p:cNvPr id="12" name="Shape 9">
+            <a:extLst>
+              <a:ext uri="{FF2B5EF4-FFF2-40B4-BE49-F238E27FC236}">
+                <a16:creationId xmlns:a16="http://schemas.microsoft.com/office/drawing/2014/main" id="{23DE99E0-C914-74AB-0DD0-943BD4033E96}"/>
+              </a:ext>
+            </a:extLst>
+          </p:cNvPr>
+          <p:cNvSpPr/>
+          <p:nvPr/>
+        </p:nvSpPr>
+        <p:spPr>
+          <a:xfrm>
+            <a:off x="440809" y="2192419"/>
+            <a:ext cx="11222871" cy="920829"/>
+          </a:xfrm>
+          <a:prstGeom prst="rect">
+            <a:avLst/>
+          </a:prstGeom>
+          <a:solidFill>
+            <a:srgbClr val="000000">
+              <a:alpha val="4000"/>
+            </a:srgbClr>
+          </a:solidFill>
+          <a:ln/>
+        </p:spPr>
+        <p:txBody>
+          <a:bodyPr/>
+          <a:lstStyle/>
+          <a:p>
+            <a:endParaRPr lang="en-US" dirty="0"/>
+          </a:p>
+        </p:txBody>
+      </p:sp>
+      <p:sp>
+        <p:nvSpPr>
+          <p:cNvPr id="13" name="Text 10">
+            <a:extLst>
+              <a:ext uri="{FF2B5EF4-FFF2-40B4-BE49-F238E27FC236}">
+                <a16:creationId xmlns:a16="http://schemas.microsoft.com/office/drawing/2014/main" id="{9E8014E9-3D02-5C76-6FBB-9C4ABB5FF63A}"/>
+              </a:ext>
+            </a:extLst>
+          </p:cNvPr>
+          <p:cNvSpPr/>
+          <p:nvPr/>
+        </p:nvSpPr>
+        <p:spPr>
+          <a:xfrm>
+            <a:off x="697587" y="2507141"/>
+            <a:ext cx="766425" cy="329327"/>
+          </a:xfrm>
+          <a:prstGeom prst="rect">
+            <a:avLst/>
+          </a:prstGeom>
+          <a:noFill/>
+          <a:ln/>
+        </p:spPr>
+        <p:txBody>
+          <a:bodyPr wrap="none" lIns="0" tIns="0" rIns="0" bIns="0" rtlCol="0" anchor="t"/>
+          <a:lstStyle/>
+          <a:p>
+            <a:pPr marL="0" indent="0" algn="ctr">
+              <a:lnSpc>
+                <a:spcPts val="2550"/>
+              </a:lnSpc>
+              <a:buNone/>
+            </a:pPr>
+            <a:r>
+              <a:rPr lang="en-US" sz="1600" dirty="0">
+                <a:solidFill>
+                  <a:srgbClr val="EEEFF5"/>
+                </a:solidFill>
+                <a:latin typeface="Montserrat" pitchFamily="34" charset="0"/>
+                <a:ea typeface="Montserrat" pitchFamily="34" charset="-122"/>
+                <a:cs typeface="Montserrat" pitchFamily="34" charset="-120"/>
+              </a:rPr>
+              <a:t>2</a:t>
+            </a:r>
+            <a:endParaRPr lang="en-US" sz="1600" dirty="0"/>
+          </a:p>
+        </p:txBody>
+      </p:sp>
+      <p:sp>
+        <p:nvSpPr>
+          <p:cNvPr id="14" name="Text 11">
+            <a:extLst>
+              <a:ext uri="{FF2B5EF4-FFF2-40B4-BE49-F238E27FC236}">
+                <a16:creationId xmlns:a16="http://schemas.microsoft.com/office/drawing/2014/main" id="{00193BE6-FEBF-598C-6281-6C32F49BD400}"/>
+              </a:ext>
+            </a:extLst>
+          </p:cNvPr>
+          <p:cNvSpPr/>
+          <p:nvPr/>
+        </p:nvSpPr>
+        <p:spPr>
+          <a:xfrm>
+            <a:off x="1795227" y="2507141"/>
+            <a:ext cx="1324334" cy="329327"/>
+          </a:xfrm>
+          <a:prstGeom prst="rect">
+            <a:avLst/>
+          </a:prstGeom>
+          <a:noFill/>
+          <a:ln/>
+        </p:spPr>
+        <p:txBody>
+          <a:bodyPr wrap="none" lIns="0" tIns="0" rIns="0" bIns="0" rtlCol="0" anchor="t"/>
+          <a:lstStyle/>
+          <a:p>
+            <a:pPr marL="0" indent="0" algn="ctr">
+              <a:lnSpc>
+                <a:spcPts val="2550"/>
+              </a:lnSpc>
+              <a:buNone/>
+            </a:pPr>
+            <a:r>
+              <a:rPr lang="en-US" sz="1600" dirty="0">
+                <a:solidFill>
+                  <a:srgbClr val="EEEFF5"/>
+                </a:solidFill>
+                <a:latin typeface="Montserrat" pitchFamily="34" charset="0"/>
+                <a:ea typeface="Montserrat" pitchFamily="34" charset="-122"/>
+                <a:cs typeface="Montserrat" pitchFamily="34" charset="-120"/>
+              </a:rPr>
+              <a:t>12/jul</a:t>
+            </a:r>
+            <a:endParaRPr lang="en-US" sz="1600" dirty="0"/>
+          </a:p>
+        </p:txBody>
+      </p:sp>
+      <p:sp>
+        <p:nvSpPr>
+          <p:cNvPr id="15" name="Text 12">
+            <a:extLst>
+              <a:ext uri="{FF2B5EF4-FFF2-40B4-BE49-F238E27FC236}">
+                <a16:creationId xmlns:a16="http://schemas.microsoft.com/office/drawing/2014/main" id="{EC08D478-B201-3C6A-E7C6-36D0E28BA964}"/>
+              </a:ext>
+            </a:extLst>
+          </p:cNvPr>
+          <p:cNvSpPr/>
+          <p:nvPr/>
+        </p:nvSpPr>
+        <p:spPr>
+          <a:xfrm>
+            <a:off x="3335539" y="2509723"/>
+            <a:ext cx="3947553" cy="324163"/>
+          </a:xfrm>
+          <a:prstGeom prst="rect">
+            <a:avLst/>
+          </a:prstGeom>
+          <a:noFill/>
+          <a:ln/>
+        </p:spPr>
+        <p:txBody>
+          <a:bodyPr wrap="square" lIns="0" tIns="0" rIns="0" bIns="0" rtlCol="0" anchor="t"/>
+          <a:lstStyle/>
+          <a:p>
+            <a:pPr marL="0" indent="0">
+              <a:lnSpc>
+                <a:spcPts val="2550"/>
+              </a:lnSpc>
+              <a:buNone/>
+            </a:pPr>
+            <a:r>
+              <a:rPr lang="en-US" sz="1600" dirty="0">
+                <a:solidFill>
+                  <a:srgbClr val="EEEFF5"/>
+                </a:solidFill>
+                <a:latin typeface="Montserrat" pitchFamily="34" charset="0"/>
+                <a:ea typeface="Montserrat" pitchFamily="34" charset="-122"/>
+                <a:cs typeface="Montserrat" pitchFamily="34" charset="-120"/>
+              </a:rPr>
+              <a:t>Estrutura de Dados e Amostragens</a:t>
+            </a:r>
+            <a:endParaRPr lang="en-US" sz="1600" dirty="0"/>
+          </a:p>
+        </p:txBody>
+      </p:sp>
+      <p:sp>
+        <p:nvSpPr>
+          <p:cNvPr id="16" name="Text 13">
+            <a:extLst>
+              <a:ext uri="{FF2B5EF4-FFF2-40B4-BE49-F238E27FC236}">
+                <a16:creationId xmlns:a16="http://schemas.microsoft.com/office/drawing/2014/main" id="{3235FB8A-3E7C-1E5B-FEA8-2A0D9BED1D80}"/>
+              </a:ext>
+            </a:extLst>
+          </p:cNvPr>
+          <p:cNvSpPr/>
+          <p:nvPr/>
+        </p:nvSpPr>
+        <p:spPr>
+          <a:xfrm>
+            <a:off x="7845592" y="2474876"/>
+            <a:ext cx="3666926" cy="393857"/>
+          </a:xfrm>
+          <a:prstGeom prst="rect">
+            <a:avLst/>
+          </a:prstGeom>
+          <a:noFill/>
+          <a:ln/>
+        </p:spPr>
+        <p:txBody>
+          <a:bodyPr wrap="square" lIns="0" tIns="0" rIns="0" bIns="0" rtlCol="0" anchor="t"/>
+          <a:lstStyle/>
+          <a:p>
+            <a:pPr marL="0" indent="0">
+              <a:lnSpc>
+                <a:spcPts val="2550"/>
+              </a:lnSpc>
+              <a:buNone/>
+            </a:pPr>
+            <a:r>
+              <a:rPr lang="en-US" sz="1600" dirty="0">
+                <a:solidFill>
+                  <a:srgbClr val="EEEFF5"/>
+                </a:solidFill>
+                <a:latin typeface="Montserrat" pitchFamily="34" charset="0"/>
+                <a:ea typeface="Montserrat" pitchFamily="34" charset="-122"/>
+                <a:cs typeface="Montserrat" pitchFamily="34" charset="-120"/>
+              </a:rPr>
+              <a:t>Jogo “Conforme ou Não Conforme”</a:t>
+            </a:r>
+            <a:endParaRPr lang="en-US" sz="1600" dirty="0"/>
+          </a:p>
+        </p:txBody>
+      </p:sp>
+      <p:sp>
+        <p:nvSpPr>
+          <p:cNvPr id="18" name="Shape 15">
+            <a:extLst>
+              <a:ext uri="{FF2B5EF4-FFF2-40B4-BE49-F238E27FC236}">
+                <a16:creationId xmlns:a16="http://schemas.microsoft.com/office/drawing/2014/main" id="{51631DC8-5CD7-E910-DE55-152AF0EF7BF2}"/>
+              </a:ext>
+            </a:extLst>
+          </p:cNvPr>
+          <p:cNvSpPr/>
+          <p:nvPr/>
+        </p:nvSpPr>
+        <p:spPr>
+          <a:xfrm>
+            <a:off x="440809" y="3113248"/>
+            <a:ext cx="11222871" cy="920829"/>
+          </a:xfrm>
+          <a:prstGeom prst="rect">
+            <a:avLst/>
+          </a:prstGeom>
+          <a:solidFill>
+            <a:srgbClr val="FFFFFF">
+              <a:alpha val="4000"/>
+            </a:srgbClr>
+          </a:solidFill>
+          <a:ln/>
+        </p:spPr>
+      </p:sp>
+      <p:sp>
+        <p:nvSpPr>
+          <p:cNvPr id="19" name="Text 16">
+            <a:extLst>
+              <a:ext uri="{FF2B5EF4-FFF2-40B4-BE49-F238E27FC236}">
+                <a16:creationId xmlns:a16="http://schemas.microsoft.com/office/drawing/2014/main" id="{B346174E-929F-75C8-BB3D-7A2EA74A93FD}"/>
+              </a:ext>
+            </a:extLst>
+          </p:cNvPr>
+          <p:cNvSpPr/>
+          <p:nvPr/>
+        </p:nvSpPr>
+        <p:spPr>
+          <a:xfrm>
+            <a:off x="697587" y="3403086"/>
+            <a:ext cx="766425" cy="329327"/>
+          </a:xfrm>
+          <a:prstGeom prst="rect">
+            <a:avLst/>
+          </a:prstGeom>
+          <a:noFill/>
+          <a:ln/>
+        </p:spPr>
+        <p:txBody>
+          <a:bodyPr wrap="none" lIns="0" tIns="0" rIns="0" bIns="0" rtlCol="0" anchor="t"/>
+          <a:lstStyle/>
+          <a:p>
+            <a:pPr marL="0" indent="0" algn="ctr">
+              <a:lnSpc>
+                <a:spcPts val="2550"/>
+              </a:lnSpc>
+              <a:buNone/>
+            </a:pPr>
+            <a:r>
+              <a:rPr lang="en-US" sz="1600" dirty="0">
+                <a:solidFill>
+                  <a:srgbClr val="EEEFF5"/>
+                </a:solidFill>
+                <a:latin typeface="Montserrat" pitchFamily="34" charset="0"/>
+                <a:ea typeface="Montserrat" pitchFamily="34" charset="-122"/>
+                <a:cs typeface="Montserrat" pitchFamily="34" charset="-120"/>
+              </a:rPr>
+              <a:t>3</a:t>
+            </a:r>
+            <a:endParaRPr lang="en-US" sz="1600" dirty="0"/>
+          </a:p>
+        </p:txBody>
+      </p:sp>
+      <p:sp>
+        <p:nvSpPr>
+          <p:cNvPr id="20" name="Text 17">
+            <a:extLst>
+              <a:ext uri="{FF2B5EF4-FFF2-40B4-BE49-F238E27FC236}">
+                <a16:creationId xmlns:a16="http://schemas.microsoft.com/office/drawing/2014/main" id="{4A7D61B4-3351-0665-632D-54C7C4FF713F}"/>
+              </a:ext>
+            </a:extLst>
+          </p:cNvPr>
+          <p:cNvSpPr/>
+          <p:nvPr/>
+        </p:nvSpPr>
+        <p:spPr>
+          <a:xfrm>
+            <a:off x="1795305" y="3403086"/>
+            <a:ext cx="1324334" cy="329327"/>
+          </a:xfrm>
+          <a:prstGeom prst="rect">
+            <a:avLst/>
+          </a:prstGeom>
+          <a:noFill/>
+          <a:ln/>
+        </p:spPr>
+        <p:txBody>
+          <a:bodyPr wrap="none" lIns="0" tIns="0" rIns="0" bIns="0" rtlCol="0" anchor="t"/>
+          <a:lstStyle/>
+          <a:p>
+            <a:pPr marL="0" indent="0" algn="ctr">
+              <a:lnSpc>
+                <a:spcPts val="2550"/>
+              </a:lnSpc>
+              <a:buNone/>
+            </a:pPr>
+            <a:r>
+              <a:rPr lang="en-US" sz="1600" dirty="0">
+                <a:solidFill>
+                  <a:srgbClr val="EEEFF5"/>
+                </a:solidFill>
+                <a:latin typeface="Montserrat" pitchFamily="34" charset="0"/>
+                <a:ea typeface="Montserrat" pitchFamily="34" charset="-122"/>
+                <a:cs typeface="Montserrat" pitchFamily="34" charset="-120"/>
+              </a:rPr>
+              <a:t>19/jul</a:t>
+            </a:r>
+            <a:endParaRPr lang="en-US" sz="1600" dirty="0"/>
+          </a:p>
+        </p:txBody>
+      </p:sp>
+      <p:sp>
+        <p:nvSpPr>
+          <p:cNvPr id="21" name="Text 18">
+            <a:extLst>
+              <a:ext uri="{FF2B5EF4-FFF2-40B4-BE49-F238E27FC236}">
+                <a16:creationId xmlns:a16="http://schemas.microsoft.com/office/drawing/2014/main" id="{73702B2A-3C28-C8A5-40E2-1EAC6359E8B1}"/>
+              </a:ext>
+            </a:extLst>
+          </p:cNvPr>
+          <p:cNvSpPr/>
+          <p:nvPr/>
+        </p:nvSpPr>
+        <p:spPr>
+          <a:xfrm>
+            <a:off x="3335539" y="3403086"/>
+            <a:ext cx="3947553" cy="406599"/>
+          </a:xfrm>
+          <a:prstGeom prst="rect">
+            <a:avLst/>
+          </a:prstGeom>
+          <a:noFill/>
+          <a:ln/>
+        </p:spPr>
+        <p:txBody>
+          <a:bodyPr wrap="square" lIns="0" tIns="0" rIns="0" bIns="0" rtlCol="0" anchor="t"/>
+          <a:lstStyle/>
+          <a:p>
+            <a:pPr marL="0" indent="0">
+              <a:lnSpc>
+                <a:spcPts val="2550"/>
+              </a:lnSpc>
+              <a:buNone/>
+            </a:pPr>
+            <a:r>
+              <a:rPr lang="en-US" sz="1600" dirty="0">
+                <a:solidFill>
+                  <a:srgbClr val="EEEFF5"/>
+                </a:solidFill>
+                <a:latin typeface="Montserrat" pitchFamily="34" charset="0"/>
+                <a:ea typeface="Montserrat" pitchFamily="34" charset="-122"/>
+                <a:cs typeface="Montserrat" pitchFamily="34" charset="-120"/>
+              </a:rPr>
+              <a:t>Construção de Targets (PD)</a:t>
+            </a:r>
+            <a:endParaRPr lang="en-US" sz="1600" dirty="0"/>
+          </a:p>
+        </p:txBody>
+      </p:sp>
+      <p:sp>
+        <p:nvSpPr>
+          <p:cNvPr id="22" name="Text 19">
+            <a:extLst>
+              <a:ext uri="{FF2B5EF4-FFF2-40B4-BE49-F238E27FC236}">
+                <a16:creationId xmlns:a16="http://schemas.microsoft.com/office/drawing/2014/main" id="{F7B4C7CE-72A1-268F-54FD-66A2DD31B2FE}"/>
+              </a:ext>
+            </a:extLst>
+          </p:cNvPr>
+          <p:cNvSpPr/>
+          <p:nvPr/>
+        </p:nvSpPr>
+        <p:spPr>
+          <a:xfrm>
+            <a:off x="7845592" y="3403086"/>
+            <a:ext cx="3007754" cy="329327"/>
+          </a:xfrm>
+          <a:prstGeom prst="rect">
+            <a:avLst/>
+          </a:prstGeom>
+          <a:noFill/>
+          <a:ln/>
+        </p:spPr>
+        <p:txBody>
+          <a:bodyPr wrap="none" lIns="0" tIns="0" rIns="0" bIns="0" rtlCol="0" anchor="t"/>
+          <a:lstStyle/>
+          <a:p>
+            <a:pPr marL="0" indent="0">
+              <a:lnSpc>
+                <a:spcPts val="2550"/>
+              </a:lnSpc>
+              <a:buNone/>
+            </a:pPr>
+            <a:r>
+              <a:rPr lang="en-US" sz="1600" dirty="0">
+                <a:solidFill>
+                  <a:srgbClr val="EEEFF5"/>
+                </a:solidFill>
+                <a:latin typeface="Montserrat" pitchFamily="34" charset="0"/>
+                <a:ea typeface="Montserrat" pitchFamily="34" charset="-122"/>
+                <a:cs typeface="Montserrat" pitchFamily="34" charset="-120"/>
+              </a:rPr>
+              <a:t>Mini-desafio Target</a:t>
+            </a:r>
+            <a:endParaRPr lang="en-US" sz="1600" dirty="0"/>
+          </a:p>
+        </p:txBody>
+      </p:sp>
+      <p:sp>
+        <p:nvSpPr>
+          <p:cNvPr id="24" name="Shape 21">
+            <a:extLst>
+              <a:ext uri="{FF2B5EF4-FFF2-40B4-BE49-F238E27FC236}">
+                <a16:creationId xmlns:a16="http://schemas.microsoft.com/office/drawing/2014/main" id="{648838A8-C0E4-A94C-F1C6-31D5C0D131E6}"/>
+              </a:ext>
+            </a:extLst>
+          </p:cNvPr>
+          <p:cNvSpPr/>
+          <p:nvPr/>
+        </p:nvSpPr>
+        <p:spPr>
+          <a:xfrm>
+            <a:off x="440809" y="4034077"/>
+            <a:ext cx="11222871" cy="591503"/>
+          </a:xfrm>
+          <a:prstGeom prst="rect">
+            <a:avLst/>
+          </a:prstGeom>
+          <a:solidFill>
+            <a:srgbClr val="000000">
+              <a:alpha val="4000"/>
+            </a:srgbClr>
+          </a:solidFill>
+          <a:ln/>
+        </p:spPr>
+      </p:sp>
+      <p:sp>
+        <p:nvSpPr>
+          <p:cNvPr id="25" name="Text 22">
+            <a:extLst>
+              <a:ext uri="{FF2B5EF4-FFF2-40B4-BE49-F238E27FC236}">
+                <a16:creationId xmlns:a16="http://schemas.microsoft.com/office/drawing/2014/main" id="{86CCCECF-7E24-4189-C74B-383A000D07B4}"/>
+              </a:ext>
+            </a:extLst>
+          </p:cNvPr>
+          <p:cNvSpPr/>
+          <p:nvPr/>
+        </p:nvSpPr>
+        <p:spPr>
+          <a:xfrm>
+            <a:off x="697587" y="4266765"/>
+            <a:ext cx="766425" cy="329327"/>
+          </a:xfrm>
+          <a:prstGeom prst="rect">
+            <a:avLst/>
+          </a:prstGeom>
+          <a:noFill/>
+          <a:ln/>
+        </p:spPr>
+        <p:txBody>
+          <a:bodyPr wrap="none" lIns="0" tIns="0" rIns="0" bIns="0" rtlCol="0" anchor="t"/>
+          <a:lstStyle/>
+          <a:p>
+            <a:pPr marL="0" indent="0" algn="ctr">
+              <a:lnSpc>
+                <a:spcPts val="2550"/>
+              </a:lnSpc>
+              <a:buNone/>
+            </a:pPr>
+            <a:r>
+              <a:rPr lang="en-US" sz="1600" dirty="0">
+                <a:solidFill>
+                  <a:srgbClr val="EEEFF5"/>
+                </a:solidFill>
+                <a:latin typeface="Montserrat" pitchFamily="34" charset="0"/>
+                <a:ea typeface="Montserrat" pitchFamily="34" charset="-122"/>
+                <a:cs typeface="Montserrat" pitchFamily="34" charset="-120"/>
+              </a:rPr>
+              <a:t>4</a:t>
+            </a:r>
+            <a:endParaRPr lang="en-US" sz="1600" dirty="0"/>
+          </a:p>
+        </p:txBody>
+      </p:sp>
+      <p:sp>
+        <p:nvSpPr>
+          <p:cNvPr id="26" name="Text 23">
+            <a:extLst>
+              <a:ext uri="{FF2B5EF4-FFF2-40B4-BE49-F238E27FC236}">
+                <a16:creationId xmlns:a16="http://schemas.microsoft.com/office/drawing/2014/main" id="{F8631764-47AD-5549-D30A-E7D39E402BE7}"/>
+              </a:ext>
+            </a:extLst>
+          </p:cNvPr>
+          <p:cNvSpPr/>
+          <p:nvPr/>
+        </p:nvSpPr>
+        <p:spPr>
+          <a:xfrm>
+            <a:off x="1795305" y="4266765"/>
+            <a:ext cx="1324334" cy="329327"/>
+          </a:xfrm>
+          <a:prstGeom prst="rect">
+            <a:avLst/>
+          </a:prstGeom>
+          <a:noFill/>
+          <a:ln/>
+        </p:spPr>
+        <p:txBody>
+          <a:bodyPr wrap="none" lIns="0" tIns="0" rIns="0" bIns="0" rtlCol="0" anchor="t"/>
+          <a:lstStyle/>
+          <a:p>
+            <a:pPr marL="0" indent="0" algn="ctr">
+              <a:lnSpc>
+                <a:spcPts val="2550"/>
+              </a:lnSpc>
+              <a:buNone/>
+            </a:pPr>
+            <a:r>
+              <a:rPr lang="en-US" sz="1600" dirty="0">
+                <a:solidFill>
+                  <a:srgbClr val="EEEFF5"/>
+                </a:solidFill>
+                <a:latin typeface="Montserrat" pitchFamily="34" charset="0"/>
+                <a:ea typeface="Montserrat" pitchFamily="34" charset="-122"/>
+                <a:cs typeface="Montserrat" pitchFamily="34" charset="-120"/>
+              </a:rPr>
+              <a:t>26/jul</a:t>
+            </a:r>
+            <a:endParaRPr lang="en-US" sz="1600" dirty="0"/>
+          </a:p>
+        </p:txBody>
+      </p:sp>
+      <p:sp>
+        <p:nvSpPr>
+          <p:cNvPr id="27" name="Text 24">
+            <a:extLst>
+              <a:ext uri="{FF2B5EF4-FFF2-40B4-BE49-F238E27FC236}">
+                <a16:creationId xmlns:a16="http://schemas.microsoft.com/office/drawing/2014/main" id="{7D2B254E-C625-79E6-9B8B-3284B79EA30B}"/>
+              </a:ext>
+            </a:extLst>
+          </p:cNvPr>
+          <p:cNvSpPr/>
+          <p:nvPr/>
+        </p:nvSpPr>
+        <p:spPr>
+          <a:xfrm>
+            <a:off x="3335539" y="4266765"/>
+            <a:ext cx="3947553" cy="329327"/>
+          </a:xfrm>
+          <a:prstGeom prst="rect">
+            <a:avLst/>
+          </a:prstGeom>
+          <a:noFill/>
+          <a:ln/>
+        </p:spPr>
+        <p:txBody>
+          <a:bodyPr wrap="none" lIns="0" tIns="0" rIns="0" bIns="0" rtlCol="0" anchor="t"/>
+          <a:lstStyle/>
+          <a:p>
+            <a:pPr marL="0" indent="0">
+              <a:lnSpc>
+                <a:spcPts val="2550"/>
+              </a:lnSpc>
+              <a:buNone/>
+            </a:pPr>
+            <a:r>
+              <a:rPr lang="en-US" sz="1600" dirty="0">
+                <a:solidFill>
+                  <a:srgbClr val="EEEFF5"/>
+                </a:solidFill>
+                <a:latin typeface="Montserrat" pitchFamily="34" charset="0"/>
+                <a:ea typeface="Montserrat" pitchFamily="34" charset="-122"/>
+                <a:cs typeface="Montserrat" pitchFamily="34" charset="-120"/>
+              </a:rPr>
+              <a:t>Feature Engineering</a:t>
+            </a:r>
+            <a:endParaRPr lang="en-US" sz="1600" dirty="0"/>
+          </a:p>
+        </p:txBody>
+      </p:sp>
+      <p:sp>
+        <p:nvSpPr>
+          <p:cNvPr id="28" name="Text 25">
+            <a:extLst>
+              <a:ext uri="{FF2B5EF4-FFF2-40B4-BE49-F238E27FC236}">
+                <a16:creationId xmlns:a16="http://schemas.microsoft.com/office/drawing/2014/main" id="{2249B65A-B3B0-936F-30C9-5E6162336838}"/>
+              </a:ext>
+            </a:extLst>
+          </p:cNvPr>
+          <p:cNvSpPr/>
+          <p:nvPr/>
+        </p:nvSpPr>
+        <p:spPr>
+          <a:xfrm>
+            <a:off x="7845592" y="4266765"/>
+            <a:ext cx="3007754" cy="329327"/>
+          </a:xfrm>
+          <a:prstGeom prst="rect">
+            <a:avLst/>
+          </a:prstGeom>
+          <a:noFill/>
+          <a:ln/>
+        </p:spPr>
+        <p:txBody>
+          <a:bodyPr wrap="none" lIns="0" tIns="0" rIns="0" bIns="0" rtlCol="0" anchor="t"/>
+          <a:lstStyle/>
+          <a:p>
+            <a:pPr marL="0" indent="0">
+              <a:lnSpc>
+                <a:spcPts val="2550"/>
+              </a:lnSpc>
+              <a:buNone/>
+            </a:pPr>
+            <a:r>
+              <a:rPr lang="en-US" sz="1600" dirty="0">
+                <a:solidFill>
+                  <a:srgbClr val="EEEFF5"/>
+                </a:solidFill>
+                <a:latin typeface="Montserrat" pitchFamily="34" charset="0"/>
+                <a:ea typeface="Montserrat" pitchFamily="34" charset="-122"/>
+                <a:cs typeface="Montserrat" pitchFamily="34" charset="-120"/>
+              </a:rPr>
+              <a:t>Feature Share</a:t>
+            </a:r>
+            <a:endParaRPr lang="en-US" sz="1600" dirty="0"/>
+          </a:p>
+        </p:txBody>
+      </p:sp>
+      <p:sp>
+        <p:nvSpPr>
+          <p:cNvPr id="30" name="Shape 27">
+            <a:extLst>
+              <a:ext uri="{FF2B5EF4-FFF2-40B4-BE49-F238E27FC236}">
+                <a16:creationId xmlns:a16="http://schemas.microsoft.com/office/drawing/2014/main" id="{F4E24EDD-D360-8372-D965-A914F57B9EA3}"/>
+              </a:ext>
+            </a:extLst>
+          </p:cNvPr>
+          <p:cNvSpPr/>
+          <p:nvPr/>
+        </p:nvSpPr>
+        <p:spPr>
+          <a:xfrm>
+            <a:off x="440809" y="4841480"/>
+            <a:ext cx="11222871" cy="704929"/>
+          </a:xfrm>
+          <a:prstGeom prst="rect">
+            <a:avLst/>
+          </a:prstGeom>
+          <a:solidFill>
+            <a:srgbClr val="FFFFFF">
+              <a:alpha val="4000"/>
+            </a:srgbClr>
+          </a:solidFill>
+          <a:ln/>
+        </p:spPr>
+      </p:sp>
+      <p:sp>
+        <p:nvSpPr>
+          <p:cNvPr id="31" name="Text 28">
+            <a:extLst>
+              <a:ext uri="{FF2B5EF4-FFF2-40B4-BE49-F238E27FC236}">
+                <a16:creationId xmlns:a16="http://schemas.microsoft.com/office/drawing/2014/main" id="{1506B5CE-24BA-AC98-D3CC-B378524FCA3E}"/>
+              </a:ext>
+            </a:extLst>
+          </p:cNvPr>
+          <p:cNvSpPr/>
+          <p:nvPr/>
+        </p:nvSpPr>
+        <p:spPr>
+          <a:xfrm>
+            <a:off x="697587" y="5023368"/>
+            <a:ext cx="766425" cy="329327"/>
+          </a:xfrm>
+          <a:prstGeom prst="rect">
+            <a:avLst/>
+          </a:prstGeom>
+          <a:noFill/>
+          <a:ln/>
+        </p:spPr>
+        <p:txBody>
+          <a:bodyPr wrap="none" lIns="0" tIns="0" rIns="0" bIns="0" rtlCol="0" anchor="t"/>
+          <a:lstStyle/>
+          <a:p>
+            <a:pPr marL="0" indent="0" algn="ctr">
+              <a:lnSpc>
+                <a:spcPts val="2550"/>
+              </a:lnSpc>
+              <a:buNone/>
+            </a:pPr>
+            <a:r>
+              <a:rPr lang="en-US" sz="1600" dirty="0">
+                <a:solidFill>
+                  <a:srgbClr val="EEEFF5"/>
+                </a:solidFill>
+                <a:latin typeface="Montserrat" pitchFamily="34" charset="0"/>
+                <a:ea typeface="Montserrat" pitchFamily="34" charset="-122"/>
+                <a:cs typeface="Montserrat" pitchFamily="34" charset="-120"/>
+              </a:rPr>
+              <a:t>5</a:t>
+            </a:r>
+            <a:endParaRPr lang="en-US" sz="1600" dirty="0"/>
+          </a:p>
+        </p:txBody>
+      </p:sp>
+      <p:sp>
+        <p:nvSpPr>
+          <p:cNvPr id="32" name="Text 29">
+            <a:extLst>
+              <a:ext uri="{FF2B5EF4-FFF2-40B4-BE49-F238E27FC236}">
+                <a16:creationId xmlns:a16="http://schemas.microsoft.com/office/drawing/2014/main" id="{225A7F8B-0471-F737-0CD8-B6B1A2669776}"/>
+              </a:ext>
+            </a:extLst>
+          </p:cNvPr>
+          <p:cNvSpPr/>
+          <p:nvPr/>
+        </p:nvSpPr>
+        <p:spPr>
+          <a:xfrm>
+            <a:off x="1795305" y="5023368"/>
+            <a:ext cx="1324334" cy="329327"/>
+          </a:xfrm>
+          <a:prstGeom prst="rect">
+            <a:avLst/>
+          </a:prstGeom>
+          <a:noFill/>
+          <a:ln/>
+        </p:spPr>
+        <p:txBody>
+          <a:bodyPr wrap="none" lIns="0" tIns="0" rIns="0" bIns="0" rtlCol="0" anchor="t"/>
+          <a:lstStyle/>
+          <a:p>
+            <a:pPr marL="0" indent="0" algn="ctr">
+              <a:lnSpc>
+                <a:spcPts val="2550"/>
+              </a:lnSpc>
+              <a:buNone/>
+            </a:pPr>
+            <a:r>
+              <a:rPr lang="en-US" sz="1600" dirty="0">
+                <a:solidFill>
+                  <a:srgbClr val="EEEFF5"/>
+                </a:solidFill>
+                <a:latin typeface="Montserrat" pitchFamily="34" charset="0"/>
+                <a:ea typeface="Montserrat" pitchFamily="34" charset="-122"/>
+                <a:cs typeface="Montserrat" pitchFamily="34" charset="-120"/>
+              </a:rPr>
+              <a:t>02/ago</a:t>
+            </a:r>
+            <a:endParaRPr lang="en-US" sz="1600" dirty="0"/>
+          </a:p>
+        </p:txBody>
+      </p:sp>
+      <p:sp>
+        <p:nvSpPr>
+          <p:cNvPr id="33" name="Text 30">
+            <a:extLst>
+              <a:ext uri="{FF2B5EF4-FFF2-40B4-BE49-F238E27FC236}">
+                <a16:creationId xmlns:a16="http://schemas.microsoft.com/office/drawing/2014/main" id="{DE8D79E4-9DC1-A471-E27C-A529394C3F00}"/>
+              </a:ext>
+            </a:extLst>
+          </p:cNvPr>
+          <p:cNvSpPr/>
+          <p:nvPr/>
+        </p:nvSpPr>
+        <p:spPr>
+          <a:xfrm>
+            <a:off x="3335539" y="5023368"/>
+            <a:ext cx="3947553" cy="329326"/>
+          </a:xfrm>
+          <a:prstGeom prst="rect">
+            <a:avLst/>
+          </a:prstGeom>
+          <a:noFill/>
+          <a:ln/>
+        </p:spPr>
+        <p:txBody>
+          <a:bodyPr wrap="square" lIns="0" tIns="0" rIns="0" bIns="0" rtlCol="0" anchor="t"/>
+          <a:lstStyle/>
+          <a:p>
+            <a:pPr marL="0" indent="0">
+              <a:lnSpc>
+                <a:spcPts val="2550"/>
+              </a:lnSpc>
+              <a:buNone/>
+            </a:pPr>
+            <a:r>
+              <a:rPr lang="en-US" sz="1600" dirty="0">
+                <a:solidFill>
+                  <a:srgbClr val="EEEFF5"/>
+                </a:solidFill>
+                <a:latin typeface="Montserrat" pitchFamily="34" charset="0"/>
+                <a:ea typeface="Montserrat" pitchFamily="34" charset="-122"/>
+                <a:cs typeface="Montserrat" pitchFamily="34" charset="-120"/>
+              </a:rPr>
+              <a:t>Modelagem &amp; Avaliação</a:t>
+            </a:r>
+            <a:endParaRPr lang="en-US" sz="1600" dirty="0"/>
+          </a:p>
+        </p:txBody>
+      </p:sp>
+      <p:sp>
+        <p:nvSpPr>
+          <p:cNvPr id="34" name="Text 31">
+            <a:extLst>
+              <a:ext uri="{FF2B5EF4-FFF2-40B4-BE49-F238E27FC236}">
+                <a16:creationId xmlns:a16="http://schemas.microsoft.com/office/drawing/2014/main" id="{E8F1EA2C-CEF1-12D2-B317-E263FFA212A1}"/>
+              </a:ext>
+            </a:extLst>
+          </p:cNvPr>
+          <p:cNvSpPr/>
+          <p:nvPr/>
+        </p:nvSpPr>
+        <p:spPr>
+          <a:xfrm>
+            <a:off x="7845592" y="5023368"/>
+            <a:ext cx="3007754" cy="329327"/>
+          </a:xfrm>
+          <a:prstGeom prst="rect">
+            <a:avLst/>
+          </a:prstGeom>
+          <a:noFill/>
+          <a:ln/>
+        </p:spPr>
+        <p:txBody>
+          <a:bodyPr wrap="none" lIns="0" tIns="0" rIns="0" bIns="0" rtlCol="0" anchor="t"/>
+          <a:lstStyle/>
+          <a:p>
+            <a:pPr marL="0" indent="0">
+              <a:lnSpc>
+                <a:spcPts val="2550"/>
+              </a:lnSpc>
+              <a:buNone/>
+            </a:pPr>
+            <a:r>
+              <a:rPr lang="en-US" sz="1600" dirty="0" err="1">
+                <a:solidFill>
+                  <a:srgbClr val="EEEFF5"/>
+                </a:solidFill>
+                <a:latin typeface="Montserrat" pitchFamily="34" charset="0"/>
+                <a:ea typeface="Montserrat" pitchFamily="34" charset="-122"/>
+                <a:cs typeface="Montserrat" pitchFamily="34" charset="-120"/>
+              </a:rPr>
+              <a:t>Laboratório</a:t>
+            </a:r>
+            <a:endParaRPr lang="en-US" sz="1600" dirty="0"/>
+          </a:p>
+        </p:txBody>
+      </p:sp>
+      <p:sp>
+        <p:nvSpPr>
+          <p:cNvPr id="36" name="Shape 33">
+            <a:extLst>
+              <a:ext uri="{FF2B5EF4-FFF2-40B4-BE49-F238E27FC236}">
+                <a16:creationId xmlns:a16="http://schemas.microsoft.com/office/drawing/2014/main" id="{EC39EBB8-6A3C-8F9E-7551-371B080D445F}"/>
+              </a:ext>
+            </a:extLst>
+          </p:cNvPr>
+          <p:cNvSpPr/>
+          <p:nvPr/>
+        </p:nvSpPr>
+        <p:spPr>
+          <a:xfrm>
+            <a:off x="440809" y="5546409"/>
+            <a:ext cx="11222871" cy="920829"/>
+          </a:xfrm>
+          <a:prstGeom prst="rect">
+            <a:avLst/>
+          </a:prstGeom>
+          <a:solidFill>
+            <a:srgbClr val="000000">
+              <a:alpha val="4000"/>
+            </a:srgbClr>
+          </a:solidFill>
+          <a:ln/>
+        </p:spPr>
+      </p:sp>
+      <p:sp>
+        <p:nvSpPr>
+          <p:cNvPr id="37" name="Text 34">
+            <a:extLst>
+              <a:ext uri="{FF2B5EF4-FFF2-40B4-BE49-F238E27FC236}">
+                <a16:creationId xmlns:a16="http://schemas.microsoft.com/office/drawing/2014/main" id="{D2732CD5-E3BE-3EC8-4E74-BDE3D60AD043}"/>
+              </a:ext>
+            </a:extLst>
+          </p:cNvPr>
+          <p:cNvSpPr/>
+          <p:nvPr/>
+        </p:nvSpPr>
+        <p:spPr>
+          <a:xfrm>
+            <a:off x="697587" y="5855297"/>
+            <a:ext cx="766425" cy="329327"/>
+          </a:xfrm>
+          <a:prstGeom prst="rect">
+            <a:avLst/>
+          </a:prstGeom>
+          <a:noFill/>
+          <a:ln/>
+        </p:spPr>
+        <p:txBody>
+          <a:bodyPr wrap="none" lIns="0" tIns="0" rIns="0" bIns="0" rtlCol="0" anchor="t"/>
+          <a:lstStyle/>
+          <a:p>
+            <a:pPr marL="0" indent="0" algn="ctr">
+              <a:lnSpc>
+                <a:spcPts val="2550"/>
+              </a:lnSpc>
+              <a:buNone/>
+            </a:pPr>
+            <a:r>
+              <a:rPr lang="en-US" sz="1600" dirty="0">
+                <a:solidFill>
+                  <a:srgbClr val="EEEFF5"/>
+                </a:solidFill>
+                <a:latin typeface="Montserrat" pitchFamily="34" charset="0"/>
+                <a:ea typeface="Montserrat" pitchFamily="34" charset="-122"/>
+                <a:cs typeface="Montserrat" pitchFamily="34" charset="-120"/>
+              </a:rPr>
+              <a:t>6</a:t>
+            </a:r>
+            <a:endParaRPr lang="en-US" sz="1600" dirty="0"/>
+          </a:p>
+        </p:txBody>
+      </p:sp>
+      <p:sp>
+        <p:nvSpPr>
+          <p:cNvPr id="38" name="Text 35">
+            <a:extLst>
+              <a:ext uri="{FF2B5EF4-FFF2-40B4-BE49-F238E27FC236}">
+                <a16:creationId xmlns:a16="http://schemas.microsoft.com/office/drawing/2014/main" id="{50C5D245-5CEF-F093-46E2-32A5EB1FA0CF}"/>
+              </a:ext>
+            </a:extLst>
+          </p:cNvPr>
+          <p:cNvSpPr/>
+          <p:nvPr/>
+        </p:nvSpPr>
+        <p:spPr>
+          <a:xfrm>
+            <a:off x="1795305" y="5855297"/>
+            <a:ext cx="1324334" cy="329327"/>
+          </a:xfrm>
+          <a:prstGeom prst="rect">
+            <a:avLst/>
+          </a:prstGeom>
+          <a:noFill/>
+          <a:ln/>
+        </p:spPr>
+        <p:txBody>
+          <a:bodyPr wrap="none" lIns="0" tIns="0" rIns="0" bIns="0" rtlCol="0" anchor="t"/>
+          <a:lstStyle/>
+          <a:p>
+            <a:pPr marL="0" indent="0" algn="ctr">
+              <a:lnSpc>
+                <a:spcPts val="2550"/>
+              </a:lnSpc>
+              <a:buNone/>
+            </a:pPr>
+            <a:r>
+              <a:rPr lang="en-US" sz="1600" dirty="0">
+                <a:solidFill>
+                  <a:srgbClr val="EEEFF5"/>
+                </a:solidFill>
+                <a:latin typeface="Montserrat" pitchFamily="34" charset="0"/>
+                <a:ea typeface="Montserrat" pitchFamily="34" charset="-122"/>
+                <a:cs typeface="Montserrat" pitchFamily="34" charset="-120"/>
+              </a:rPr>
+              <a:t>09/ago</a:t>
+            </a:r>
+            <a:endParaRPr lang="en-US" sz="1600" dirty="0"/>
+          </a:p>
+        </p:txBody>
+      </p:sp>
+      <p:sp>
+        <p:nvSpPr>
+          <p:cNvPr id="39" name="Text 36">
+            <a:extLst>
+              <a:ext uri="{FF2B5EF4-FFF2-40B4-BE49-F238E27FC236}">
+                <a16:creationId xmlns:a16="http://schemas.microsoft.com/office/drawing/2014/main" id="{4658DABF-F304-484F-A833-10DB353F4F48}"/>
+              </a:ext>
+            </a:extLst>
+          </p:cNvPr>
+          <p:cNvSpPr/>
+          <p:nvPr/>
+        </p:nvSpPr>
+        <p:spPr>
+          <a:xfrm>
+            <a:off x="3335539" y="5855297"/>
+            <a:ext cx="3947553" cy="329326"/>
+          </a:xfrm>
+          <a:prstGeom prst="rect">
+            <a:avLst/>
+          </a:prstGeom>
+          <a:noFill/>
+          <a:ln/>
+        </p:spPr>
+        <p:txBody>
+          <a:bodyPr wrap="square" lIns="0" tIns="0" rIns="0" bIns="0" rtlCol="0" anchor="t"/>
+          <a:lstStyle/>
+          <a:p>
+            <a:pPr marL="0" indent="0">
+              <a:lnSpc>
+                <a:spcPts val="2550"/>
+              </a:lnSpc>
+              <a:buNone/>
+            </a:pPr>
+            <a:r>
+              <a:rPr lang="en-US" sz="1600" dirty="0">
+                <a:solidFill>
+                  <a:srgbClr val="EEEFF5"/>
+                </a:solidFill>
+                <a:latin typeface="Montserrat" pitchFamily="34" charset="0"/>
+                <a:ea typeface="Montserrat" pitchFamily="34" charset="-122"/>
+                <a:cs typeface="Montserrat" pitchFamily="34" charset="-120"/>
+              </a:rPr>
+              <a:t>Governança e Explainability</a:t>
+            </a:r>
+            <a:endParaRPr lang="en-US" sz="1600" dirty="0"/>
+          </a:p>
+        </p:txBody>
+      </p:sp>
+      <p:sp>
+        <p:nvSpPr>
+          <p:cNvPr id="40" name="Text 37">
+            <a:extLst>
+              <a:ext uri="{FF2B5EF4-FFF2-40B4-BE49-F238E27FC236}">
+                <a16:creationId xmlns:a16="http://schemas.microsoft.com/office/drawing/2014/main" id="{4ADEE326-41F2-B971-6F9A-A9FB75676133}"/>
+              </a:ext>
+            </a:extLst>
+          </p:cNvPr>
+          <p:cNvSpPr/>
+          <p:nvPr/>
+        </p:nvSpPr>
+        <p:spPr>
+          <a:xfrm>
+            <a:off x="7845592" y="5855297"/>
+            <a:ext cx="3007754" cy="329327"/>
+          </a:xfrm>
+          <a:prstGeom prst="rect">
+            <a:avLst/>
+          </a:prstGeom>
+          <a:noFill/>
+          <a:ln/>
+        </p:spPr>
+        <p:txBody>
+          <a:bodyPr wrap="none" lIns="0" tIns="0" rIns="0" bIns="0" rtlCol="0" anchor="t"/>
+          <a:lstStyle/>
+          <a:p>
+            <a:pPr marL="0" indent="0">
+              <a:lnSpc>
+                <a:spcPts val="2550"/>
+              </a:lnSpc>
+              <a:buNone/>
+            </a:pPr>
+            <a:r>
+              <a:rPr lang="en-US" sz="1600" dirty="0">
+                <a:solidFill>
+                  <a:srgbClr val="EEEFF5"/>
+                </a:solidFill>
+                <a:latin typeface="Montserrat" pitchFamily="34" charset="0"/>
+                <a:ea typeface="Montserrat" pitchFamily="34" charset="-122"/>
+                <a:cs typeface="Montserrat" pitchFamily="34" charset="-120"/>
+              </a:rPr>
+              <a:t>Simulação de Comitê de Modelos</a:t>
+            </a:r>
+            <a:endParaRPr lang="en-US" sz="1600" dirty="0"/>
+          </a:p>
+        </p:txBody>
+      </p:sp>
+    </p:spTree>
+    <p:extLst>
+      <p:ext uri="{BB962C8B-B14F-4D97-AF65-F5344CB8AC3E}">
+        <p14:creationId xmlns:p14="http://schemas.microsoft.com/office/powerpoint/2010/main" val="517445625"/>
+      </p:ext>
+    </p:extLst>
+  </p:cSld>
+  <p:clrMapOvr>
+    <a:masterClrMapping/>
+  </p:clrMapOvr>
+</p:sld>
+</file>
+
+<file path=ppt/slides/slide30.xml><?xml version="1.0" encoding="utf-8"?>
 <p:sld xmlns:a="http://schemas.openxmlformats.org/drawingml/2006/main" xmlns:r="http://schemas.openxmlformats.org/officeDocument/2006/relationships" xmlns:p="http://schemas.openxmlformats.org/presentationml/2006/main">
   <p:cSld>
     <p:spTree>
@@ -23115,1492 +25107,7 @@
 </p:sld>
 </file>
 
-<file path=ppt/slides/slide3.xml><?xml version="1.0" encoding="utf-8"?>
-<p:sld xmlns:a="http://schemas.openxmlformats.org/drawingml/2006/main" xmlns:r="http://schemas.openxmlformats.org/officeDocument/2006/relationships" xmlns:p="http://schemas.openxmlformats.org/presentationml/2006/main">
-  <p:cSld>
-    <p:spTree>
-      <p:nvGrpSpPr>
-        <p:cNvPr id="1" name="">
-          <a:extLst>
-            <a:ext uri="{FF2B5EF4-FFF2-40B4-BE49-F238E27FC236}">
-              <a16:creationId xmlns:a16="http://schemas.microsoft.com/office/drawing/2014/main" id="{B5C1670B-EAC5-72E8-E955-0AF23E36F803}"/>
-            </a:ext>
-          </a:extLst>
-        </p:cNvPr>
-        <p:cNvGrpSpPr/>
-        <p:nvPr/>
-      </p:nvGrpSpPr>
-      <p:grpSpPr>
-        <a:xfrm>
-          <a:off x="0" y="0"/>
-          <a:ext cx="0" cy="0"/>
-          <a:chOff x="0" y="0"/>
-          <a:chExt cx="0" cy="0"/>
-        </a:xfrm>
-      </p:grpSpPr>
-      <p:pic>
-        <p:nvPicPr>
-          <p:cNvPr id="9" name="Imagem 8">
-            <a:extLst>
-              <a:ext uri="{FF2B5EF4-FFF2-40B4-BE49-F238E27FC236}">
-                <a16:creationId xmlns:a16="http://schemas.microsoft.com/office/drawing/2014/main" id="{696EBA8A-C640-D08C-181E-1753783F3B62}"/>
-              </a:ext>
-            </a:extLst>
-          </p:cNvPr>
-          <p:cNvPicPr>
-            <a:picLocks noChangeAspect="1"/>
-          </p:cNvPicPr>
-          <p:nvPr/>
-        </p:nvPicPr>
-        <p:blipFill>
-          <a:blip r:embed="rId2">
-            <a:extLst>
-              <a:ext uri="{28A0092B-C50C-407E-A947-70E740481C1C}">
-                <a14:useLocalDpi xmlns:a14="http://schemas.microsoft.com/office/drawing/2010/main" val="0"/>
-              </a:ext>
-            </a:extLst>
-          </a:blip>
-          <a:srcRect b="92427"/>
-          <a:stretch>
-            <a:fillRect/>
-          </a:stretch>
-        </p:blipFill>
-        <p:spPr>
-          <a:xfrm>
-            <a:off x="0" y="0"/>
-            <a:ext cx="12192000" cy="6858000"/>
-          </a:xfrm>
-          <a:prstGeom prst="rect">
-            <a:avLst/>
-          </a:prstGeom>
-        </p:spPr>
-      </p:pic>
-      <p:sp>
-        <p:nvSpPr>
-          <p:cNvPr id="2" name="Text 0">
-            <a:extLst>
-              <a:ext uri="{FF2B5EF4-FFF2-40B4-BE49-F238E27FC236}">
-                <a16:creationId xmlns:a16="http://schemas.microsoft.com/office/drawing/2014/main" id="{134B57EE-6998-AB4D-3590-CCDC3734D4FB}"/>
-              </a:ext>
-            </a:extLst>
-          </p:cNvPr>
-          <p:cNvSpPr/>
-          <p:nvPr/>
-        </p:nvSpPr>
-        <p:spPr>
-          <a:xfrm>
-            <a:off x="440809" y="297300"/>
-            <a:ext cx="5416510" cy="676989"/>
-          </a:xfrm>
-          <a:prstGeom prst="rect">
-            <a:avLst/>
-          </a:prstGeom>
-          <a:noFill/>
-          <a:ln/>
-        </p:spPr>
-        <p:txBody>
-          <a:bodyPr wrap="none" lIns="0" tIns="0" rIns="0" bIns="0" rtlCol="0" anchor="t"/>
-          <a:lstStyle/>
-          <a:p>
-            <a:pPr marL="0" indent="0" algn="l">
-              <a:lnSpc>
-                <a:spcPts val="5300"/>
-              </a:lnSpc>
-              <a:buNone/>
-            </a:pPr>
-            <a:r>
-              <a:rPr lang="en-US" sz="4000" b="1" dirty="0">
-                <a:solidFill>
-                  <a:srgbClr val="FF6A00"/>
-                </a:solidFill>
-                <a:latin typeface="Barlow Bold" pitchFamily="34" charset="0"/>
-                <a:ea typeface="Barlow Bold" pitchFamily="34" charset="-122"/>
-                <a:cs typeface="Barlow Bold" pitchFamily="34" charset="-120"/>
-              </a:rPr>
-              <a:t>Cronograma Geral</a:t>
-            </a:r>
-            <a:endParaRPr lang="en-US" sz="4000" dirty="0">
-              <a:solidFill>
-                <a:srgbClr val="FF6A00"/>
-              </a:solidFill>
-            </a:endParaRPr>
-          </a:p>
-        </p:txBody>
-      </p:sp>
-      <p:sp>
-        <p:nvSpPr>
-          <p:cNvPr id="4" name="Shape 2">
-            <a:extLst>
-              <a:ext uri="{FF2B5EF4-FFF2-40B4-BE49-F238E27FC236}">
-                <a16:creationId xmlns:a16="http://schemas.microsoft.com/office/drawing/2014/main" id="{DE1D4533-25B7-1F7E-C7BD-550A183BE45A}"/>
-              </a:ext>
-            </a:extLst>
-          </p:cNvPr>
-          <p:cNvSpPr/>
-          <p:nvPr/>
-        </p:nvSpPr>
-        <p:spPr>
-          <a:xfrm>
-            <a:off x="433189" y="1263969"/>
-            <a:ext cx="11235928" cy="5210889"/>
-          </a:xfrm>
-          <a:prstGeom prst="roundRect">
-            <a:avLst>
-              <a:gd name="adj" fmla="val 3555"/>
-            </a:avLst>
-          </a:prstGeom>
-          <a:noFill/>
-          <a:ln w="7620">
-            <a:solidFill>
-              <a:srgbClr val="FFFFFF">
-                <a:alpha val="24000"/>
-              </a:srgbClr>
-            </a:solidFill>
-            <a:prstDash val="solid"/>
-          </a:ln>
-        </p:spPr>
-      </p:sp>
-      <p:sp>
-        <p:nvSpPr>
-          <p:cNvPr id="5" name="Shape 3">
-            <a:extLst>
-              <a:ext uri="{FF2B5EF4-FFF2-40B4-BE49-F238E27FC236}">
-                <a16:creationId xmlns:a16="http://schemas.microsoft.com/office/drawing/2014/main" id="{CB24A5ED-BDE4-CC9F-EC15-DE9D3C98DB3F}"/>
-              </a:ext>
-            </a:extLst>
-          </p:cNvPr>
-          <p:cNvSpPr/>
-          <p:nvPr/>
-        </p:nvSpPr>
-        <p:spPr>
-          <a:xfrm>
-            <a:off x="440809" y="1271589"/>
-            <a:ext cx="11222871" cy="920829"/>
-          </a:xfrm>
-          <a:prstGeom prst="rect">
-            <a:avLst/>
-          </a:prstGeom>
-          <a:solidFill>
-            <a:srgbClr val="FFFFFF">
-              <a:alpha val="4000"/>
-            </a:srgbClr>
-          </a:solidFill>
-          <a:ln/>
-        </p:spPr>
-      </p:sp>
-      <p:sp>
-        <p:nvSpPr>
-          <p:cNvPr id="6" name="Text 4">
-            <a:extLst>
-              <a:ext uri="{FF2B5EF4-FFF2-40B4-BE49-F238E27FC236}">
-                <a16:creationId xmlns:a16="http://schemas.microsoft.com/office/drawing/2014/main" id="{922708C0-4A71-65FA-41D2-2E4C094820A4}"/>
-              </a:ext>
-            </a:extLst>
-          </p:cNvPr>
-          <p:cNvSpPr/>
-          <p:nvPr/>
-        </p:nvSpPr>
-        <p:spPr>
-          <a:xfrm>
-            <a:off x="697587" y="1601963"/>
-            <a:ext cx="766425" cy="265293"/>
-          </a:xfrm>
-          <a:prstGeom prst="rect">
-            <a:avLst/>
-          </a:prstGeom>
-          <a:noFill/>
-          <a:ln/>
-        </p:spPr>
-        <p:txBody>
-          <a:bodyPr wrap="none" lIns="0" tIns="0" rIns="0" bIns="0" rtlCol="0" anchor="t"/>
-          <a:lstStyle/>
-          <a:p>
-            <a:pPr marL="0" indent="0" algn="ctr">
-              <a:lnSpc>
-                <a:spcPts val="2550"/>
-              </a:lnSpc>
-              <a:buNone/>
-            </a:pPr>
-            <a:r>
-              <a:rPr lang="en-US" sz="1600" dirty="0">
-                <a:solidFill>
-                  <a:srgbClr val="EEEFF5"/>
-                </a:solidFill>
-                <a:latin typeface="Montserrat" pitchFamily="34" charset="0"/>
-                <a:ea typeface="Montserrat" pitchFamily="34" charset="-122"/>
-                <a:cs typeface="Montserrat" pitchFamily="34" charset="-120"/>
-              </a:rPr>
-              <a:t>1</a:t>
-            </a:r>
-            <a:endParaRPr lang="en-US" sz="1600" dirty="0"/>
-          </a:p>
-        </p:txBody>
-      </p:sp>
-      <p:sp>
-        <p:nvSpPr>
-          <p:cNvPr id="7" name="Text 5">
-            <a:extLst>
-              <a:ext uri="{FF2B5EF4-FFF2-40B4-BE49-F238E27FC236}">
-                <a16:creationId xmlns:a16="http://schemas.microsoft.com/office/drawing/2014/main" id="{6D90A144-ECF8-426D-AC46-EFDB70B2B021}"/>
-              </a:ext>
-            </a:extLst>
-          </p:cNvPr>
-          <p:cNvSpPr/>
-          <p:nvPr/>
-        </p:nvSpPr>
-        <p:spPr>
-          <a:xfrm>
-            <a:off x="1795305" y="1601963"/>
-            <a:ext cx="1324334" cy="265293"/>
-          </a:xfrm>
-          <a:prstGeom prst="rect">
-            <a:avLst/>
-          </a:prstGeom>
-          <a:noFill/>
-          <a:ln/>
-        </p:spPr>
-        <p:txBody>
-          <a:bodyPr wrap="none" lIns="0" tIns="0" rIns="0" bIns="0" rtlCol="0" anchor="t"/>
-          <a:lstStyle/>
-          <a:p>
-            <a:pPr marL="0" indent="0" algn="ctr">
-              <a:lnSpc>
-                <a:spcPts val="2550"/>
-              </a:lnSpc>
-              <a:buNone/>
-            </a:pPr>
-            <a:r>
-              <a:rPr lang="en-US" sz="1600" dirty="0">
-                <a:solidFill>
-                  <a:srgbClr val="EEEFF5"/>
-                </a:solidFill>
-                <a:latin typeface="Montserrat" pitchFamily="34" charset="0"/>
-                <a:ea typeface="Montserrat" pitchFamily="34" charset="-122"/>
-                <a:cs typeface="Montserrat" pitchFamily="34" charset="-120"/>
-              </a:rPr>
-              <a:t>05/jul</a:t>
-            </a:r>
-            <a:endParaRPr lang="en-US" sz="1600" dirty="0"/>
-          </a:p>
-        </p:txBody>
-      </p:sp>
-      <p:sp>
-        <p:nvSpPr>
-          <p:cNvPr id="8" name="Text 6">
-            <a:extLst>
-              <a:ext uri="{FF2B5EF4-FFF2-40B4-BE49-F238E27FC236}">
-                <a16:creationId xmlns:a16="http://schemas.microsoft.com/office/drawing/2014/main" id="{47A7C380-9BDB-E10D-5481-0F9F14C5832B}"/>
-              </a:ext>
-            </a:extLst>
-          </p:cNvPr>
-          <p:cNvSpPr/>
-          <p:nvPr/>
-        </p:nvSpPr>
-        <p:spPr>
-          <a:xfrm>
-            <a:off x="3335539" y="1557464"/>
-            <a:ext cx="4149841" cy="354291"/>
-          </a:xfrm>
-          <a:prstGeom prst="rect">
-            <a:avLst/>
-          </a:prstGeom>
-          <a:noFill/>
-          <a:ln/>
-        </p:spPr>
-        <p:txBody>
-          <a:bodyPr wrap="square" lIns="0" tIns="0" rIns="0" bIns="0" rtlCol="0" anchor="t"/>
-          <a:lstStyle/>
-          <a:p>
-            <a:pPr marL="0" indent="0">
-              <a:lnSpc>
-                <a:spcPts val="2550"/>
-              </a:lnSpc>
-              <a:buNone/>
-            </a:pPr>
-            <a:r>
-              <a:rPr lang="en-US" sz="1600" dirty="0">
-                <a:solidFill>
-                  <a:srgbClr val="EEEFF5"/>
-                </a:solidFill>
-                <a:latin typeface="Montserrat" pitchFamily="34" charset="0"/>
-                <a:ea typeface="Montserrat" pitchFamily="34" charset="-122"/>
-                <a:cs typeface="Montserrat" pitchFamily="34" charset="-120"/>
-              </a:rPr>
-              <a:t>Fundamentos e Contexto Regulatório</a:t>
-            </a:r>
-            <a:endParaRPr lang="en-US" sz="1600" dirty="0"/>
-          </a:p>
-        </p:txBody>
-      </p:sp>
-      <p:sp>
-        <p:nvSpPr>
-          <p:cNvPr id="10" name="Text 7">
-            <a:extLst>
-              <a:ext uri="{FF2B5EF4-FFF2-40B4-BE49-F238E27FC236}">
-                <a16:creationId xmlns:a16="http://schemas.microsoft.com/office/drawing/2014/main" id="{E7155049-130D-1764-B515-CEAEB7D5BBBB}"/>
-              </a:ext>
-            </a:extLst>
-          </p:cNvPr>
-          <p:cNvSpPr/>
-          <p:nvPr/>
-        </p:nvSpPr>
-        <p:spPr>
-          <a:xfrm>
-            <a:off x="7845592" y="1557464"/>
-            <a:ext cx="3007754" cy="354291"/>
-          </a:xfrm>
-          <a:prstGeom prst="rect">
-            <a:avLst/>
-          </a:prstGeom>
-          <a:noFill/>
-          <a:ln/>
-        </p:spPr>
-        <p:txBody>
-          <a:bodyPr wrap="none" lIns="0" tIns="0" rIns="0" bIns="0" rtlCol="0" anchor="t"/>
-          <a:lstStyle/>
-          <a:p>
-            <a:pPr marL="0" indent="0">
-              <a:lnSpc>
-                <a:spcPts val="2550"/>
-              </a:lnSpc>
-              <a:buNone/>
-            </a:pPr>
-            <a:r>
-              <a:rPr lang="en-US" sz="1600" dirty="0">
-                <a:solidFill>
-                  <a:srgbClr val="EEEFF5"/>
-                </a:solidFill>
-                <a:latin typeface="Montserrat" pitchFamily="34" charset="0"/>
-                <a:ea typeface="Montserrat" pitchFamily="34" charset="-122"/>
-                <a:cs typeface="Montserrat" pitchFamily="34" charset="-120"/>
-              </a:rPr>
-              <a:t>Warm-Up Quiz</a:t>
-            </a:r>
-            <a:endParaRPr lang="en-US" sz="1600" dirty="0"/>
-          </a:p>
-        </p:txBody>
-      </p:sp>
-      <p:sp>
-        <p:nvSpPr>
-          <p:cNvPr id="12" name="Shape 9">
-            <a:extLst>
-              <a:ext uri="{FF2B5EF4-FFF2-40B4-BE49-F238E27FC236}">
-                <a16:creationId xmlns:a16="http://schemas.microsoft.com/office/drawing/2014/main" id="{23DE99E0-C914-74AB-0DD0-943BD4033E96}"/>
-              </a:ext>
-            </a:extLst>
-          </p:cNvPr>
-          <p:cNvSpPr/>
-          <p:nvPr/>
-        </p:nvSpPr>
-        <p:spPr>
-          <a:xfrm>
-            <a:off x="440809" y="2192419"/>
-            <a:ext cx="11222871" cy="920829"/>
-          </a:xfrm>
-          <a:prstGeom prst="rect">
-            <a:avLst/>
-          </a:prstGeom>
-          <a:solidFill>
-            <a:srgbClr val="000000">
-              <a:alpha val="4000"/>
-            </a:srgbClr>
-          </a:solidFill>
-          <a:ln/>
-        </p:spPr>
-        <p:txBody>
-          <a:bodyPr/>
-          <a:lstStyle/>
-          <a:p>
-            <a:endParaRPr lang="en-US" dirty="0"/>
-          </a:p>
-        </p:txBody>
-      </p:sp>
-      <p:sp>
-        <p:nvSpPr>
-          <p:cNvPr id="13" name="Text 10">
-            <a:extLst>
-              <a:ext uri="{FF2B5EF4-FFF2-40B4-BE49-F238E27FC236}">
-                <a16:creationId xmlns:a16="http://schemas.microsoft.com/office/drawing/2014/main" id="{9E8014E9-3D02-5C76-6FBB-9C4ABB5FF63A}"/>
-              </a:ext>
-            </a:extLst>
-          </p:cNvPr>
-          <p:cNvSpPr/>
-          <p:nvPr/>
-        </p:nvSpPr>
-        <p:spPr>
-          <a:xfrm>
-            <a:off x="697587" y="2507141"/>
-            <a:ext cx="766425" cy="329327"/>
-          </a:xfrm>
-          <a:prstGeom prst="rect">
-            <a:avLst/>
-          </a:prstGeom>
-          <a:noFill/>
-          <a:ln/>
-        </p:spPr>
-        <p:txBody>
-          <a:bodyPr wrap="none" lIns="0" tIns="0" rIns="0" bIns="0" rtlCol="0" anchor="t"/>
-          <a:lstStyle/>
-          <a:p>
-            <a:pPr marL="0" indent="0" algn="ctr">
-              <a:lnSpc>
-                <a:spcPts val="2550"/>
-              </a:lnSpc>
-              <a:buNone/>
-            </a:pPr>
-            <a:r>
-              <a:rPr lang="en-US" sz="1600" dirty="0">
-                <a:solidFill>
-                  <a:srgbClr val="EEEFF5"/>
-                </a:solidFill>
-                <a:latin typeface="Montserrat" pitchFamily="34" charset="0"/>
-                <a:ea typeface="Montserrat" pitchFamily="34" charset="-122"/>
-                <a:cs typeface="Montserrat" pitchFamily="34" charset="-120"/>
-              </a:rPr>
-              <a:t>2</a:t>
-            </a:r>
-            <a:endParaRPr lang="en-US" sz="1600" dirty="0"/>
-          </a:p>
-        </p:txBody>
-      </p:sp>
-      <p:sp>
-        <p:nvSpPr>
-          <p:cNvPr id="14" name="Text 11">
-            <a:extLst>
-              <a:ext uri="{FF2B5EF4-FFF2-40B4-BE49-F238E27FC236}">
-                <a16:creationId xmlns:a16="http://schemas.microsoft.com/office/drawing/2014/main" id="{00193BE6-FEBF-598C-6281-6C32F49BD400}"/>
-              </a:ext>
-            </a:extLst>
-          </p:cNvPr>
-          <p:cNvSpPr/>
-          <p:nvPr/>
-        </p:nvSpPr>
-        <p:spPr>
-          <a:xfrm>
-            <a:off x="1795227" y="2507141"/>
-            <a:ext cx="1324334" cy="329327"/>
-          </a:xfrm>
-          <a:prstGeom prst="rect">
-            <a:avLst/>
-          </a:prstGeom>
-          <a:noFill/>
-          <a:ln/>
-        </p:spPr>
-        <p:txBody>
-          <a:bodyPr wrap="none" lIns="0" tIns="0" rIns="0" bIns="0" rtlCol="0" anchor="t"/>
-          <a:lstStyle/>
-          <a:p>
-            <a:pPr marL="0" indent="0" algn="ctr">
-              <a:lnSpc>
-                <a:spcPts val="2550"/>
-              </a:lnSpc>
-              <a:buNone/>
-            </a:pPr>
-            <a:r>
-              <a:rPr lang="en-US" sz="1600" dirty="0">
-                <a:solidFill>
-                  <a:srgbClr val="EEEFF5"/>
-                </a:solidFill>
-                <a:latin typeface="Montserrat" pitchFamily="34" charset="0"/>
-                <a:ea typeface="Montserrat" pitchFamily="34" charset="-122"/>
-                <a:cs typeface="Montserrat" pitchFamily="34" charset="-120"/>
-              </a:rPr>
-              <a:t>12/jul</a:t>
-            </a:r>
-            <a:endParaRPr lang="en-US" sz="1600" dirty="0"/>
-          </a:p>
-        </p:txBody>
-      </p:sp>
-      <p:sp>
-        <p:nvSpPr>
-          <p:cNvPr id="15" name="Text 12">
-            <a:extLst>
-              <a:ext uri="{FF2B5EF4-FFF2-40B4-BE49-F238E27FC236}">
-                <a16:creationId xmlns:a16="http://schemas.microsoft.com/office/drawing/2014/main" id="{EC08D478-B201-3C6A-E7C6-36D0E28BA964}"/>
-              </a:ext>
-            </a:extLst>
-          </p:cNvPr>
-          <p:cNvSpPr/>
-          <p:nvPr/>
-        </p:nvSpPr>
-        <p:spPr>
-          <a:xfrm>
-            <a:off x="3335539" y="2509723"/>
-            <a:ext cx="3947553" cy="324163"/>
-          </a:xfrm>
-          <a:prstGeom prst="rect">
-            <a:avLst/>
-          </a:prstGeom>
-          <a:noFill/>
-          <a:ln/>
-        </p:spPr>
-        <p:txBody>
-          <a:bodyPr wrap="square" lIns="0" tIns="0" rIns="0" bIns="0" rtlCol="0" anchor="t"/>
-          <a:lstStyle/>
-          <a:p>
-            <a:pPr marL="0" indent="0">
-              <a:lnSpc>
-                <a:spcPts val="2550"/>
-              </a:lnSpc>
-              <a:buNone/>
-            </a:pPr>
-            <a:r>
-              <a:rPr lang="en-US" sz="1600" dirty="0">
-                <a:solidFill>
-                  <a:srgbClr val="EEEFF5"/>
-                </a:solidFill>
-                <a:latin typeface="Montserrat" pitchFamily="34" charset="0"/>
-                <a:ea typeface="Montserrat" pitchFamily="34" charset="-122"/>
-                <a:cs typeface="Montserrat" pitchFamily="34" charset="-120"/>
-              </a:rPr>
-              <a:t>Estrutura de Dados e Amostragens</a:t>
-            </a:r>
-            <a:endParaRPr lang="en-US" sz="1600" dirty="0"/>
-          </a:p>
-        </p:txBody>
-      </p:sp>
-      <p:sp>
-        <p:nvSpPr>
-          <p:cNvPr id="16" name="Text 13">
-            <a:extLst>
-              <a:ext uri="{FF2B5EF4-FFF2-40B4-BE49-F238E27FC236}">
-                <a16:creationId xmlns:a16="http://schemas.microsoft.com/office/drawing/2014/main" id="{3235FB8A-3E7C-1E5B-FEA8-2A0D9BED1D80}"/>
-              </a:ext>
-            </a:extLst>
-          </p:cNvPr>
-          <p:cNvSpPr/>
-          <p:nvPr/>
-        </p:nvSpPr>
-        <p:spPr>
-          <a:xfrm>
-            <a:off x="7845592" y="2474876"/>
-            <a:ext cx="3666926" cy="393857"/>
-          </a:xfrm>
-          <a:prstGeom prst="rect">
-            <a:avLst/>
-          </a:prstGeom>
-          <a:noFill/>
-          <a:ln/>
-        </p:spPr>
-        <p:txBody>
-          <a:bodyPr wrap="square" lIns="0" tIns="0" rIns="0" bIns="0" rtlCol="0" anchor="t"/>
-          <a:lstStyle/>
-          <a:p>
-            <a:pPr marL="0" indent="0">
-              <a:lnSpc>
-                <a:spcPts val="2550"/>
-              </a:lnSpc>
-              <a:buNone/>
-            </a:pPr>
-            <a:r>
-              <a:rPr lang="en-US" sz="1600" dirty="0">
-                <a:solidFill>
-                  <a:srgbClr val="EEEFF5"/>
-                </a:solidFill>
-                <a:latin typeface="Montserrat" pitchFamily="34" charset="0"/>
-                <a:ea typeface="Montserrat" pitchFamily="34" charset="-122"/>
-                <a:cs typeface="Montserrat" pitchFamily="34" charset="-120"/>
-              </a:rPr>
-              <a:t>Jogo “Conforme ou Não Conforme”</a:t>
-            </a:r>
-            <a:endParaRPr lang="en-US" sz="1600" dirty="0"/>
-          </a:p>
-        </p:txBody>
-      </p:sp>
-      <p:sp>
-        <p:nvSpPr>
-          <p:cNvPr id="18" name="Shape 15">
-            <a:extLst>
-              <a:ext uri="{FF2B5EF4-FFF2-40B4-BE49-F238E27FC236}">
-                <a16:creationId xmlns:a16="http://schemas.microsoft.com/office/drawing/2014/main" id="{51631DC8-5CD7-E910-DE55-152AF0EF7BF2}"/>
-              </a:ext>
-            </a:extLst>
-          </p:cNvPr>
-          <p:cNvSpPr/>
-          <p:nvPr/>
-        </p:nvSpPr>
-        <p:spPr>
-          <a:xfrm>
-            <a:off x="440809" y="3113248"/>
-            <a:ext cx="11222871" cy="920829"/>
-          </a:xfrm>
-          <a:prstGeom prst="rect">
-            <a:avLst/>
-          </a:prstGeom>
-          <a:solidFill>
-            <a:srgbClr val="FFFFFF">
-              <a:alpha val="4000"/>
-            </a:srgbClr>
-          </a:solidFill>
-          <a:ln/>
-        </p:spPr>
-      </p:sp>
-      <p:sp>
-        <p:nvSpPr>
-          <p:cNvPr id="19" name="Text 16">
-            <a:extLst>
-              <a:ext uri="{FF2B5EF4-FFF2-40B4-BE49-F238E27FC236}">
-                <a16:creationId xmlns:a16="http://schemas.microsoft.com/office/drawing/2014/main" id="{B346174E-929F-75C8-BB3D-7A2EA74A93FD}"/>
-              </a:ext>
-            </a:extLst>
-          </p:cNvPr>
-          <p:cNvSpPr/>
-          <p:nvPr/>
-        </p:nvSpPr>
-        <p:spPr>
-          <a:xfrm>
-            <a:off x="697587" y="3403086"/>
-            <a:ext cx="766425" cy="329327"/>
-          </a:xfrm>
-          <a:prstGeom prst="rect">
-            <a:avLst/>
-          </a:prstGeom>
-          <a:noFill/>
-          <a:ln/>
-        </p:spPr>
-        <p:txBody>
-          <a:bodyPr wrap="none" lIns="0" tIns="0" rIns="0" bIns="0" rtlCol="0" anchor="t"/>
-          <a:lstStyle/>
-          <a:p>
-            <a:pPr marL="0" indent="0" algn="ctr">
-              <a:lnSpc>
-                <a:spcPts val="2550"/>
-              </a:lnSpc>
-              <a:buNone/>
-            </a:pPr>
-            <a:r>
-              <a:rPr lang="en-US" sz="1600" dirty="0">
-                <a:solidFill>
-                  <a:srgbClr val="EEEFF5"/>
-                </a:solidFill>
-                <a:latin typeface="Montserrat" pitchFamily="34" charset="0"/>
-                <a:ea typeface="Montserrat" pitchFamily="34" charset="-122"/>
-                <a:cs typeface="Montserrat" pitchFamily="34" charset="-120"/>
-              </a:rPr>
-              <a:t>3</a:t>
-            </a:r>
-            <a:endParaRPr lang="en-US" sz="1600" dirty="0"/>
-          </a:p>
-        </p:txBody>
-      </p:sp>
-      <p:sp>
-        <p:nvSpPr>
-          <p:cNvPr id="20" name="Text 17">
-            <a:extLst>
-              <a:ext uri="{FF2B5EF4-FFF2-40B4-BE49-F238E27FC236}">
-                <a16:creationId xmlns:a16="http://schemas.microsoft.com/office/drawing/2014/main" id="{4A7D61B4-3351-0665-632D-54C7C4FF713F}"/>
-              </a:ext>
-            </a:extLst>
-          </p:cNvPr>
-          <p:cNvSpPr/>
-          <p:nvPr/>
-        </p:nvSpPr>
-        <p:spPr>
-          <a:xfrm>
-            <a:off x="1795305" y="3403086"/>
-            <a:ext cx="1324334" cy="329327"/>
-          </a:xfrm>
-          <a:prstGeom prst="rect">
-            <a:avLst/>
-          </a:prstGeom>
-          <a:noFill/>
-          <a:ln/>
-        </p:spPr>
-        <p:txBody>
-          <a:bodyPr wrap="none" lIns="0" tIns="0" rIns="0" bIns="0" rtlCol="0" anchor="t"/>
-          <a:lstStyle/>
-          <a:p>
-            <a:pPr marL="0" indent="0" algn="ctr">
-              <a:lnSpc>
-                <a:spcPts val="2550"/>
-              </a:lnSpc>
-              <a:buNone/>
-            </a:pPr>
-            <a:r>
-              <a:rPr lang="en-US" sz="1600" dirty="0">
-                <a:solidFill>
-                  <a:srgbClr val="EEEFF5"/>
-                </a:solidFill>
-                <a:latin typeface="Montserrat" pitchFamily="34" charset="0"/>
-                <a:ea typeface="Montserrat" pitchFamily="34" charset="-122"/>
-                <a:cs typeface="Montserrat" pitchFamily="34" charset="-120"/>
-              </a:rPr>
-              <a:t>19/jul</a:t>
-            </a:r>
-            <a:endParaRPr lang="en-US" sz="1600" dirty="0"/>
-          </a:p>
-        </p:txBody>
-      </p:sp>
-      <p:sp>
-        <p:nvSpPr>
-          <p:cNvPr id="21" name="Text 18">
-            <a:extLst>
-              <a:ext uri="{FF2B5EF4-FFF2-40B4-BE49-F238E27FC236}">
-                <a16:creationId xmlns:a16="http://schemas.microsoft.com/office/drawing/2014/main" id="{73702B2A-3C28-C8A5-40E2-1EAC6359E8B1}"/>
-              </a:ext>
-            </a:extLst>
-          </p:cNvPr>
-          <p:cNvSpPr/>
-          <p:nvPr/>
-        </p:nvSpPr>
-        <p:spPr>
-          <a:xfrm>
-            <a:off x="3335539" y="3403086"/>
-            <a:ext cx="3947553" cy="406599"/>
-          </a:xfrm>
-          <a:prstGeom prst="rect">
-            <a:avLst/>
-          </a:prstGeom>
-          <a:noFill/>
-          <a:ln/>
-        </p:spPr>
-        <p:txBody>
-          <a:bodyPr wrap="square" lIns="0" tIns="0" rIns="0" bIns="0" rtlCol="0" anchor="t"/>
-          <a:lstStyle/>
-          <a:p>
-            <a:pPr marL="0" indent="0">
-              <a:lnSpc>
-                <a:spcPts val="2550"/>
-              </a:lnSpc>
-              <a:buNone/>
-            </a:pPr>
-            <a:r>
-              <a:rPr lang="en-US" sz="1600" dirty="0">
-                <a:solidFill>
-                  <a:srgbClr val="EEEFF5"/>
-                </a:solidFill>
-                <a:latin typeface="Montserrat" pitchFamily="34" charset="0"/>
-                <a:ea typeface="Montserrat" pitchFamily="34" charset="-122"/>
-                <a:cs typeface="Montserrat" pitchFamily="34" charset="-120"/>
-              </a:rPr>
-              <a:t>Construção de Targets (PD)</a:t>
-            </a:r>
-            <a:endParaRPr lang="en-US" sz="1600" dirty="0"/>
-          </a:p>
-        </p:txBody>
-      </p:sp>
-      <p:sp>
-        <p:nvSpPr>
-          <p:cNvPr id="22" name="Text 19">
-            <a:extLst>
-              <a:ext uri="{FF2B5EF4-FFF2-40B4-BE49-F238E27FC236}">
-                <a16:creationId xmlns:a16="http://schemas.microsoft.com/office/drawing/2014/main" id="{F7B4C7CE-72A1-268F-54FD-66A2DD31B2FE}"/>
-              </a:ext>
-            </a:extLst>
-          </p:cNvPr>
-          <p:cNvSpPr/>
-          <p:nvPr/>
-        </p:nvSpPr>
-        <p:spPr>
-          <a:xfrm>
-            <a:off x="7845592" y="3403086"/>
-            <a:ext cx="3007754" cy="329327"/>
-          </a:xfrm>
-          <a:prstGeom prst="rect">
-            <a:avLst/>
-          </a:prstGeom>
-          <a:noFill/>
-          <a:ln/>
-        </p:spPr>
-        <p:txBody>
-          <a:bodyPr wrap="none" lIns="0" tIns="0" rIns="0" bIns="0" rtlCol="0" anchor="t"/>
-          <a:lstStyle/>
-          <a:p>
-            <a:pPr marL="0" indent="0">
-              <a:lnSpc>
-                <a:spcPts val="2550"/>
-              </a:lnSpc>
-              <a:buNone/>
-            </a:pPr>
-            <a:r>
-              <a:rPr lang="en-US" sz="1600" dirty="0">
-                <a:solidFill>
-                  <a:srgbClr val="EEEFF5"/>
-                </a:solidFill>
-                <a:latin typeface="Montserrat" pitchFamily="34" charset="0"/>
-                <a:ea typeface="Montserrat" pitchFamily="34" charset="-122"/>
-                <a:cs typeface="Montserrat" pitchFamily="34" charset="-120"/>
-              </a:rPr>
-              <a:t>Mini-desafio Target</a:t>
-            </a:r>
-            <a:endParaRPr lang="en-US" sz="1600" dirty="0"/>
-          </a:p>
-        </p:txBody>
-      </p:sp>
-      <p:sp>
-        <p:nvSpPr>
-          <p:cNvPr id="24" name="Shape 21">
-            <a:extLst>
-              <a:ext uri="{FF2B5EF4-FFF2-40B4-BE49-F238E27FC236}">
-                <a16:creationId xmlns:a16="http://schemas.microsoft.com/office/drawing/2014/main" id="{648838A8-C0E4-A94C-F1C6-31D5C0D131E6}"/>
-              </a:ext>
-            </a:extLst>
-          </p:cNvPr>
-          <p:cNvSpPr/>
-          <p:nvPr/>
-        </p:nvSpPr>
-        <p:spPr>
-          <a:xfrm>
-            <a:off x="440809" y="4034077"/>
-            <a:ext cx="11222871" cy="591503"/>
-          </a:xfrm>
-          <a:prstGeom prst="rect">
-            <a:avLst/>
-          </a:prstGeom>
-          <a:solidFill>
-            <a:srgbClr val="000000">
-              <a:alpha val="4000"/>
-            </a:srgbClr>
-          </a:solidFill>
-          <a:ln/>
-        </p:spPr>
-      </p:sp>
-      <p:sp>
-        <p:nvSpPr>
-          <p:cNvPr id="25" name="Text 22">
-            <a:extLst>
-              <a:ext uri="{FF2B5EF4-FFF2-40B4-BE49-F238E27FC236}">
-                <a16:creationId xmlns:a16="http://schemas.microsoft.com/office/drawing/2014/main" id="{86CCCECF-7E24-4189-C74B-383A000D07B4}"/>
-              </a:ext>
-            </a:extLst>
-          </p:cNvPr>
-          <p:cNvSpPr/>
-          <p:nvPr/>
-        </p:nvSpPr>
-        <p:spPr>
-          <a:xfrm>
-            <a:off x="697587" y="4266765"/>
-            <a:ext cx="766425" cy="329327"/>
-          </a:xfrm>
-          <a:prstGeom prst="rect">
-            <a:avLst/>
-          </a:prstGeom>
-          <a:noFill/>
-          <a:ln/>
-        </p:spPr>
-        <p:txBody>
-          <a:bodyPr wrap="none" lIns="0" tIns="0" rIns="0" bIns="0" rtlCol="0" anchor="t"/>
-          <a:lstStyle/>
-          <a:p>
-            <a:pPr marL="0" indent="0" algn="ctr">
-              <a:lnSpc>
-                <a:spcPts val="2550"/>
-              </a:lnSpc>
-              <a:buNone/>
-            </a:pPr>
-            <a:r>
-              <a:rPr lang="en-US" sz="1600" dirty="0">
-                <a:solidFill>
-                  <a:srgbClr val="EEEFF5"/>
-                </a:solidFill>
-                <a:latin typeface="Montserrat" pitchFamily="34" charset="0"/>
-                <a:ea typeface="Montserrat" pitchFamily="34" charset="-122"/>
-                <a:cs typeface="Montserrat" pitchFamily="34" charset="-120"/>
-              </a:rPr>
-              <a:t>4</a:t>
-            </a:r>
-            <a:endParaRPr lang="en-US" sz="1600" dirty="0"/>
-          </a:p>
-        </p:txBody>
-      </p:sp>
-      <p:sp>
-        <p:nvSpPr>
-          <p:cNvPr id="26" name="Text 23">
-            <a:extLst>
-              <a:ext uri="{FF2B5EF4-FFF2-40B4-BE49-F238E27FC236}">
-                <a16:creationId xmlns:a16="http://schemas.microsoft.com/office/drawing/2014/main" id="{F8631764-47AD-5549-D30A-E7D39E402BE7}"/>
-              </a:ext>
-            </a:extLst>
-          </p:cNvPr>
-          <p:cNvSpPr/>
-          <p:nvPr/>
-        </p:nvSpPr>
-        <p:spPr>
-          <a:xfrm>
-            <a:off x="1795305" y="4266765"/>
-            <a:ext cx="1324334" cy="329327"/>
-          </a:xfrm>
-          <a:prstGeom prst="rect">
-            <a:avLst/>
-          </a:prstGeom>
-          <a:noFill/>
-          <a:ln/>
-        </p:spPr>
-        <p:txBody>
-          <a:bodyPr wrap="none" lIns="0" tIns="0" rIns="0" bIns="0" rtlCol="0" anchor="t"/>
-          <a:lstStyle/>
-          <a:p>
-            <a:pPr marL="0" indent="0" algn="ctr">
-              <a:lnSpc>
-                <a:spcPts val="2550"/>
-              </a:lnSpc>
-              <a:buNone/>
-            </a:pPr>
-            <a:r>
-              <a:rPr lang="en-US" sz="1600" dirty="0">
-                <a:solidFill>
-                  <a:srgbClr val="EEEFF5"/>
-                </a:solidFill>
-                <a:latin typeface="Montserrat" pitchFamily="34" charset="0"/>
-                <a:ea typeface="Montserrat" pitchFamily="34" charset="-122"/>
-                <a:cs typeface="Montserrat" pitchFamily="34" charset="-120"/>
-              </a:rPr>
-              <a:t>26/jul</a:t>
-            </a:r>
-            <a:endParaRPr lang="en-US" sz="1600" dirty="0"/>
-          </a:p>
-        </p:txBody>
-      </p:sp>
-      <p:sp>
-        <p:nvSpPr>
-          <p:cNvPr id="27" name="Text 24">
-            <a:extLst>
-              <a:ext uri="{FF2B5EF4-FFF2-40B4-BE49-F238E27FC236}">
-                <a16:creationId xmlns:a16="http://schemas.microsoft.com/office/drawing/2014/main" id="{7D2B254E-C625-79E6-9B8B-3284B79EA30B}"/>
-              </a:ext>
-            </a:extLst>
-          </p:cNvPr>
-          <p:cNvSpPr/>
-          <p:nvPr/>
-        </p:nvSpPr>
-        <p:spPr>
-          <a:xfrm>
-            <a:off x="3335539" y="4266765"/>
-            <a:ext cx="3947553" cy="329327"/>
-          </a:xfrm>
-          <a:prstGeom prst="rect">
-            <a:avLst/>
-          </a:prstGeom>
-          <a:noFill/>
-          <a:ln/>
-        </p:spPr>
-        <p:txBody>
-          <a:bodyPr wrap="none" lIns="0" tIns="0" rIns="0" bIns="0" rtlCol="0" anchor="t"/>
-          <a:lstStyle/>
-          <a:p>
-            <a:pPr marL="0" indent="0">
-              <a:lnSpc>
-                <a:spcPts val="2550"/>
-              </a:lnSpc>
-              <a:buNone/>
-            </a:pPr>
-            <a:r>
-              <a:rPr lang="en-US" sz="1600" dirty="0">
-                <a:solidFill>
-                  <a:srgbClr val="EEEFF5"/>
-                </a:solidFill>
-                <a:latin typeface="Montserrat" pitchFamily="34" charset="0"/>
-                <a:ea typeface="Montserrat" pitchFamily="34" charset="-122"/>
-                <a:cs typeface="Montserrat" pitchFamily="34" charset="-120"/>
-              </a:rPr>
-              <a:t>Feature Engineering</a:t>
-            </a:r>
-            <a:endParaRPr lang="en-US" sz="1600" dirty="0"/>
-          </a:p>
-        </p:txBody>
-      </p:sp>
-      <p:sp>
-        <p:nvSpPr>
-          <p:cNvPr id="28" name="Text 25">
-            <a:extLst>
-              <a:ext uri="{FF2B5EF4-FFF2-40B4-BE49-F238E27FC236}">
-                <a16:creationId xmlns:a16="http://schemas.microsoft.com/office/drawing/2014/main" id="{2249B65A-B3B0-936F-30C9-5E6162336838}"/>
-              </a:ext>
-            </a:extLst>
-          </p:cNvPr>
-          <p:cNvSpPr/>
-          <p:nvPr/>
-        </p:nvSpPr>
-        <p:spPr>
-          <a:xfrm>
-            <a:off x="7845592" y="4266765"/>
-            <a:ext cx="3007754" cy="329327"/>
-          </a:xfrm>
-          <a:prstGeom prst="rect">
-            <a:avLst/>
-          </a:prstGeom>
-          <a:noFill/>
-          <a:ln/>
-        </p:spPr>
-        <p:txBody>
-          <a:bodyPr wrap="none" lIns="0" tIns="0" rIns="0" bIns="0" rtlCol="0" anchor="t"/>
-          <a:lstStyle/>
-          <a:p>
-            <a:pPr marL="0" indent="0">
-              <a:lnSpc>
-                <a:spcPts val="2550"/>
-              </a:lnSpc>
-              <a:buNone/>
-            </a:pPr>
-            <a:r>
-              <a:rPr lang="en-US" sz="1600" dirty="0">
-                <a:solidFill>
-                  <a:srgbClr val="EEEFF5"/>
-                </a:solidFill>
-                <a:latin typeface="Montserrat" pitchFamily="34" charset="0"/>
-                <a:ea typeface="Montserrat" pitchFamily="34" charset="-122"/>
-                <a:cs typeface="Montserrat" pitchFamily="34" charset="-120"/>
-              </a:rPr>
-              <a:t>Feature Share</a:t>
-            </a:r>
-            <a:endParaRPr lang="en-US" sz="1600" dirty="0"/>
-          </a:p>
-        </p:txBody>
-      </p:sp>
-      <p:sp>
-        <p:nvSpPr>
-          <p:cNvPr id="30" name="Shape 27">
-            <a:extLst>
-              <a:ext uri="{FF2B5EF4-FFF2-40B4-BE49-F238E27FC236}">
-                <a16:creationId xmlns:a16="http://schemas.microsoft.com/office/drawing/2014/main" id="{F4E24EDD-D360-8372-D965-A914F57B9EA3}"/>
-              </a:ext>
-            </a:extLst>
-          </p:cNvPr>
-          <p:cNvSpPr/>
-          <p:nvPr/>
-        </p:nvSpPr>
-        <p:spPr>
-          <a:xfrm>
-            <a:off x="440809" y="4841480"/>
-            <a:ext cx="11222871" cy="704929"/>
-          </a:xfrm>
-          <a:prstGeom prst="rect">
-            <a:avLst/>
-          </a:prstGeom>
-          <a:solidFill>
-            <a:srgbClr val="FFFFFF">
-              <a:alpha val="4000"/>
-            </a:srgbClr>
-          </a:solidFill>
-          <a:ln/>
-        </p:spPr>
-      </p:sp>
-      <p:sp>
-        <p:nvSpPr>
-          <p:cNvPr id="31" name="Text 28">
-            <a:extLst>
-              <a:ext uri="{FF2B5EF4-FFF2-40B4-BE49-F238E27FC236}">
-                <a16:creationId xmlns:a16="http://schemas.microsoft.com/office/drawing/2014/main" id="{1506B5CE-24BA-AC98-D3CC-B378524FCA3E}"/>
-              </a:ext>
-            </a:extLst>
-          </p:cNvPr>
-          <p:cNvSpPr/>
-          <p:nvPr/>
-        </p:nvSpPr>
-        <p:spPr>
-          <a:xfrm>
-            <a:off x="697587" y="5023368"/>
-            <a:ext cx="766425" cy="329327"/>
-          </a:xfrm>
-          <a:prstGeom prst="rect">
-            <a:avLst/>
-          </a:prstGeom>
-          <a:noFill/>
-          <a:ln/>
-        </p:spPr>
-        <p:txBody>
-          <a:bodyPr wrap="none" lIns="0" tIns="0" rIns="0" bIns="0" rtlCol="0" anchor="t"/>
-          <a:lstStyle/>
-          <a:p>
-            <a:pPr marL="0" indent="0" algn="ctr">
-              <a:lnSpc>
-                <a:spcPts val="2550"/>
-              </a:lnSpc>
-              <a:buNone/>
-            </a:pPr>
-            <a:r>
-              <a:rPr lang="en-US" sz="1600" dirty="0">
-                <a:solidFill>
-                  <a:srgbClr val="EEEFF5"/>
-                </a:solidFill>
-                <a:latin typeface="Montserrat" pitchFamily="34" charset="0"/>
-                <a:ea typeface="Montserrat" pitchFamily="34" charset="-122"/>
-                <a:cs typeface="Montserrat" pitchFamily="34" charset="-120"/>
-              </a:rPr>
-              <a:t>5</a:t>
-            </a:r>
-            <a:endParaRPr lang="en-US" sz="1600" dirty="0"/>
-          </a:p>
-        </p:txBody>
-      </p:sp>
-      <p:sp>
-        <p:nvSpPr>
-          <p:cNvPr id="32" name="Text 29">
-            <a:extLst>
-              <a:ext uri="{FF2B5EF4-FFF2-40B4-BE49-F238E27FC236}">
-                <a16:creationId xmlns:a16="http://schemas.microsoft.com/office/drawing/2014/main" id="{225A7F8B-0471-F737-0CD8-B6B1A2669776}"/>
-              </a:ext>
-            </a:extLst>
-          </p:cNvPr>
-          <p:cNvSpPr/>
-          <p:nvPr/>
-        </p:nvSpPr>
-        <p:spPr>
-          <a:xfrm>
-            <a:off x="1795305" y="5023368"/>
-            <a:ext cx="1324334" cy="329327"/>
-          </a:xfrm>
-          <a:prstGeom prst="rect">
-            <a:avLst/>
-          </a:prstGeom>
-          <a:noFill/>
-          <a:ln/>
-        </p:spPr>
-        <p:txBody>
-          <a:bodyPr wrap="none" lIns="0" tIns="0" rIns="0" bIns="0" rtlCol="0" anchor="t"/>
-          <a:lstStyle/>
-          <a:p>
-            <a:pPr marL="0" indent="0" algn="ctr">
-              <a:lnSpc>
-                <a:spcPts val="2550"/>
-              </a:lnSpc>
-              <a:buNone/>
-            </a:pPr>
-            <a:r>
-              <a:rPr lang="en-US" sz="1600" dirty="0">
-                <a:solidFill>
-                  <a:srgbClr val="EEEFF5"/>
-                </a:solidFill>
-                <a:latin typeface="Montserrat" pitchFamily="34" charset="0"/>
-                <a:ea typeface="Montserrat" pitchFamily="34" charset="-122"/>
-                <a:cs typeface="Montserrat" pitchFamily="34" charset="-120"/>
-              </a:rPr>
-              <a:t>02/ago</a:t>
-            </a:r>
-            <a:endParaRPr lang="en-US" sz="1600" dirty="0"/>
-          </a:p>
-        </p:txBody>
-      </p:sp>
-      <p:sp>
-        <p:nvSpPr>
-          <p:cNvPr id="33" name="Text 30">
-            <a:extLst>
-              <a:ext uri="{FF2B5EF4-FFF2-40B4-BE49-F238E27FC236}">
-                <a16:creationId xmlns:a16="http://schemas.microsoft.com/office/drawing/2014/main" id="{DE8D79E4-9DC1-A471-E27C-A529394C3F00}"/>
-              </a:ext>
-            </a:extLst>
-          </p:cNvPr>
-          <p:cNvSpPr/>
-          <p:nvPr/>
-        </p:nvSpPr>
-        <p:spPr>
-          <a:xfrm>
-            <a:off x="3335539" y="5023368"/>
-            <a:ext cx="3947553" cy="329326"/>
-          </a:xfrm>
-          <a:prstGeom prst="rect">
-            <a:avLst/>
-          </a:prstGeom>
-          <a:noFill/>
-          <a:ln/>
-        </p:spPr>
-        <p:txBody>
-          <a:bodyPr wrap="square" lIns="0" tIns="0" rIns="0" bIns="0" rtlCol="0" anchor="t"/>
-          <a:lstStyle/>
-          <a:p>
-            <a:pPr marL="0" indent="0">
-              <a:lnSpc>
-                <a:spcPts val="2550"/>
-              </a:lnSpc>
-              <a:buNone/>
-            </a:pPr>
-            <a:r>
-              <a:rPr lang="en-US" sz="1600" dirty="0">
-                <a:solidFill>
-                  <a:srgbClr val="EEEFF5"/>
-                </a:solidFill>
-                <a:latin typeface="Montserrat" pitchFamily="34" charset="0"/>
-                <a:ea typeface="Montserrat" pitchFamily="34" charset="-122"/>
-                <a:cs typeface="Montserrat" pitchFamily="34" charset="-120"/>
-              </a:rPr>
-              <a:t>Modelagem &amp; Avaliação</a:t>
-            </a:r>
-            <a:endParaRPr lang="en-US" sz="1600" dirty="0"/>
-          </a:p>
-        </p:txBody>
-      </p:sp>
-      <p:sp>
-        <p:nvSpPr>
-          <p:cNvPr id="34" name="Text 31">
-            <a:extLst>
-              <a:ext uri="{FF2B5EF4-FFF2-40B4-BE49-F238E27FC236}">
-                <a16:creationId xmlns:a16="http://schemas.microsoft.com/office/drawing/2014/main" id="{E8F1EA2C-CEF1-12D2-B317-E263FFA212A1}"/>
-              </a:ext>
-            </a:extLst>
-          </p:cNvPr>
-          <p:cNvSpPr/>
-          <p:nvPr/>
-        </p:nvSpPr>
-        <p:spPr>
-          <a:xfrm>
-            <a:off x="7845592" y="5023368"/>
-            <a:ext cx="3007754" cy="329327"/>
-          </a:xfrm>
-          <a:prstGeom prst="rect">
-            <a:avLst/>
-          </a:prstGeom>
-          <a:noFill/>
-          <a:ln/>
-        </p:spPr>
-        <p:txBody>
-          <a:bodyPr wrap="none" lIns="0" tIns="0" rIns="0" bIns="0" rtlCol="0" anchor="t"/>
-          <a:lstStyle/>
-          <a:p>
-            <a:pPr marL="0" indent="0">
-              <a:lnSpc>
-                <a:spcPts val="2550"/>
-              </a:lnSpc>
-              <a:buNone/>
-            </a:pPr>
-            <a:r>
-              <a:rPr lang="en-US" sz="1600" dirty="0" err="1">
-                <a:solidFill>
-                  <a:srgbClr val="EEEFF5"/>
-                </a:solidFill>
-                <a:latin typeface="Montserrat" pitchFamily="34" charset="0"/>
-                <a:ea typeface="Montserrat" pitchFamily="34" charset="-122"/>
-                <a:cs typeface="Montserrat" pitchFamily="34" charset="-120"/>
-              </a:rPr>
-              <a:t>Laboratório</a:t>
-            </a:r>
-            <a:endParaRPr lang="en-US" sz="1600" dirty="0"/>
-          </a:p>
-        </p:txBody>
-      </p:sp>
-      <p:sp>
-        <p:nvSpPr>
-          <p:cNvPr id="36" name="Shape 33">
-            <a:extLst>
-              <a:ext uri="{FF2B5EF4-FFF2-40B4-BE49-F238E27FC236}">
-                <a16:creationId xmlns:a16="http://schemas.microsoft.com/office/drawing/2014/main" id="{EC39EBB8-6A3C-8F9E-7551-371B080D445F}"/>
-              </a:ext>
-            </a:extLst>
-          </p:cNvPr>
-          <p:cNvSpPr/>
-          <p:nvPr/>
-        </p:nvSpPr>
-        <p:spPr>
-          <a:xfrm>
-            <a:off x="440809" y="5546409"/>
-            <a:ext cx="11222871" cy="920829"/>
-          </a:xfrm>
-          <a:prstGeom prst="rect">
-            <a:avLst/>
-          </a:prstGeom>
-          <a:solidFill>
-            <a:srgbClr val="000000">
-              <a:alpha val="4000"/>
-            </a:srgbClr>
-          </a:solidFill>
-          <a:ln/>
-        </p:spPr>
-      </p:sp>
-      <p:sp>
-        <p:nvSpPr>
-          <p:cNvPr id="37" name="Text 34">
-            <a:extLst>
-              <a:ext uri="{FF2B5EF4-FFF2-40B4-BE49-F238E27FC236}">
-                <a16:creationId xmlns:a16="http://schemas.microsoft.com/office/drawing/2014/main" id="{D2732CD5-E3BE-3EC8-4E74-BDE3D60AD043}"/>
-              </a:ext>
-            </a:extLst>
-          </p:cNvPr>
-          <p:cNvSpPr/>
-          <p:nvPr/>
-        </p:nvSpPr>
-        <p:spPr>
-          <a:xfrm>
-            <a:off x="697587" y="5855297"/>
-            <a:ext cx="766425" cy="329327"/>
-          </a:xfrm>
-          <a:prstGeom prst="rect">
-            <a:avLst/>
-          </a:prstGeom>
-          <a:noFill/>
-          <a:ln/>
-        </p:spPr>
-        <p:txBody>
-          <a:bodyPr wrap="none" lIns="0" tIns="0" rIns="0" bIns="0" rtlCol="0" anchor="t"/>
-          <a:lstStyle/>
-          <a:p>
-            <a:pPr marL="0" indent="0" algn="ctr">
-              <a:lnSpc>
-                <a:spcPts val="2550"/>
-              </a:lnSpc>
-              <a:buNone/>
-            </a:pPr>
-            <a:r>
-              <a:rPr lang="en-US" sz="1600" dirty="0">
-                <a:solidFill>
-                  <a:srgbClr val="EEEFF5"/>
-                </a:solidFill>
-                <a:latin typeface="Montserrat" pitchFamily="34" charset="0"/>
-                <a:ea typeface="Montserrat" pitchFamily="34" charset="-122"/>
-                <a:cs typeface="Montserrat" pitchFamily="34" charset="-120"/>
-              </a:rPr>
-              <a:t>6</a:t>
-            </a:r>
-            <a:endParaRPr lang="en-US" sz="1600" dirty="0"/>
-          </a:p>
-        </p:txBody>
-      </p:sp>
-      <p:sp>
-        <p:nvSpPr>
-          <p:cNvPr id="38" name="Text 35">
-            <a:extLst>
-              <a:ext uri="{FF2B5EF4-FFF2-40B4-BE49-F238E27FC236}">
-                <a16:creationId xmlns:a16="http://schemas.microsoft.com/office/drawing/2014/main" id="{50C5D245-5CEF-F093-46E2-32A5EB1FA0CF}"/>
-              </a:ext>
-            </a:extLst>
-          </p:cNvPr>
-          <p:cNvSpPr/>
-          <p:nvPr/>
-        </p:nvSpPr>
-        <p:spPr>
-          <a:xfrm>
-            <a:off x="1795305" y="5855297"/>
-            <a:ext cx="1324334" cy="329327"/>
-          </a:xfrm>
-          <a:prstGeom prst="rect">
-            <a:avLst/>
-          </a:prstGeom>
-          <a:noFill/>
-          <a:ln/>
-        </p:spPr>
-        <p:txBody>
-          <a:bodyPr wrap="none" lIns="0" tIns="0" rIns="0" bIns="0" rtlCol="0" anchor="t"/>
-          <a:lstStyle/>
-          <a:p>
-            <a:pPr marL="0" indent="0" algn="ctr">
-              <a:lnSpc>
-                <a:spcPts val="2550"/>
-              </a:lnSpc>
-              <a:buNone/>
-            </a:pPr>
-            <a:r>
-              <a:rPr lang="en-US" sz="1600" dirty="0">
-                <a:solidFill>
-                  <a:srgbClr val="EEEFF5"/>
-                </a:solidFill>
-                <a:latin typeface="Montserrat" pitchFamily="34" charset="0"/>
-                <a:ea typeface="Montserrat" pitchFamily="34" charset="-122"/>
-                <a:cs typeface="Montserrat" pitchFamily="34" charset="-120"/>
-              </a:rPr>
-              <a:t>09/ago</a:t>
-            </a:r>
-            <a:endParaRPr lang="en-US" sz="1600" dirty="0"/>
-          </a:p>
-        </p:txBody>
-      </p:sp>
-      <p:sp>
-        <p:nvSpPr>
-          <p:cNvPr id="39" name="Text 36">
-            <a:extLst>
-              <a:ext uri="{FF2B5EF4-FFF2-40B4-BE49-F238E27FC236}">
-                <a16:creationId xmlns:a16="http://schemas.microsoft.com/office/drawing/2014/main" id="{4658DABF-F304-484F-A833-10DB353F4F48}"/>
-              </a:ext>
-            </a:extLst>
-          </p:cNvPr>
-          <p:cNvSpPr/>
-          <p:nvPr/>
-        </p:nvSpPr>
-        <p:spPr>
-          <a:xfrm>
-            <a:off x="3335539" y="5855297"/>
-            <a:ext cx="3947553" cy="329326"/>
-          </a:xfrm>
-          <a:prstGeom prst="rect">
-            <a:avLst/>
-          </a:prstGeom>
-          <a:noFill/>
-          <a:ln/>
-        </p:spPr>
-        <p:txBody>
-          <a:bodyPr wrap="square" lIns="0" tIns="0" rIns="0" bIns="0" rtlCol="0" anchor="t"/>
-          <a:lstStyle/>
-          <a:p>
-            <a:pPr marL="0" indent="0">
-              <a:lnSpc>
-                <a:spcPts val="2550"/>
-              </a:lnSpc>
-              <a:buNone/>
-            </a:pPr>
-            <a:r>
-              <a:rPr lang="en-US" sz="1600" dirty="0">
-                <a:solidFill>
-                  <a:srgbClr val="EEEFF5"/>
-                </a:solidFill>
-                <a:latin typeface="Montserrat" pitchFamily="34" charset="0"/>
-                <a:ea typeface="Montserrat" pitchFamily="34" charset="-122"/>
-                <a:cs typeface="Montserrat" pitchFamily="34" charset="-120"/>
-              </a:rPr>
-              <a:t>Governança e Explainability</a:t>
-            </a:r>
-            <a:endParaRPr lang="en-US" sz="1600" dirty="0"/>
-          </a:p>
-        </p:txBody>
-      </p:sp>
-      <p:sp>
-        <p:nvSpPr>
-          <p:cNvPr id="40" name="Text 37">
-            <a:extLst>
-              <a:ext uri="{FF2B5EF4-FFF2-40B4-BE49-F238E27FC236}">
-                <a16:creationId xmlns:a16="http://schemas.microsoft.com/office/drawing/2014/main" id="{4ADEE326-41F2-B971-6F9A-A9FB75676133}"/>
-              </a:ext>
-            </a:extLst>
-          </p:cNvPr>
-          <p:cNvSpPr/>
-          <p:nvPr/>
-        </p:nvSpPr>
-        <p:spPr>
-          <a:xfrm>
-            <a:off x="7845592" y="5855297"/>
-            <a:ext cx="3007754" cy="329327"/>
-          </a:xfrm>
-          <a:prstGeom prst="rect">
-            <a:avLst/>
-          </a:prstGeom>
-          <a:noFill/>
-          <a:ln/>
-        </p:spPr>
-        <p:txBody>
-          <a:bodyPr wrap="none" lIns="0" tIns="0" rIns="0" bIns="0" rtlCol="0" anchor="t"/>
-          <a:lstStyle/>
-          <a:p>
-            <a:pPr marL="0" indent="0">
-              <a:lnSpc>
-                <a:spcPts val="2550"/>
-              </a:lnSpc>
-              <a:buNone/>
-            </a:pPr>
-            <a:r>
-              <a:rPr lang="en-US" sz="1600" dirty="0">
-                <a:solidFill>
-                  <a:srgbClr val="EEEFF5"/>
-                </a:solidFill>
-                <a:latin typeface="Montserrat" pitchFamily="34" charset="0"/>
-                <a:ea typeface="Montserrat" pitchFamily="34" charset="-122"/>
-                <a:cs typeface="Montserrat" pitchFamily="34" charset="-120"/>
-              </a:rPr>
-              <a:t>Simulação de Comitê de Modelos</a:t>
-            </a:r>
-            <a:endParaRPr lang="en-US" sz="1600" dirty="0"/>
-          </a:p>
-        </p:txBody>
-      </p:sp>
-    </p:spTree>
-    <p:extLst>
-      <p:ext uri="{BB962C8B-B14F-4D97-AF65-F5344CB8AC3E}">
-        <p14:creationId xmlns:p14="http://schemas.microsoft.com/office/powerpoint/2010/main" val="517445625"/>
-      </p:ext>
-    </p:extLst>
-  </p:cSld>
-  <p:clrMapOvr>
-    <a:masterClrMapping/>
-  </p:clrMapOvr>
-</p:sld>
-</file>
-
-<file path=ppt/slides/slide30.xml><?xml version="1.0" encoding="utf-8"?>
+<file path=ppt/slides/slide31.xml><?xml version="1.0" encoding="utf-8"?>
 <p:sld xmlns:a="http://schemas.openxmlformats.org/drawingml/2006/main" xmlns:r="http://schemas.openxmlformats.org/officeDocument/2006/relationships" xmlns:p="http://schemas.openxmlformats.org/presentationml/2006/main">
   <p:cSld>
     <p:spTree>
@@ -24897,362 +25404,6 @@
     <p:extLst>
       <p:ext uri="{BB962C8B-B14F-4D97-AF65-F5344CB8AC3E}">
         <p14:creationId xmlns:p14="http://schemas.microsoft.com/office/powerpoint/2010/main" val="1040000070"/>
-      </p:ext>
-    </p:extLst>
-  </p:cSld>
-  <p:clrMapOvr>
-    <a:masterClrMapping/>
-  </p:clrMapOvr>
-  <p:timing>
-    <p:tnLst>
-      <p:par>
-        <p:cTn id="1" dur="indefinite" restart="never" nodeType="tmRoot">
-          <p:childTnLst>
-            <p:seq concurrent="1" nextAc="seek">
-              <p:cTn id="2" dur="indefinite" nodeType="mainSeq">
-                <p:childTnLst>
-                  <p:par>
-                    <p:cTn id="3" fill="hold">
-                      <p:stCondLst>
-                        <p:cond delay="indefinite"/>
-                      </p:stCondLst>
-                      <p:childTnLst>
-                        <p:par>
-                          <p:cTn id="4" fill="hold">
-                            <p:stCondLst>
-                              <p:cond delay="0"/>
-                            </p:stCondLst>
-                            <p:childTnLst>
-                              <p:par>
-                                <p:cTn id="5" presetID="10" presetClass="entr" presetSubtype="0" fill="hold" grpId="0" nodeType="clickEffect">
-                                  <p:stCondLst>
-                                    <p:cond delay="0"/>
-                                  </p:stCondLst>
-                                  <p:childTnLst>
-                                    <p:set>
-                                      <p:cBhvr>
-                                        <p:cTn id="6" dur="1" fill="hold">
-                                          <p:stCondLst>
-                                            <p:cond delay="0"/>
-                                          </p:stCondLst>
-                                        </p:cTn>
-                                        <p:tgtEl>
-                                          <p:spTgt spid="4"/>
-                                        </p:tgtEl>
-                                        <p:attrNameLst>
-                                          <p:attrName>style.visibility</p:attrName>
-                                        </p:attrNameLst>
-                                      </p:cBhvr>
-                                      <p:to>
-                                        <p:strVal val="visible"/>
-                                      </p:to>
-                                    </p:set>
-                                    <p:animEffect transition="in" filter="fade">
-                                      <p:cBhvr>
-                                        <p:cTn id="7" dur="500"/>
-                                        <p:tgtEl>
-                                          <p:spTgt spid="4"/>
-                                        </p:tgtEl>
-                                      </p:cBhvr>
-                                    </p:animEffect>
-                                  </p:childTnLst>
-                                </p:cTn>
-                              </p:par>
-                            </p:childTnLst>
-                          </p:cTn>
-                        </p:par>
-                      </p:childTnLst>
-                    </p:cTn>
-                  </p:par>
-                </p:childTnLst>
-              </p:cTn>
-              <p:prevCondLst>
-                <p:cond evt="onPrev" delay="0">
-                  <p:tgtEl>
-                    <p:sldTgt/>
-                  </p:tgtEl>
-                </p:cond>
-              </p:prevCondLst>
-              <p:nextCondLst>
-                <p:cond evt="onNext" delay="0">
-                  <p:tgtEl>
-                    <p:sldTgt/>
-                  </p:tgtEl>
-                </p:cond>
-              </p:nextCondLst>
-            </p:seq>
-          </p:childTnLst>
-        </p:cTn>
-      </p:par>
-    </p:tnLst>
-    <p:bldLst>
-      <p:bldP spid="4" grpId="0"/>
-    </p:bldLst>
-  </p:timing>
-</p:sld>
-</file>
-
-<file path=ppt/slides/slide31.xml><?xml version="1.0" encoding="utf-8"?>
-<p:sld xmlns:a="http://schemas.openxmlformats.org/drawingml/2006/main" xmlns:r="http://schemas.openxmlformats.org/officeDocument/2006/relationships" xmlns:p="http://schemas.openxmlformats.org/presentationml/2006/main">
-  <p:cSld>
-    <p:spTree>
-      <p:nvGrpSpPr>
-        <p:cNvPr id="1" name="">
-          <a:extLst>
-            <a:ext uri="{FF2B5EF4-FFF2-40B4-BE49-F238E27FC236}">
-              <a16:creationId xmlns:a16="http://schemas.microsoft.com/office/drawing/2014/main" id="{2645E689-9369-317B-C60E-CC60C5229C8A}"/>
-            </a:ext>
-          </a:extLst>
-        </p:cNvPr>
-        <p:cNvGrpSpPr/>
-        <p:nvPr/>
-      </p:nvGrpSpPr>
-      <p:grpSpPr>
-        <a:xfrm>
-          <a:off x="0" y="0"/>
-          <a:ext cx="0" cy="0"/>
-          <a:chOff x="0" y="0"/>
-          <a:chExt cx="0" cy="0"/>
-        </a:xfrm>
-      </p:grpSpPr>
-      <p:pic>
-        <p:nvPicPr>
-          <p:cNvPr id="9" name="Imagem 8">
-            <a:extLst>
-              <a:ext uri="{FF2B5EF4-FFF2-40B4-BE49-F238E27FC236}">
-                <a16:creationId xmlns:a16="http://schemas.microsoft.com/office/drawing/2014/main" id="{00847EBD-F7F8-85EF-50EB-0965C7FBFF44}"/>
-              </a:ext>
-            </a:extLst>
-          </p:cNvPr>
-          <p:cNvPicPr>
-            <a:picLocks noChangeAspect="1"/>
-          </p:cNvPicPr>
-          <p:nvPr/>
-        </p:nvPicPr>
-        <p:blipFill>
-          <a:blip r:embed="rId2">
-            <a:extLst>
-              <a:ext uri="{28A0092B-C50C-407E-A947-70E740481C1C}">
-                <a14:useLocalDpi xmlns:a14="http://schemas.microsoft.com/office/drawing/2010/main" val="0"/>
-              </a:ext>
-            </a:extLst>
-          </a:blip>
-          <a:srcRect b="92427"/>
-          <a:stretch>
-            <a:fillRect/>
-          </a:stretch>
-        </p:blipFill>
-        <p:spPr>
-          <a:xfrm>
-            <a:off x="0" y="0"/>
-            <a:ext cx="12192000" cy="6858000"/>
-          </a:xfrm>
-          <a:prstGeom prst="rect">
-            <a:avLst/>
-          </a:prstGeom>
-        </p:spPr>
-      </p:pic>
-      <p:sp>
-        <p:nvSpPr>
-          <p:cNvPr id="6" name="CaixaDeTexto 5">
-            <a:extLst>
-              <a:ext uri="{FF2B5EF4-FFF2-40B4-BE49-F238E27FC236}">
-                <a16:creationId xmlns:a16="http://schemas.microsoft.com/office/drawing/2014/main" id="{2AE619C9-976F-1619-7FDC-694236F3D4DA}"/>
-              </a:ext>
-            </a:extLst>
-          </p:cNvPr>
-          <p:cNvSpPr txBox="1"/>
-          <p:nvPr/>
-        </p:nvSpPr>
-        <p:spPr>
-          <a:xfrm>
-            <a:off x="5756225" y="1728469"/>
-            <a:ext cx="5671666" cy="923330"/>
-          </a:xfrm>
-          <a:prstGeom prst="rect">
-            <a:avLst/>
-          </a:prstGeom>
-          <a:noFill/>
-        </p:spPr>
-        <p:txBody>
-          <a:bodyPr wrap="square">
-            <a:spAutoFit/>
-          </a:bodyPr>
-          <a:lstStyle/>
-          <a:p>
-            <a:pPr algn="r"/>
-            <a:r>
-              <a:rPr lang="pt-BR" sz="5400" b="1" dirty="0">
-                <a:solidFill>
-                  <a:srgbClr val="FF6A00"/>
-                </a:solidFill>
-                <a:latin typeface="Manrope" pitchFamily="2" charset="0"/>
-              </a:rPr>
-              <a:t>DEFAULT</a:t>
-            </a:r>
-            <a:endParaRPr lang="en-US" sz="5400" b="1" dirty="0">
-              <a:solidFill>
-                <a:srgbClr val="FF6A00"/>
-              </a:solidFill>
-              <a:latin typeface="Manrope" pitchFamily="2" charset="0"/>
-            </a:endParaRPr>
-          </a:p>
-        </p:txBody>
-      </p:sp>
-      <p:sp>
-        <p:nvSpPr>
-          <p:cNvPr id="8" name="CaixaDeTexto 7">
-            <a:extLst>
-              <a:ext uri="{FF2B5EF4-FFF2-40B4-BE49-F238E27FC236}">
-                <a16:creationId xmlns:a16="http://schemas.microsoft.com/office/drawing/2014/main" id="{C289AD5F-B091-DC1F-EB6B-04E90EF6F6E2}"/>
-              </a:ext>
-            </a:extLst>
-          </p:cNvPr>
-          <p:cNvSpPr txBox="1"/>
-          <p:nvPr/>
-        </p:nvSpPr>
-        <p:spPr>
-          <a:xfrm>
-            <a:off x="5191434" y="665089"/>
-            <a:ext cx="6454642" cy="1107996"/>
-          </a:xfrm>
-          <a:prstGeom prst="rect">
-            <a:avLst/>
-          </a:prstGeom>
-          <a:noFill/>
-        </p:spPr>
-        <p:txBody>
-          <a:bodyPr wrap="square">
-            <a:spAutoFit/>
-          </a:bodyPr>
-          <a:lstStyle/>
-          <a:p>
-            <a:r>
-              <a:rPr lang="pt-BR" sz="6600" b="1" dirty="0">
-                <a:solidFill>
-                  <a:schemeClr val="bg1">
-                    <a:lumMod val="85000"/>
-                  </a:schemeClr>
-                </a:solidFill>
-                <a:latin typeface="Barlow Bold" pitchFamily="34" charset="0"/>
-              </a:rPr>
-              <a:t>PROBABILIDADE</a:t>
-            </a:r>
-            <a:endParaRPr lang="en-US" sz="6600" dirty="0">
-              <a:solidFill>
-                <a:schemeClr val="bg1">
-                  <a:lumMod val="85000"/>
-                </a:schemeClr>
-              </a:solidFill>
-            </a:endParaRPr>
-          </a:p>
-        </p:txBody>
-      </p:sp>
-      <p:sp>
-        <p:nvSpPr>
-          <p:cNvPr id="4" name="CaixaDeTexto 3">
-            <a:extLst>
-              <a:ext uri="{FF2B5EF4-FFF2-40B4-BE49-F238E27FC236}">
-                <a16:creationId xmlns:a16="http://schemas.microsoft.com/office/drawing/2014/main" id="{E8CC2597-15AE-2007-E40E-AA64322F51EC}"/>
-              </a:ext>
-            </a:extLst>
-          </p:cNvPr>
-          <p:cNvSpPr txBox="1"/>
-          <p:nvPr/>
-        </p:nvSpPr>
-        <p:spPr>
-          <a:xfrm>
-            <a:off x="714946" y="2976515"/>
-            <a:ext cx="9402448" cy="2031325"/>
-          </a:xfrm>
-          <a:prstGeom prst="rect">
-            <a:avLst/>
-          </a:prstGeom>
-          <a:noFill/>
-        </p:spPr>
-        <p:txBody>
-          <a:bodyPr wrap="square">
-            <a:spAutoFit/>
-          </a:bodyPr>
-          <a:lstStyle/>
-          <a:p>
-            <a:pPr>
-              <a:buNone/>
-            </a:pPr>
-            <a:r>
-              <a:rPr lang="pt-BR" dirty="0">
-                <a:solidFill>
-                  <a:schemeClr val="bg1"/>
-                </a:solidFill>
-              </a:rPr>
-              <a:t>📊 Exemplo ilustrativo:</a:t>
-            </a:r>
-          </a:p>
-          <a:p>
-            <a:pPr>
-              <a:buNone/>
-            </a:pPr>
-            <a:endParaRPr lang="pt-BR" dirty="0">
-              <a:solidFill>
-                <a:schemeClr val="bg1"/>
-              </a:solidFill>
-            </a:endParaRPr>
-          </a:p>
-          <a:p>
-            <a:pPr>
-              <a:buNone/>
-            </a:pPr>
-            <a:r>
-              <a:rPr lang="pt-BR" dirty="0">
-                <a:solidFill>
-                  <a:schemeClr val="bg1"/>
-                </a:solidFill>
-              </a:rPr>
-              <a:t>Um contrato com PD = 5% ao ano → há 5% de chance de default nos próximos 12 meses.</a:t>
-            </a:r>
-          </a:p>
-          <a:p>
-            <a:pPr>
-              <a:buNone/>
-            </a:pPr>
-            <a:endParaRPr lang="pt-BR" dirty="0">
-              <a:solidFill>
-                <a:schemeClr val="bg1"/>
-              </a:solidFill>
-            </a:endParaRPr>
-          </a:p>
-          <a:p>
-            <a:pPr>
-              <a:buNone/>
-            </a:pPr>
-            <a:r>
-              <a:rPr lang="pt-BR" dirty="0">
-                <a:solidFill>
-                  <a:schemeClr val="bg1"/>
-                </a:solidFill>
-              </a:rPr>
-              <a:t>🔍 Exigência normativa:</a:t>
-            </a:r>
-          </a:p>
-          <a:p>
-            <a:pPr>
-              <a:buNone/>
-            </a:pPr>
-            <a:r>
-              <a:rPr lang="pt-BR" dirty="0">
-                <a:solidFill>
-                  <a:schemeClr val="bg1"/>
-                </a:solidFill>
-              </a:rPr>
-              <a:t>“A instituição deve incorporar informações prospectivas no cálculo da probabilidade de inadimplemento”📖 (Art. 58 da Res. 4.966/21)</a:t>
-            </a:r>
-          </a:p>
-        </p:txBody>
-      </p:sp>
-    </p:spTree>
-    <p:extLst>
-      <p:ext uri="{BB962C8B-B14F-4D97-AF65-F5344CB8AC3E}">
-        <p14:creationId xmlns:p14="http://schemas.microsoft.com/office/powerpoint/2010/main" val="2707888160"/>
       </p:ext>
     </p:extLst>
   </p:cSld>
@@ -25356,7 +25507,7 @@
         <p:cNvPr id="1" name="">
           <a:extLst>
             <a:ext uri="{FF2B5EF4-FFF2-40B4-BE49-F238E27FC236}">
-              <a16:creationId xmlns:a16="http://schemas.microsoft.com/office/drawing/2014/main" id="{5172D0BB-4D78-47D3-98FA-A5F2DFDC59DA}"/>
+              <a16:creationId xmlns:a16="http://schemas.microsoft.com/office/drawing/2014/main" id="{2645E689-9369-317B-C60E-CC60C5229C8A}"/>
             </a:ext>
           </a:extLst>
         </p:cNvPr>
@@ -25376,7 +25527,7 @@
           <p:cNvPr id="9" name="Imagem 8">
             <a:extLst>
               <a:ext uri="{FF2B5EF4-FFF2-40B4-BE49-F238E27FC236}">
-                <a16:creationId xmlns:a16="http://schemas.microsoft.com/office/drawing/2014/main" id="{55C7C746-B732-A6B2-1657-DE71B955DD63}"/>
+                <a16:creationId xmlns:a16="http://schemas.microsoft.com/office/drawing/2014/main" id="{00847EBD-F7F8-85EF-50EB-0965C7FBFF44}"/>
               </a:ext>
             </a:extLst>
           </p:cNvPr>
@@ -25413,7 +25564,7 @@
           <p:cNvPr id="6" name="CaixaDeTexto 5">
             <a:extLst>
               <a:ext uri="{FF2B5EF4-FFF2-40B4-BE49-F238E27FC236}">
-                <a16:creationId xmlns:a16="http://schemas.microsoft.com/office/drawing/2014/main" id="{9B893E0A-863E-9845-DB10-26FF3436EC4A}"/>
+                <a16:creationId xmlns:a16="http://schemas.microsoft.com/office/drawing/2014/main" id="{2AE619C9-976F-1619-7FDC-694236F3D4DA}"/>
               </a:ext>
             </a:extLst>
           </p:cNvPr>
@@ -25460,7 +25611,7 @@
           <p:cNvPr id="8" name="CaixaDeTexto 7">
             <a:extLst>
               <a:ext uri="{FF2B5EF4-FFF2-40B4-BE49-F238E27FC236}">
-                <a16:creationId xmlns:a16="http://schemas.microsoft.com/office/drawing/2014/main" id="{3819F3CF-A8CD-D276-6BC4-6B00C1F60EE0}"/>
+                <a16:creationId xmlns:a16="http://schemas.microsoft.com/office/drawing/2014/main" id="{C289AD5F-B091-DC1F-EB6B-04E90EF6F6E2}"/>
               </a:ext>
             </a:extLst>
           </p:cNvPr>
@@ -25509,6 +25660,362 @@
           <p:cNvPr id="4" name="CaixaDeTexto 3">
             <a:extLst>
               <a:ext uri="{FF2B5EF4-FFF2-40B4-BE49-F238E27FC236}">
+                <a16:creationId xmlns:a16="http://schemas.microsoft.com/office/drawing/2014/main" id="{E8CC2597-15AE-2007-E40E-AA64322F51EC}"/>
+              </a:ext>
+            </a:extLst>
+          </p:cNvPr>
+          <p:cNvSpPr txBox="1"/>
+          <p:nvPr/>
+        </p:nvSpPr>
+        <p:spPr>
+          <a:xfrm>
+            <a:off x="714946" y="2976515"/>
+            <a:ext cx="9402448" cy="2031325"/>
+          </a:xfrm>
+          <a:prstGeom prst="rect">
+            <a:avLst/>
+          </a:prstGeom>
+          <a:noFill/>
+        </p:spPr>
+        <p:txBody>
+          <a:bodyPr wrap="square">
+            <a:spAutoFit/>
+          </a:bodyPr>
+          <a:lstStyle/>
+          <a:p>
+            <a:pPr>
+              <a:buNone/>
+            </a:pPr>
+            <a:r>
+              <a:rPr lang="pt-BR" dirty="0">
+                <a:solidFill>
+                  <a:schemeClr val="bg1"/>
+                </a:solidFill>
+              </a:rPr>
+              <a:t>📊 Exemplo ilustrativo:</a:t>
+            </a:r>
+          </a:p>
+          <a:p>
+            <a:pPr>
+              <a:buNone/>
+            </a:pPr>
+            <a:endParaRPr lang="pt-BR" dirty="0">
+              <a:solidFill>
+                <a:schemeClr val="bg1"/>
+              </a:solidFill>
+            </a:endParaRPr>
+          </a:p>
+          <a:p>
+            <a:pPr>
+              <a:buNone/>
+            </a:pPr>
+            <a:r>
+              <a:rPr lang="pt-BR" dirty="0">
+                <a:solidFill>
+                  <a:schemeClr val="bg1"/>
+                </a:solidFill>
+              </a:rPr>
+              <a:t>Um contrato com PD = 5% ao ano → há 5% de chance de default nos próximos 12 meses.</a:t>
+            </a:r>
+          </a:p>
+          <a:p>
+            <a:pPr>
+              <a:buNone/>
+            </a:pPr>
+            <a:endParaRPr lang="pt-BR" dirty="0">
+              <a:solidFill>
+                <a:schemeClr val="bg1"/>
+              </a:solidFill>
+            </a:endParaRPr>
+          </a:p>
+          <a:p>
+            <a:pPr>
+              <a:buNone/>
+            </a:pPr>
+            <a:r>
+              <a:rPr lang="pt-BR" dirty="0">
+                <a:solidFill>
+                  <a:schemeClr val="bg1"/>
+                </a:solidFill>
+              </a:rPr>
+              <a:t>🔍 Exigência normativa:</a:t>
+            </a:r>
+          </a:p>
+          <a:p>
+            <a:pPr>
+              <a:buNone/>
+            </a:pPr>
+            <a:r>
+              <a:rPr lang="pt-BR" dirty="0">
+                <a:solidFill>
+                  <a:schemeClr val="bg1"/>
+                </a:solidFill>
+              </a:rPr>
+              <a:t>“A instituição deve incorporar informações prospectivas no cálculo da probabilidade de inadimplemento”📖 (Art. 58 da Res. 4.966/21)</a:t>
+            </a:r>
+          </a:p>
+        </p:txBody>
+      </p:sp>
+    </p:spTree>
+    <p:extLst>
+      <p:ext uri="{BB962C8B-B14F-4D97-AF65-F5344CB8AC3E}">
+        <p14:creationId xmlns:p14="http://schemas.microsoft.com/office/powerpoint/2010/main" val="2707888160"/>
+      </p:ext>
+    </p:extLst>
+  </p:cSld>
+  <p:clrMapOvr>
+    <a:masterClrMapping/>
+  </p:clrMapOvr>
+  <p:timing>
+    <p:tnLst>
+      <p:par>
+        <p:cTn id="1" dur="indefinite" restart="never" nodeType="tmRoot">
+          <p:childTnLst>
+            <p:seq concurrent="1" nextAc="seek">
+              <p:cTn id="2" dur="indefinite" nodeType="mainSeq">
+                <p:childTnLst>
+                  <p:par>
+                    <p:cTn id="3" fill="hold">
+                      <p:stCondLst>
+                        <p:cond delay="indefinite"/>
+                      </p:stCondLst>
+                      <p:childTnLst>
+                        <p:par>
+                          <p:cTn id="4" fill="hold">
+                            <p:stCondLst>
+                              <p:cond delay="0"/>
+                            </p:stCondLst>
+                            <p:childTnLst>
+                              <p:par>
+                                <p:cTn id="5" presetID="10" presetClass="entr" presetSubtype="0" fill="hold" grpId="0" nodeType="clickEffect">
+                                  <p:stCondLst>
+                                    <p:cond delay="0"/>
+                                  </p:stCondLst>
+                                  <p:childTnLst>
+                                    <p:set>
+                                      <p:cBhvr>
+                                        <p:cTn id="6" dur="1" fill="hold">
+                                          <p:stCondLst>
+                                            <p:cond delay="0"/>
+                                          </p:stCondLst>
+                                        </p:cTn>
+                                        <p:tgtEl>
+                                          <p:spTgt spid="4"/>
+                                        </p:tgtEl>
+                                        <p:attrNameLst>
+                                          <p:attrName>style.visibility</p:attrName>
+                                        </p:attrNameLst>
+                                      </p:cBhvr>
+                                      <p:to>
+                                        <p:strVal val="visible"/>
+                                      </p:to>
+                                    </p:set>
+                                    <p:animEffect transition="in" filter="fade">
+                                      <p:cBhvr>
+                                        <p:cTn id="7" dur="500"/>
+                                        <p:tgtEl>
+                                          <p:spTgt spid="4"/>
+                                        </p:tgtEl>
+                                      </p:cBhvr>
+                                    </p:animEffect>
+                                  </p:childTnLst>
+                                </p:cTn>
+                              </p:par>
+                            </p:childTnLst>
+                          </p:cTn>
+                        </p:par>
+                      </p:childTnLst>
+                    </p:cTn>
+                  </p:par>
+                </p:childTnLst>
+              </p:cTn>
+              <p:prevCondLst>
+                <p:cond evt="onPrev" delay="0">
+                  <p:tgtEl>
+                    <p:sldTgt/>
+                  </p:tgtEl>
+                </p:cond>
+              </p:prevCondLst>
+              <p:nextCondLst>
+                <p:cond evt="onNext" delay="0">
+                  <p:tgtEl>
+                    <p:sldTgt/>
+                  </p:tgtEl>
+                </p:cond>
+              </p:nextCondLst>
+            </p:seq>
+          </p:childTnLst>
+        </p:cTn>
+      </p:par>
+    </p:tnLst>
+    <p:bldLst>
+      <p:bldP spid="4" grpId="0"/>
+    </p:bldLst>
+  </p:timing>
+</p:sld>
+</file>
+
+<file path=ppt/slides/slide33.xml><?xml version="1.0" encoding="utf-8"?>
+<p:sld xmlns:a="http://schemas.openxmlformats.org/drawingml/2006/main" xmlns:r="http://schemas.openxmlformats.org/officeDocument/2006/relationships" xmlns:p="http://schemas.openxmlformats.org/presentationml/2006/main">
+  <p:cSld>
+    <p:spTree>
+      <p:nvGrpSpPr>
+        <p:cNvPr id="1" name="">
+          <a:extLst>
+            <a:ext uri="{FF2B5EF4-FFF2-40B4-BE49-F238E27FC236}">
+              <a16:creationId xmlns:a16="http://schemas.microsoft.com/office/drawing/2014/main" id="{5172D0BB-4D78-47D3-98FA-A5F2DFDC59DA}"/>
+            </a:ext>
+          </a:extLst>
+        </p:cNvPr>
+        <p:cNvGrpSpPr/>
+        <p:nvPr/>
+      </p:nvGrpSpPr>
+      <p:grpSpPr>
+        <a:xfrm>
+          <a:off x="0" y="0"/>
+          <a:ext cx="0" cy="0"/>
+          <a:chOff x="0" y="0"/>
+          <a:chExt cx="0" cy="0"/>
+        </a:xfrm>
+      </p:grpSpPr>
+      <p:pic>
+        <p:nvPicPr>
+          <p:cNvPr id="9" name="Imagem 8">
+            <a:extLst>
+              <a:ext uri="{FF2B5EF4-FFF2-40B4-BE49-F238E27FC236}">
+                <a16:creationId xmlns:a16="http://schemas.microsoft.com/office/drawing/2014/main" id="{55C7C746-B732-A6B2-1657-DE71B955DD63}"/>
+              </a:ext>
+            </a:extLst>
+          </p:cNvPr>
+          <p:cNvPicPr>
+            <a:picLocks noChangeAspect="1"/>
+          </p:cNvPicPr>
+          <p:nvPr/>
+        </p:nvPicPr>
+        <p:blipFill>
+          <a:blip r:embed="rId2">
+            <a:extLst>
+              <a:ext uri="{28A0092B-C50C-407E-A947-70E740481C1C}">
+                <a14:useLocalDpi xmlns:a14="http://schemas.microsoft.com/office/drawing/2010/main" val="0"/>
+              </a:ext>
+            </a:extLst>
+          </a:blip>
+          <a:srcRect b="92427"/>
+          <a:stretch>
+            <a:fillRect/>
+          </a:stretch>
+        </p:blipFill>
+        <p:spPr>
+          <a:xfrm>
+            <a:off x="0" y="0"/>
+            <a:ext cx="12192000" cy="6858000"/>
+          </a:xfrm>
+          <a:prstGeom prst="rect">
+            <a:avLst/>
+          </a:prstGeom>
+        </p:spPr>
+      </p:pic>
+      <p:sp>
+        <p:nvSpPr>
+          <p:cNvPr id="6" name="CaixaDeTexto 5">
+            <a:extLst>
+              <a:ext uri="{FF2B5EF4-FFF2-40B4-BE49-F238E27FC236}">
+                <a16:creationId xmlns:a16="http://schemas.microsoft.com/office/drawing/2014/main" id="{9B893E0A-863E-9845-DB10-26FF3436EC4A}"/>
+              </a:ext>
+            </a:extLst>
+          </p:cNvPr>
+          <p:cNvSpPr txBox="1"/>
+          <p:nvPr/>
+        </p:nvSpPr>
+        <p:spPr>
+          <a:xfrm>
+            <a:off x="5756225" y="1728469"/>
+            <a:ext cx="5671666" cy="923330"/>
+          </a:xfrm>
+          <a:prstGeom prst="rect">
+            <a:avLst/>
+          </a:prstGeom>
+          <a:noFill/>
+        </p:spPr>
+        <p:txBody>
+          <a:bodyPr wrap="square">
+            <a:spAutoFit/>
+          </a:bodyPr>
+          <a:lstStyle/>
+          <a:p>
+            <a:pPr algn="r"/>
+            <a:r>
+              <a:rPr lang="pt-BR" sz="5400" b="1" dirty="0">
+                <a:solidFill>
+                  <a:srgbClr val="FF6A00"/>
+                </a:solidFill>
+                <a:latin typeface="Manrope" pitchFamily="2" charset="0"/>
+              </a:rPr>
+              <a:t>DEFAULT</a:t>
+            </a:r>
+            <a:endParaRPr lang="en-US" sz="5400" b="1" dirty="0">
+              <a:solidFill>
+                <a:srgbClr val="FF6A00"/>
+              </a:solidFill>
+              <a:latin typeface="Manrope" pitchFamily="2" charset="0"/>
+            </a:endParaRPr>
+          </a:p>
+        </p:txBody>
+      </p:sp>
+      <p:sp>
+        <p:nvSpPr>
+          <p:cNvPr id="8" name="CaixaDeTexto 7">
+            <a:extLst>
+              <a:ext uri="{FF2B5EF4-FFF2-40B4-BE49-F238E27FC236}">
+                <a16:creationId xmlns:a16="http://schemas.microsoft.com/office/drawing/2014/main" id="{3819F3CF-A8CD-D276-6BC4-6B00C1F60EE0}"/>
+              </a:ext>
+            </a:extLst>
+          </p:cNvPr>
+          <p:cNvSpPr txBox="1"/>
+          <p:nvPr/>
+        </p:nvSpPr>
+        <p:spPr>
+          <a:xfrm>
+            <a:off x="5191434" y="665089"/>
+            <a:ext cx="6454642" cy="1107996"/>
+          </a:xfrm>
+          <a:prstGeom prst="rect">
+            <a:avLst/>
+          </a:prstGeom>
+          <a:noFill/>
+        </p:spPr>
+        <p:txBody>
+          <a:bodyPr wrap="square">
+            <a:spAutoFit/>
+          </a:bodyPr>
+          <a:lstStyle/>
+          <a:p>
+            <a:r>
+              <a:rPr lang="pt-BR" sz="6600" b="1" dirty="0">
+                <a:solidFill>
+                  <a:schemeClr val="bg1">
+                    <a:lumMod val="85000"/>
+                  </a:schemeClr>
+                </a:solidFill>
+                <a:latin typeface="Barlow Bold" pitchFamily="34" charset="0"/>
+              </a:rPr>
+              <a:t>PROBABILIDADE</a:t>
+            </a:r>
+            <a:endParaRPr lang="en-US" sz="6600" dirty="0">
+              <a:solidFill>
+                <a:schemeClr val="bg1">
+                  <a:lumMod val="85000"/>
+                </a:schemeClr>
+              </a:solidFill>
+            </a:endParaRPr>
+          </a:p>
+        </p:txBody>
+      </p:sp>
+      <p:sp>
+        <p:nvSpPr>
+          <p:cNvPr id="4" name="CaixaDeTexto 3">
+            <a:extLst>
+              <a:ext uri="{FF2B5EF4-FFF2-40B4-BE49-F238E27FC236}">
                 <a16:creationId xmlns:a16="http://schemas.microsoft.com/office/drawing/2014/main" id="{8AB843B9-F2B8-D92E-AA57-3ACA8E496653}"/>
               </a:ext>
             </a:extLst>
@@ -25626,52 +26133,6 @@
                 <a:schemeClr val="bg1"/>
               </a:solidFill>
             </a:endParaRPr>
-          </a:p>
-        </p:txBody>
-      </p:sp>
-      <p:sp>
-        <p:nvSpPr>
-          <p:cNvPr id="2" name="Retângulo 1">
-            <a:extLst>
-              <a:ext uri="{FF2B5EF4-FFF2-40B4-BE49-F238E27FC236}">
-                <a16:creationId xmlns:a16="http://schemas.microsoft.com/office/drawing/2014/main" id="{A591418B-3621-BEC3-C298-7FC86886BCAE}"/>
-              </a:ext>
-            </a:extLst>
-          </p:cNvPr>
-          <p:cNvSpPr/>
-          <p:nvPr/>
-        </p:nvSpPr>
-        <p:spPr>
-          <a:xfrm>
-            <a:off x="7732837" y="3643185"/>
-            <a:ext cx="3913239" cy="2920180"/>
-          </a:xfrm>
-          <a:prstGeom prst="rect">
-            <a:avLst/>
-          </a:prstGeom>
-        </p:spPr>
-        <p:style>
-          <a:lnRef idx="2">
-            <a:schemeClr val="accent4">
-              <a:shade val="15000"/>
-            </a:schemeClr>
-          </a:lnRef>
-          <a:fillRef idx="1">
-            <a:schemeClr val="accent4"/>
-          </a:fillRef>
-          <a:effectRef idx="0">
-            <a:schemeClr val="accent4"/>
-          </a:effectRef>
-          <a:fontRef idx="minor">
-            <a:schemeClr val="lt1"/>
-          </a:fontRef>
-        </p:style>
-        <p:txBody>
-          <a:bodyPr rtlCol="0" anchor="ctr"/>
-          <a:lstStyle/>
-          <a:p>
-            <a:pPr algn="ctr"/>
-            <a:endParaRPr lang="en-US"/>
           </a:p>
         </p:txBody>
       </p:sp>
@@ -25828,7 +26289,7 @@
 </p:sld>
 </file>
 
-<file path=ppt/slides/slide33.xml><?xml version="1.0" encoding="utf-8"?>
+<file path=ppt/slides/slide34.xml><?xml version="1.0" encoding="utf-8"?>
 <p:sld xmlns:a="http://schemas.openxmlformats.org/drawingml/2006/main" xmlns:r="http://schemas.openxmlformats.org/officeDocument/2006/relationships" xmlns:p="http://schemas.openxmlformats.org/presentationml/2006/main">
   <p:cSld>
     <p:spTree>
@@ -27394,7 +27855,7 @@
 </p:sld>
 </file>
 
-<file path=ppt/slides/slide34.xml><?xml version="1.0" encoding="utf-8"?>
+<file path=ppt/slides/slide35.xml><?xml version="1.0" encoding="utf-8"?>
 <p:sld xmlns:a="http://schemas.openxmlformats.org/drawingml/2006/main" xmlns:r="http://schemas.openxmlformats.org/officeDocument/2006/relationships" xmlns:p="http://schemas.openxmlformats.org/presentationml/2006/main">
   <p:cSld>
     <p:spTree>
@@ -27608,7 +28069,7 @@
 </p:sld>
 </file>
 
-<file path=ppt/slides/slide35.xml><?xml version="1.0" encoding="utf-8"?>
+<file path=ppt/slides/slide36.xml><?xml version="1.0" encoding="utf-8"?>
 <p:sld xmlns:a="http://schemas.openxmlformats.org/drawingml/2006/main" xmlns:r="http://schemas.openxmlformats.org/officeDocument/2006/relationships" xmlns:p="http://schemas.openxmlformats.org/presentationml/2006/main">
   <p:cSld>
     <p:spTree>
@@ -28068,7 +28529,7 @@
 </p:sld>
 </file>
 
-<file path=ppt/slides/slide36.xml><?xml version="1.0" encoding="utf-8"?>
+<file path=ppt/slides/slide37.xml><?xml version="1.0" encoding="utf-8"?>
 <p:sld xmlns:a="http://schemas.openxmlformats.org/drawingml/2006/main" xmlns:r="http://schemas.openxmlformats.org/officeDocument/2006/relationships" xmlns:p="http://schemas.openxmlformats.org/presentationml/2006/main">
   <p:cSld>
     <p:spTree>
@@ -28379,7 +28840,7 @@
 </p:sld>
 </file>
 
-<file path=ppt/slides/slide37.xml><?xml version="1.0" encoding="utf-8"?>
+<file path=ppt/slides/slide38.xml><?xml version="1.0" encoding="utf-8"?>
 <p:sld xmlns:a="http://schemas.openxmlformats.org/drawingml/2006/main" xmlns:r="http://schemas.openxmlformats.org/officeDocument/2006/relationships" xmlns:p="http://schemas.openxmlformats.org/presentationml/2006/main">
   <p:cSld>
     <p:spTree>
@@ -28756,7 +29217,7 @@
 </p:sld>
 </file>
 
-<file path=ppt/slides/slide38.xml><?xml version="1.0" encoding="utf-8"?>
+<file path=ppt/slides/slide39.xml><?xml version="1.0" encoding="utf-8"?>
 <p:sld xmlns:a="http://schemas.openxmlformats.org/drawingml/2006/main" xmlns:r="http://schemas.openxmlformats.org/officeDocument/2006/relationships" xmlns:p="http://schemas.openxmlformats.org/presentationml/2006/main">
   <p:cSld>
     <p:spTree>
@@ -29264,7 +29725,340 @@
 </p:sld>
 </file>
 
-<file path=ppt/slides/slide39.xml><?xml version="1.0" encoding="utf-8"?>
+<file path=ppt/slides/slide4.xml><?xml version="1.0" encoding="utf-8"?>
+<p:sld xmlns:a="http://schemas.openxmlformats.org/drawingml/2006/main" xmlns:r="http://schemas.openxmlformats.org/officeDocument/2006/relationships" xmlns:p="http://schemas.openxmlformats.org/presentationml/2006/main" show="0">
+  <p:cSld>
+    <p:spTree>
+      <p:nvGrpSpPr>
+        <p:cNvPr id="1" name="">
+          <a:extLst>
+            <a:ext uri="{FF2B5EF4-FFF2-40B4-BE49-F238E27FC236}">
+              <a16:creationId xmlns:a16="http://schemas.microsoft.com/office/drawing/2014/main" id="{4C565504-9025-6B02-CDC5-333DE2D8CFC8}"/>
+            </a:ext>
+          </a:extLst>
+        </p:cNvPr>
+        <p:cNvGrpSpPr/>
+        <p:nvPr/>
+      </p:nvGrpSpPr>
+      <p:grpSpPr>
+        <a:xfrm>
+          <a:off x="0" y="0"/>
+          <a:ext cx="0" cy="0"/>
+          <a:chOff x="0" y="0"/>
+          <a:chExt cx="0" cy="0"/>
+        </a:xfrm>
+      </p:grpSpPr>
+      <p:pic>
+        <p:nvPicPr>
+          <p:cNvPr id="9" name="Imagem 8">
+            <a:extLst>
+              <a:ext uri="{FF2B5EF4-FFF2-40B4-BE49-F238E27FC236}">
+                <a16:creationId xmlns:a16="http://schemas.microsoft.com/office/drawing/2014/main" id="{CCDFC928-D3A6-1D38-FFE5-6195BA5E97A4}"/>
+              </a:ext>
+            </a:extLst>
+          </p:cNvPr>
+          <p:cNvPicPr>
+            <a:picLocks noChangeAspect="1"/>
+          </p:cNvPicPr>
+          <p:nvPr/>
+        </p:nvPicPr>
+        <p:blipFill>
+          <a:blip r:embed="rId2">
+            <a:extLst>
+              <a:ext uri="{28A0092B-C50C-407E-A947-70E740481C1C}">
+                <a14:useLocalDpi xmlns:a14="http://schemas.microsoft.com/office/drawing/2010/main" val="0"/>
+              </a:ext>
+            </a:extLst>
+          </a:blip>
+          <a:srcRect b="92427"/>
+          <a:stretch>
+            <a:fillRect/>
+          </a:stretch>
+        </p:blipFill>
+        <p:spPr>
+          <a:xfrm>
+            <a:off x="0" y="0"/>
+            <a:ext cx="12192000" cy="6858000"/>
+          </a:xfrm>
+          <a:prstGeom prst="rect">
+            <a:avLst/>
+          </a:prstGeom>
+        </p:spPr>
+      </p:pic>
+      <p:sp>
+        <p:nvSpPr>
+          <p:cNvPr id="2" name="Text 0">
+            <a:extLst>
+              <a:ext uri="{FF2B5EF4-FFF2-40B4-BE49-F238E27FC236}">
+                <a16:creationId xmlns:a16="http://schemas.microsoft.com/office/drawing/2014/main" id="{B96EC9D2-0403-3A3F-E65A-BF1BEEC20300}"/>
+              </a:ext>
+            </a:extLst>
+          </p:cNvPr>
+          <p:cNvSpPr/>
+          <p:nvPr/>
+        </p:nvSpPr>
+        <p:spPr>
+          <a:xfrm>
+            <a:off x="468154" y="449024"/>
+            <a:ext cx="11723846" cy="689015"/>
+          </a:xfrm>
+          <a:prstGeom prst="rect">
+            <a:avLst/>
+          </a:prstGeom>
+          <a:noFill/>
+          <a:ln/>
+        </p:spPr>
+        <p:txBody>
+          <a:bodyPr wrap="none" lIns="0" tIns="0" rIns="0" bIns="0" rtlCol="0" anchor="t"/>
+          <a:lstStyle/>
+          <a:p>
+            <a:pPr marL="0" indent="0" algn="l">
+              <a:lnSpc>
+                <a:spcPts val="5400"/>
+              </a:lnSpc>
+              <a:buNone/>
+            </a:pPr>
+            <a:r>
+              <a:rPr lang="en-US" sz="3600" b="1" dirty="0">
+                <a:solidFill>
+                  <a:srgbClr val="FF6A00"/>
+                </a:solidFill>
+                <a:latin typeface="Barlow Bold" pitchFamily="34" charset="0"/>
+                <a:ea typeface="Barlow Bold" pitchFamily="34" charset="-122"/>
+                <a:cs typeface="Barlow Bold" pitchFamily="34" charset="-120"/>
+              </a:rPr>
+              <a:t>Semana 1: Fundamentos e Contexto Regulatório</a:t>
+            </a:r>
+            <a:endParaRPr lang="en-US" sz="3600" dirty="0">
+              <a:solidFill>
+                <a:srgbClr val="FF6A00"/>
+              </a:solidFill>
+            </a:endParaRPr>
+          </a:p>
+        </p:txBody>
+      </p:sp>
+      <p:sp>
+        <p:nvSpPr>
+          <p:cNvPr id="4" name="Text 2">
+            <a:extLst>
+              <a:ext uri="{FF2B5EF4-FFF2-40B4-BE49-F238E27FC236}">
+                <a16:creationId xmlns:a16="http://schemas.microsoft.com/office/drawing/2014/main" id="{41B5CA51-8CC4-A94C-3F71-EF9826C00E44}"/>
+              </a:ext>
+            </a:extLst>
+          </p:cNvPr>
+          <p:cNvSpPr/>
+          <p:nvPr/>
+        </p:nvSpPr>
+        <p:spPr>
+          <a:xfrm>
+            <a:off x="569593" y="2119193"/>
+            <a:ext cx="6326505" cy="335042"/>
+          </a:xfrm>
+          <a:prstGeom prst="rect">
+            <a:avLst/>
+          </a:prstGeom>
+          <a:noFill/>
+          <a:ln/>
+        </p:spPr>
+        <p:txBody>
+          <a:bodyPr wrap="none" lIns="0" tIns="0" rIns="0" bIns="0" rtlCol="0" anchor="t"/>
+          <a:lstStyle/>
+          <a:p>
+            <a:pPr marL="342900" indent="-342900">
+              <a:lnSpc>
+                <a:spcPts val="2600"/>
+              </a:lnSpc>
+              <a:buSzPct val="100000"/>
+              <a:buChar char="•"/>
+            </a:pPr>
+            <a:r>
+              <a:rPr lang="en-US" sz="1600" dirty="0">
+                <a:solidFill>
+                  <a:srgbClr val="EEEFF5"/>
+                </a:solidFill>
+                <a:latin typeface="Montserrat" pitchFamily="34" charset="0"/>
+                <a:ea typeface="Montserrat" pitchFamily="34" charset="-122"/>
+                <a:cs typeface="Montserrat" pitchFamily="34" charset="-120"/>
+              </a:rPr>
+              <a:t>Conceitos-chave de risco de crédito.</a:t>
+            </a:r>
+            <a:endParaRPr lang="en-US" sz="1600" dirty="0"/>
+          </a:p>
+        </p:txBody>
+      </p:sp>
+      <p:sp>
+        <p:nvSpPr>
+          <p:cNvPr id="5" name="Text 3">
+            <a:extLst>
+              <a:ext uri="{FF2B5EF4-FFF2-40B4-BE49-F238E27FC236}">
+                <a16:creationId xmlns:a16="http://schemas.microsoft.com/office/drawing/2014/main" id="{A3614A40-49B3-AACA-EBE8-646F49923049}"/>
+              </a:ext>
+            </a:extLst>
+          </p:cNvPr>
+          <p:cNvSpPr/>
+          <p:nvPr/>
+        </p:nvSpPr>
+        <p:spPr>
+          <a:xfrm>
+            <a:off x="569593" y="2527458"/>
+            <a:ext cx="6326505" cy="1398270"/>
+          </a:xfrm>
+          <a:prstGeom prst="rect">
+            <a:avLst/>
+          </a:prstGeom>
+          <a:noFill/>
+          <a:ln/>
+        </p:spPr>
+        <p:txBody>
+          <a:bodyPr wrap="square" lIns="0" tIns="0" rIns="0" bIns="0" rtlCol="0" anchor="t"/>
+          <a:lstStyle/>
+          <a:p>
+            <a:pPr marL="342900" indent="-342900">
+              <a:lnSpc>
+                <a:spcPts val="2600"/>
+              </a:lnSpc>
+              <a:buSzPct val="100000"/>
+              <a:buChar char="•"/>
+            </a:pPr>
+            <a:r>
+              <a:rPr lang="en-US" sz="1600" dirty="0">
+                <a:solidFill>
+                  <a:srgbClr val="EEEFF5"/>
+                </a:solidFill>
+                <a:latin typeface="Montserrat" pitchFamily="34" charset="0"/>
+                <a:ea typeface="Montserrat" pitchFamily="34" charset="-122"/>
+                <a:cs typeface="Montserrat" pitchFamily="34" charset="-120"/>
+              </a:rPr>
+              <a:t>Glossário de termos essenciais: </a:t>
+            </a:r>
+          </a:p>
+          <a:p>
+            <a:pPr lvl="1">
+              <a:lnSpc>
+                <a:spcPts val="2600"/>
+              </a:lnSpc>
+              <a:buSzPct val="100000"/>
+            </a:pPr>
+            <a:r>
+              <a:rPr lang="en-US" sz="1600" dirty="0">
+                <a:solidFill>
+                  <a:srgbClr val="EEEFF5"/>
+                </a:solidFill>
+                <a:latin typeface="Montserrat" pitchFamily="34" charset="0"/>
+                <a:ea typeface="Montserrat" pitchFamily="34" charset="-122"/>
+                <a:cs typeface="Montserrat" pitchFamily="34" charset="-120"/>
+              </a:rPr>
+              <a:t>PD (Probabilidade de Inadimplência), </a:t>
+            </a:r>
+            <a:br>
+              <a:rPr lang="en-US" sz="1600" dirty="0">
+                <a:solidFill>
+                  <a:srgbClr val="EEEFF5"/>
+                </a:solidFill>
+                <a:latin typeface="Montserrat" pitchFamily="34" charset="0"/>
+                <a:ea typeface="Montserrat" pitchFamily="34" charset="-122"/>
+                <a:cs typeface="Montserrat" pitchFamily="34" charset="-120"/>
+              </a:rPr>
+            </a:br>
+            <a:r>
+              <a:rPr lang="en-US" sz="1600" dirty="0">
+                <a:solidFill>
+                  <a:srgbClr val="EEEFF5"/>
+                </a:solidFill>
+                <a:latin typeface="Montserrat" pitchFamily="34" charset="0"/>
+                <a:ea typeface="Montserrat" pitchFamily="34" charset="-122"/>
+                <a:cs typeface="Montserrat" pitchFamily="34" charset="-120"/>
+              </a:rPr>
+              <a:t>LGD (Perda na Inadimplência)</a:t>
+            </a:r>
+            <a:br>
+              <a:rPr lang="en-US" sz="1600" dirty="0">
+                <a:solidFill>
+                  <a:srgbClr val="EEEFF5"/>
+                </a:solidFill>
+                <a:latin typeface="Montserrat" pitchFamily="34" charset="0"/>
+                <a:ea typeface="Montserrat" pitchFamily="34" charset="-122"/>
+                <a:cs typeface="Montserrat" pitchFamily="34" charset="-120"/>
+              </a:rPr>
+            </a:br>
+            <a:r>
+              <a:rPr lang="en-US" sz="1600" dirty="0">
+                <a:solidFill>
+                  <a:srgbClr val="EEEFF5"/>
+                </a:solidFill>
+                <a:latin typeface="Montserrat" pitchFamily="34" charset="0"/>
+                <a:ea typeface="Montserrat" pitchFamily="34" charset="-122"/>
+                <a:cs typeface="Montserrat" pitchFamily="34" charset="-120"/>
+              </a:rPr>
+              <a:t>EAD (Exposição à Inadimplência).</a:t>
+            </a:r>
+            <a:endParaRPr lang="en-US" sz="1600" dirty="0"/>
+          </a:p>
+        </p:txBody>
+      </p:sp>
+      <p:sp>
+        <p:nvSpPr>
+          <p:cNvPr id="10" name="Text 6">
+            <a:extLst>
+              <a:ext uri="{FF2B5EF4-FFF2-40B4-BE49-F238E27FC236}">
+                <a16:creationId xmlns:a16="http://schemas.microsoft.com/office/drawing/2014/main" id="{98FD2152-D482-6827-489D-DD703CDD2249}"/>
+              </a:ext>
+            </a:extLst>
+          </p:cNvPr>
+          <p:cNvSpPr/>
+          <p:nvPr/>
+        </p:nvSpPr>
+        <p:spPr>
+          <a:xfrm>
+            <a:off x="569593" y="3967844"/>
+            <a:ext cx="6326505" cy="670084"/>
+          </a:xfrm>
+          <a:prstGeom prst="rect">
+            <a:avLst/>
+          </a:prstGeom>
+          <a:noFill/>
+          <a:ln/>
+        </p:spPr>
+        <p:txBody>
+          <a:bodyPr wrap="square" lIns="0" tIns="0" rIns="0" bIns="0" rtlCol="0" anchor="t"/>
+          <a:lstStyle/>
+          <a:p>
+            <a:pPr marL="342900" indent="-342900">
+              <a:lnSpc>
+                <a:spcPts val="2600"/>
+              </a:lnSpc>
+              <a:buSzPct val="100000"/>
+              <a:buChar char="•"/>
+            </a:pPr>
+            <a:r>
+              <a:rPr lang="en-US" sz="1600" dirty="0">
+                <a:solidFill>
+                  <a:srgbClr val="EEEFF5"/>
+                </a:solidFill>
+                <a:latin typeface="Montserrat" pitchFamily="34" charset="0"/>
+                <a:ea typeface="Montserrat" pitchFamily="34" charset="-122"/>
+                <a:cs typeface="Montserrat" pitchFamily="34" charset="-120"/>
+              </a:rPr>
+              <a:t>Análise da Resolução 4966 do Banco Central do Brasil e suas implicações práticas.</a:t>
+            </a:r>
+            <a:endParaRPr lang="en-US" sz="1600" dirty="0"/>
+          </a:p>
+        </p:txBody>
+      </p:sp>
+    </p:spTree>
+    <p:extLst>
+      <p:ext uri="{BB962C8B-B14F-4D97-AF65-F5344CB8AC3E}">
+        <p14:creationId xmlns:p14="http://schemas.microsoft.com/office/powerpoint/2010/main" val="182866966"/>
+      </p:ext>
+    </p:extLst>
+  </p:cSld>
+  <p:clrMapOvr>
+    <a:masterClrMapping/>
+  </p:clrMapOvr>
+</p:sld>
+</file>
+
+<file path=ppt/slides/slide40.xml><?xml version="1.0" encoding="utf-8"?>
 <p:sld xmlns:a="http://schemas.openxmlformats.org/drawingml/2006/main" xmlns:r="http://schemas.openxmlformats.org/officeDocument/2006/relationships" xmlns:p="http://schemas.openxmlformats.org/presentationml/2006/main">
   <p:cSld>
     <p:spTree>
@@ -29825,340 +30619,7 @@
 </p:sld>
 </file>
 
-<file path=ppt/slides/slide4.xml><?xml version="1.0" encoding="utf-8"?>
-<p:sld xmlns:a="http://schemas.openxmlformats.org/drawingml/2006/main" xmlns:r="http://schemas.openxmlformats.org/officeDocument/2006/relationships" xmlns:p="http://schemas.openxmlformats.org/presentationml/2006/main" show="0">
-  <p:cSld>
-    <p:spTree>
-      <p:nvGrpSpPr>
-        <p:cNvPr id="1" name="">
-          <a:extLst>
-            <a:ext uri="{FF2B5EF4-FFF2-40B4-BE49-F238E27FC236}">
-              <a16:creationId xmlns:a16="http://schemas.microsoft.com/office/drawing/2014/main" id="{4C565504-9025-6B02-CDC5-333DE2D8CFC8}"/>
-            </a:ext>
-          </a:extLst>
-        </p:cNvPr>
-        <p:cNvGrpSpPr/>
-        <p:nvPr/>
-      </p:nvGrpSpPr>
-      <p:grpSpPr>
-        <a:xfrm>
-          <a:off x="0" y="0"/>
-          <a:ext cx="0" cy="0"/>
-          <a:chOff x="0" y="0"/>
-          <a:chExt cx="0" cy="0"/>
-        </a:xfrm>
-      </p:grpSpPr>
-      <p:pic>
-        <p:nvPicPr>
-          <p:cNvPr id="9" name="Imagem 8">
-            <a:extLst>
-              <a:ext uri="{FF2B5EF4-FFF2-40B4-BE49-F238E27FC236}">
-                <a16:creationId xmlns:a16="http://schemas.microsoft.com/office/drawing/2014/main" id="{CCDFC928-D3A6-1D38-FFE5-6195BA5E97A4}"/>
-              </a:ext>
-            </a:extLst>
-          </p:cNvPr>
-          <p:cNvPicPr>
-            <a:picLocks noChangeAspect="1"/>
-          </p:cNvPicPr>
-          <p:nvPr/>
-        </p:nvPicPr>
-        <p:blipFill>
-          <a:blip r:embed="rId2">
-            <a:extLst>
-              <a:ext uri="{28A0092B-C50C-407E-A947-70E740481C1C}">
-                <a14:useLocalDpi xmlns:a14="http://schemas.microsoft.com/office/drawing/2010/main" val="0"/>
-              </a:ext>
-            </a:extLst>
-          </a:blip>
-          <a:srcRect b="92427"/>
-          <a:stretch>
-            <a:fillRect/>
-          </a:stretch>
-        </p:blipFill>
-        <p:spPr>
-          <a:xfrm>
-            <a:off x="0" y="0"/>
-            <a:ext cx="12192000" cy="6858000"/>
-          </a:xfrm>
-          <a:prstGeom prst="rect">
-            <a:avLst/>
-          </a:prstGeom>
-        </p:spPr>
-      </p:pic>
-      <p:sp>
-        <p:nvSpPr>
-          <p:cNvPr id="2" name="Text 0">
-            <a:extLst>
-              <a:ext uri="{FF2B5EF4-FFF2-40B4-BE49-F238E27FC236}">
-                <a16:creationId xmlns:a16="http://schemas.microsoft.com/office/drawing/2014/main" id="{B96EC9D2-0403-3A3F-E65A-BF1BEEC20300}"/>
-              </a:ext>
-            </a:extLst>
-          </p:cNvPr>
-          <p:cNvSpPr/>
-          <p:nvPr/>
-        </p:nvSpPr>
-        <p:spPr>
-          <a:xfrm>
-            <a:off x="468154" y="449024"/>
-            <a:ext cx="11723846" cy="689015"/>
-          </a:xfrm>
-          <a:prstGeom prst="rect">
-            <a:avLst/>
-          </a:prstGeom>
-          <a:noFill/>
-          <a:ln/>
-        </p:spPr>
-        <p:txBody>
-          <a:bodyPr wrap="none" lIns="0" tIns="0" rIns="0" bIns="0" rtlCol="0" anchor="t"/>
-          <a:lstStyle/>
-          <a:p>
-            <a:pPr marL="0" indent="0" algn="l">
-              <a:lnSpc>
-                <a:spcPts val="5400"/>
-              </a:lnSpc>
-              <a:buNone/>
-            </a:pPr>
-            <a:r>
-              <a:rPr lang="en-US" sz="3600" b="1" dirty="0">
-                <a:solidFill>
-                  <a:srgbClr val="FF6A00"/>
-                </a:solidFill>
-                <a:latin typeface="Barlow Bold" pitchFamily="34" charset="0"/>
-                <a:ea typeface="Barlow Bold" pitchFamily="34" charset="-122"/>
-                <a:cs typeface="Barlow Bold" pitchFamily="34" charset="-120"/>
-              </a:rPr>
-              <a:t>Semana 1: Fundamentos e Contexto Regulatório</a:t>
-            </a:r>
-            <a:endParaRPr lang="en-US" sz="3600" dirty="0">
-              <a:solidFill>
-                <a:srgbClr val="FF6A00"/>
-              </a:solidFill>
-            </a:endParaRPr>
-          </a:p>
-        </p:txBody>
-      </p:sp>
-      <p:sp>
-        <p:nvSpPr>
-          <p:cNvPr id="4" name="Text 2">
-            <a:extLst>
-              <a:ext uri="{FF2B5EF4-FFF2-40B4-BE49-F238E27FC236}">
-                <a16:creationId xmlns:a16="http://schemas.microsoft.com/office/drawing/2014/main" id="{41B5CA51-8CC4-A94C-3F71-EF9826C00E44}"/>
-              </a:ext>
-            </a:extLst>
-          </p:cNvPr>
-          <p:cNvSpPr/>
-          <p:nvPr/>
-        </p:nvSpPr>
-        <p:spPr>
-          <a:xfrm>
-            <a:off x="569593" y="2119193"/>
-            <a:ext cx="6326505" cy="335042"/>
-          </a:xfrm>
-          <a:prstGeom prst="rect">
-            <a:avLst/>
-          </a:prstGeom>
-          <a:noFill/>
-          <a:ln/>
-        </p:spPr>
-        <p:txBody>
-          <a:bodyPr wrap="none" lIns="0" tIns="0" rIns="0" bIns="0" rtlCol="0" anchor="t"/>
-          <a:lstStyle/>
-          <a:p>
-            <a:pPr marL="342900" indent="-342900">
-              <a:lnSpc>
-                <a:spcPts val="2600"/>
-              </a:lnSpc>
-              <a:buSzPct val="100000"/>
-              <a:buChar char="•"/>
-            </a:pPr>
-            <a:r>
-              <a:rPr lang="en-US" sz="1600" dirty="0">
-                <a:solidFill>
-                  <a:srgbClr val="EEEFF5"/>
-                </a:solidFill>
-                <a:latin typeface="Montserrat" pitchFamily="34" charset="0"/>
-                <a:ea typeface="Montserrat" pitchFamily="34" charset="-122"/>
-                <a:cs typeface="Montserrat" pitchFamily="34" charset="-120"/>
-              </a:rPr>
-              <a:t>Conceitos-chave de risco de crédito.</a:t>
-            </a:r>
-            <a:endParaRPr lang="en-US" sz="1600" dirty="0"/>
-          </a:p>
-        </p:txBody>
-      </p:sp>
-      <p:sp>
-        <p:nvSpPr>
-          <p:cNvPr id="5" name="Text 3">
-            <a:extLst>
-              <a:ext uri="{FF2B5EF4-FFF2-40B4-BE49-F238E27FC236}">
-                <a16:creationId xmlns:a16="http://schemas.microsoft.com/office/drawing/2014/main" id="{A3614A40-49B3-AACA-EBE8-646F49923049}"/>
-              </a:ext>
-            </a:extLst>
-          </p:cNvPr>
-          <p:cNvSpPr/>
-          <p:nvPr/>
-        </p:nvSpPr>
-        <p:spPr>
-          <a:xfrm>
-            <a:off x="569593" y="2527458"/>
-            <a:ext cx="6326505" cy="1398270"/>
-          </a:xfrm>
-          <a:prstGeom prst="rect">
-            <a:avLst/>
-          </a:prstGeom>
-          <a:noFill/>
-          <a:ln/>
-        </p:spPr>
-        <p:txBody>
-          <a:bodyPr wrap="square" lIns="0" tIns="0" rIns="0" bIns="0" rtlCol="0" anchor="t"/>
-          <a:lstStyle/>
-          <a:p>
-            <a:pPr marL="342900" indent="-342900">
-              <a:lnSpc>
-                <a:spcPts val="2600"/>
-              </a:lnSpc>
-              <a:buSzPct val="100000"/>
-              <a:buChar char="•"/>
-            </a:pPr>
-            <a:r>
-              <a:rPr lang="en-US" sz="1600" dirty="0">
-                <a:solidFill>
-                  <a:srgbClr val="EEEFF5"/>
-                </a:solidFill>
-                <a:latin typeface="Montserrat" pitchFamily="34" charset="0"/>
-                <a:ea typeface="Montserrat" pitchFamily="34" charset="-122"/>
-                <a:cs typeface="Montserrat" pitchFamily="34" charset="-120"/>
-              </a:rPr>
-              <a:t>Glossário de termos essenciais: </a:t>
-            </a:r>
-          </a:p>
-          <a:p>
-            <a:pPr lvl="1">
-              <a:lnSpc>
-                <a:spcPts val="2600"/>
-              </a:lnSpc>
-              <a:buSzPct val="100000"/>
-            </a:pPr>
-            <a:r>
-              <a:rPr lang="en-US" sz="1600" dirty="0">
-                <a:solidFill>
-                  <a:srgbClr val="EEEFF5"/>
-                </a:solidFill>
-                <a:latin typeface="Montserrat" pitchFamily="34" charset="0"/>
-                <a:ea typeface="Montserrat" pitchFamily="34" charset="-122"/>
-                <a:cs typeface="Montserrat" pitchFamily="34" charset="-120"/>
-              </a:rPr>
-              <a:t>PD (Probabilidade de Inadimplência), </a:t>
-            </a:r>
-            <a:br>
-              <a:rPr lang="en-US" sz="1600" dirty="0">
-                <a:solidFill>
-                  <a:srgbClr val="EEEFF5"/>
-                </a:solidFill>
-                <a:latin typeface="Montserrat" pitchFamily="34" charset="0"/>
-                <a:ea typeface="Montserrat" pitchFamily="34" charset="-122"/>
-                <a:cs typeface="Montserrat" pitchFamily="34" charset="-120"/>
-              </a:rPr>
-            </a:br>
-            <a:r>
-              <a:rPr lang="en-US" sz="1600" dirty="0">
-                <a:solidFill>
-                  <a:srgbClr val="EEEFF5"/>
-                </a:solidFill>
-                <a:latin typeface="Montserrat" pitchFamily="34" charset="0"/>
-                <a:ea typeface="Montserrat" pitchFamily="34" charset="-122"/>
-                <a:cs typeface="Montserrat" pitchFamily="34" charset="-120"/>
-              </a:rPr>
-              <a:t>LGD (Perda na Inadimplência)</a:t>
-            </a:r>
-            <a:br>
-              <a:rPr lang="en-US" sz="1600" dirty="0">
-                <a:solidFill>
-                  <a:srgbClr val="EEEFF5"/>
-                </a:solidFill>
-                <a:latin typeface="Montserrat" pitchFamily="34" charset="0"/>
-                <a:ea typeface="Montserrat" pitchFamily="34" charset="-122"/>
-                <a:cs typeface="Montserrat" pitchFamily="34" charset="-120"/>
-              </a:rPr>
-            </a:br>
-            <a:r>
-              <a:rPr lang="en-US" sz="1600" dirty="0">
-                <a:solidFill>
-                  <a:srgbClr val="EEEFF5"/>
-                </a:solidFill>
-                <a:latin typeface="Montserrat" pitchFamily="34" charset="0"/>
-                <a:ea typeface="Montserrat" pitchFamily="34" charset="-122"/>
-                <a:cs typeface="Montserrat" pitchFamily="34" charset="-120"/>
-              </a:rPr>
-              <a:t>EAD (Exposição à Inadimplência).</a:t>
-            </a:r>
-            <a:endParaRPr lang="en-US" sz="1600" dirty="0"/>
-          </a:p>
-        </p:txBody>
-      </p:sp>
-      <p:sp>
-        <p:nvSpPr>
-          <p:cNvPr id="10" name="Text 6">
-            <a:extLst>
-              <a:ext uri="{FF2B5EF4-FFF2-40B4-BE49-F238E27FC236}">
-                <a16:creationId xmlns:a16="http://schemas.microsoft.com/office/drawing/2014/main" id="{98FD2152-D482-6827-489D-DD703CDD2249}"/>
-              </a:ext>
-            </a:extLst>
-          </p:cNvPr>
-          <p:cNvSpPr/>
-          <p:nvPr/>
-        </p:nvSpPr>
-        <p:spPr>
-          <a:xfrm>
-            <a:off x="569593" y="3967844"/>
-            <a:ext cx="6326505" cy="670084"/>
-          </a:xfrm>
-          <a:prstGeom prst="rect">
-            <a:avLst/>
-          </a:prstGeom>
-          <a:noFill/>
-          <a:ln/>
-        </p:spPr>
-        <p:txBody>
-          <a:bodyPr wrap="square" lIns="0" tIns="0" rIns="0" bIns="0" rtlCol="0" anchor="t"/>
-          <a:lstStyle/>
-          <a:p>
-            <a:pPr marL="342900" indent="-342900">
-              <a:lnSpc>
-                <a:spcPts val="2600"/>
-              </a:lnSpc>
-              <a:buSzPct val="100000"/>
-              <a:buChar char="•"/>
-            </a:pPr>
-            <a:r>
-              <a:rPr lang="en-US" sz="1600" dirty="0">
-                <a:solidFill>
-                  <a:srgbClr val="EEEFF5"/>
-                </a:solidFill>
-                <a:latin typeface="Montserrat" pitchFamily="34" charset="0"/>
-                <a:ea typeface="Montserrat" pitchFamily="34" charset="-122"/>
-                <a:cs typeface="Montserrat" pitchFamily="34" charset="-120"/>
-              </a:rPr>
-              <a:t>Análise da Resolução 4966 do Banco Central do Brasil e suas implicações práticas.</a:t>
-            </a:r>
-            <a:endParaRPr lang="en-US" sz="1600" dirty="0"/>
-          </a:p>
-        </p:txBody>
-      </p:sp>
-    </p:spTree>
-    <p:extLst>
-      <p:ext uri="{BB962C8B-B14F-4D97-AF65-F5344CB8AC3E}">
-        <p14:creationId xmlns:p14="http://schemas.microsoft.com/office/powerpoint/2010/main" val="182866966"/>
-      </p:ext>
-    </p:extLst>
-  </p:cSld>
-  <p:clrMapOvr>
-    <a:masterClrMapping/>
-  </p:clrMapOvr>
-</p:sld>
-</file>
-
-<file path=ppt/slides/slide40.xml><?xml version="1.0" encoding="utf-8"?>
+<file path=ppt/slides/slide41.xml><?xml version="1.0" encoding="utf-8"?>
 <p:sld xmlns:a="http://schemas.openxmlformats.org/drawingml/2006/main" xmlns:r="http://schemas.openxmlformats.org/officeDocument/2006/relationships" xmlns:p="http://schemas.openxmlformats.org/presentationml/2006/main">
   <p:cSld>
     <p:spTree>
@@ -30634,7 +31095,7 @@
 </p:sld>
 </file>
 
-<file path=ppt/slides/slide41.xml><?xml version="1.0" encoding="utf-8"?>
+<file path=ppt/slides/slide42.xml><?xml version="1.0" encoding="utf-8"?>
 <p:sld xmlns:a="http://schemas.openxmlformats.org/drawingml/2006/main" xmlns:r="http://schemas.openxmlformats.org/officeDocument/2006/relationships" xmlns:p="http://schemas.openxmlformats.org/presentationml/2006/main">
   <p:cSld>
     <p:spTree>
@@ -30936,7 +31397,7 @@
 </p:sld>
 </file>
 
-<file path=ppt/slides/slide42.xml><?xml version="1.0" encoding="utf-8"?>
+<file path=ppt/slides/slide43.xml><?xml version="1.0" encoding="utf-8"?>
 <p:sld xmlns:a="http://schemas.openxmlformats.org/drawingml/2006/main" xmlns:r="http://schemas.openxmlformats.org/officeDocument/2006/relationships" xmlns:p="http://schemas.openxmlformats.org/presentationml/2006/main">
   <p:cSld>
     <p:spTree>
@@ -31523,7 +31984,7 @@
 </p:sld>
 </file>
 
-<file path=ppt/slides/slide43.xml><?xml version="1.0" encoding="utf-8"?>
+<file path=ppt/slides/slide44.xml><?xml version="1.0" encoding="utf-8"?>
 <p:sld xmlns:a="http://schemas.openxmlformats.org/drawingml/2006/main" xmlns:r="http://schemas.openxmlformats.org/officeDocument/2006/relationships" xmlns:p="http://schemas.openxmlformats.org/presentationml/2006/main">
   <p:cSld>
     <p:spTree>
@@ -32506,7 +32967,7 @@
 </p:sld>
 </file>
 
-<file path=ppt/slides/slide44.xml><?xml version="1.0" encoding="utf-8"?>
+<file path=ppt/slides/slide45.xml><?xml version="1.0" encoding="utf-8"?>
 <p:sld xmlns:a="http://schemas.openxmlformats.org/drawingml/2006/main" xmlns:r="http://schemas.openxmlformats.org/officeDocument/2006/relationships" xmlns:p="http://schemas.openxmlformats.org/presentationml/2006/main">
   <p:cSld>
     <p:spTree>
@@ -33777,7 +34238,7 @@
 </p:sld>
 </file>
 
-<file path=ppt/slides/slide45.xml><?xml version="1.0" encoding="utf-8"?>
+<file path=ppt/slides/slide46.xml><?xml version="1.0" encoding="utf-8"?>
 <p:sld xmlns:a="http://schemas.openxmlformats.org/drawingml/2006/main" xmlns:r="http://schemas.openxmlformats.org/officeDocument/2006/relationships" xmlns:p="http://schemas.openxmlformats.org/presentationml/2006/main">
   <p:cSld>
     <p:spTree>
@@ -34784,7 +35245,7 @@
 </p:sld>
 </file>
 
-<file path=ppt/slides/slide46.xml><?xml version="1.0" encoding="utf-8"?>
+<file path=ppt/slides/slide47.xml><?xml version="1.0" encoding="utf-8"?>
 <p:sld xmlns:a="http://schemas.openxmlformats.org/drawingml/2006/main" xmlns:r="http://schemas.openxmlformats.org/officeDocument/2006/relationships" xmlns:p="http://schemas.openxmlformats.org/presentationml/2006/main">
   <p:cSld>
     <p:spTree>
@@ -35357,7 +35818,7 @@
 </p:sld>
 </file>
 
-<file path=ppt/slides/slide47.xml><?xml version="1.0" encoding="utf-8"?>
+<file path=ppt/slides/slide48.xml><?xml version="1.0" encoding="utf-8"?>
 <p:sld xmlns:a="http://schemas.openxmlformats.org/drawingml/2006/main" xmlns:r="http://schemas.openxmlformats.org/officeDocument/2006/relationships" xmlns:p="http://schemas.openxmlformats.org/presentationml/2006/main">
   <p:cSld>
     <p:spTree>
@@ -35871,7 +36332,7 @@
 </p:sld>
 </file>
 
-<file path=ppt/slides/slide48.xml><?xml version="1.0" encoding="utf-8"?>
+<file path=ppt/slides/slide49.xml><?xml version="1.0" encoding="utf-8"?>
 <p:sld xmlns:a="http://schemas.openxmlformats.org/drawingml/2006/main" xmlns:r="http://schemas.openxmlformats.org/officeDocument/2006/relationships" xmlns:p="http://schemas.openxmlformats.org/presentationml/2006/main">
   <p:cSld>
     <p:spTree>
@@ -36301,292 +36762,6 @@
     <p:extLst>
       <p:ext uri="{BB962C8B-B14F-4D97-AF65-F5344CB8AC3E}">
         <p14:creationId xmlns:p14="http://schemas.microsoft.com/office/powerpoint/2010/main" val="3667116812"/>
-      </p:ext>
-    </p:extLst>
-  </p:cSld>
-  <p:clrMapOvr>
-    <a:masterClrMapping/>
-  </p:clrMapOvr>
-</p:sld>
-</file>
-
-<file path=ppt/slides/slide49.xml><?xml version="1.0" encoding="utf-8"?>
-<p:sld xmlns:a="http://schemas.openxmlformats.org/drawingml/2006/main" xmlns:r="http://schemas.openxmlformats.org/officeDocument/2006/relationships" xmlns:p="http://schemas.openxmlformats.org/presentationml/2006/main">
-  <p:cSld>
-    <p:spTree>
-      <p:nvGrpSpPr>
-        <p:cNvPr id="1" name="">
-          <a:extLst>
-            <a:ext uri="{FF2B5EF4-FFF2-40B4-BE49-F238E27FC236}">
-              <a16:creationId xmlns:a16="http://schemas.microsoft.com/office/drawing/2014/main" id="{46F2272C-E616-4D83-69AD-8D814367D77B}"/>
-            </a:ext>
-          </a:extLst>
-        </p:cNvPr>
-        <p:cNvGrpSpPr/>
-        <p:nvPr/>
-      </p:nvGrpSpPr>
-      <p:grpSpPr>
-        <a:xfrm>
-          <a:off x="0" y="0"/>
-          <a:ext cx="0" cy="0"/>
-          <a:chOff x="0" y="0"/>
-          <a:chExt cx="0" cy="0"/>
-        </a:xfrm>
-      </p:grpSpPr>
-      <p:pic>
-        <p:nvPicPr>
-          <p:cNvPr id="10" name="Imagem 9">
-            <a:extLst>
-              <a:ext uri="{FF2B5EF4-FFF2-40B4-BE49-F238E27FC236}">
-                <a16:creationId xmlns:a16="http://schemas.microsoft.com/office/drawing/2014/main" id="{EFC3068A-2E3E-1756-77F0-A2DF5CD8C464}"/>
-              </a:ext>
-            </a:extLst>
-          </p:cNvPr>
-          <p:cNvPicPr>
-            <a:picLocks noChangeAspect="1"/>
-          </p:cNvPicPr>
-          <p:nvPr/>
-        </p:nvPicPr>
-        <p:blipFill>
-          <a:blip r:embed="rId2">
-            <a:extLst>
-              <a:ext uri="{28A0092B-C50C-407E-A947-70E740481C1C}">
-                <a14:useLocalDpi xmlns:a14="http://schemas.microsoft.com/office/drawing/2010/main" val="0"/>
-              </a:ext>
-            </a:extLst>
-          </a:blip>
-          <a:srcRect b="92427"/>
-          <a:stretch>
-            <a:fillRect/>
-          </a:stretch>
-        </p:blipFill>
-        <p:spPr>
-          <a:xfrm>
-            <a:off x="0" y="6396335"/>
-            <a:ext cx="12192000" cy="461665"/>
-          </a:xfrm>
-          <a:prstGeom prst="rect">
-            <a:avLst/>
-          </a:prstGeom>
-        </p:spPr>
-      </p:pic>
-      <p:pic>
-        <p:nvPicPr>
-          <p:cNvPr id="5" name="Imagem 4">
-            <a:extLst>
-              <a:ext uri="{FF2B5EF4-FFF2-40B4-BE49-F238E27FC236}">
-                <a16:creationId xmlns:a16="http://schemas.microsoft.com/office/drawing/2014/main" id="{5A3F4CBE-316D-074C-5E88-012734318B92}"/>
-              </a:ext>
-            </a:extLst>
-          </p:cNvPr>
-          <p:cNvPicPr>
-            <a:picLocks noChangeAspect="1"/>
-          </p:cNvPicPr>
-          <p:nvPr/>
-        </p:nvPicPr>
-        <p:blipFill>
-          <a:blip r:embed="rId2">
-            <a:extLst>
-              <a:ext uri="{28A0092B-C50C-407E-A947-70E740481C1C}">
-                <a14:useLocalDpi xmlns:a14="http://schemas.microsoft.com/office/drawing/2010/main" val="0"/>
-              </a:ext>
-            </a:extLst>
-          </a:blip>
-          <a:stretch>
-            <a:fillRect/>
-          </a:stretch>
-        </p:blipFill>
-        <p:spPr>
-          <a:xfrm>
-            <a:off x="0" y="381000"/>
-            <a:ext cx="12192000" cy="6096000"/>
-          </a:xfrm>
-          <a:prstGeom prst="rect">
-            <a:avLst/>
-          </a:prstGeom>
-        </p:spPr>
-      </p:pic>
-      <p:sp>
-        <p:nvSpPr>
-          <p:cNvPr id="8" name="CaixaDeTexto 7">
-            <a:extLst>
-              <a:ext uri="{FF2B5EF4-FFF2-40B4-BE49-F238E27FC236}">
-                <a16:creationId xmlns:a16="http://schemas.microsoft.com/office/drawing/2014/main" id="{21B90178-B9A3-A18D-12BB-495ACF0C7487}"/>
-              </a:ext>
-            </a:extLst>
-          </p:cNvPr>
-          <p:cNvSpPr txBox="1"/>
-          <p:nvPr/>
-        </p:nvSpPr>
-        <p:spPr>
-          <a:xfrm>
-            <a:off x="5441132" y="4074498"/>
-            <a:ext cx="5307928" cy="523220"/>
-          </a:xfrm>
-          <a:prstGeom prst="rect">
-            <a:avLst/>
-          </a:prstGeom>
-          <a:noFill/>
-        </p:spPr>
-        <p:txBody>
-          <a:bodyPr wrap="square" rtlCol="0">
-            <a:spAutoFit/>
-          </a:bodyPr>
-          <a:lstStyle/>
-          <a:p>
-            <a:pPr algn="r"/>
-            <a:r>
-              <a:rPr lang="en-US" sz="1400" dirty="0">
-                <a:solidFill>
-                  <a:srgbClr val="FF6A00"/>
-                </a:solidFill>
-                <a:latin typeface="Manrope" pitchFamily="2" charset="0"/>
-              </a:rPr>
-              <a:t>Mentoria </a:t>
-            </a:r>
-            <a:r>
-              <a:rPr lang="pt-BR" sz="1100" dirty="0">
-                <a:solidFill>
-                  <a:srgbClr val="FF6A00"/>
-                </a:solidFill>
-                <a:latin typeface="Manrope" pitchFamily="2" charset="0"/>
-              </a:rPr>
-              <a:t>●</a:t>
-            </a:r>
-            <a:r>
-              <a:rPr lang="pt-BR" sz="1400" dirty="0">
-                <a:solidFill>
-                  <a:srgbClr val="FF6A00"/>
-                </a:solidFill>
-                <a:latin typeface="Manrope" pitchFamily="2" charset="0"/>
-              </a:rPr>
-              <a:t> Ciência de Dados </a:t>
-            </a:r>
-            <a:r>
-              <a:rPr lang="pt-BR" sz="1100" dirty="0">
-                <a:solidFill>
-                  <a:srgbClr val="FF6A00"/>
-                </a:solidFill>
-                <a:latin typeface="Manrope" pitchFamily="2" charset="0"/>
-              </a:rPr>
-              <a:t>●</a:t>
-            </a:r>
-            <a:r>
-              <a:rPr lang="pt-BR" sz="1400" dirty="0">
-                <a:solidFill>
-                  <a:srgbClr val="FF6A00"/>
-                </a:solidFill>
-                <a:latin typeface="Manrope" pitchFamily="2" charset="0"/>
-              </a:rPr>
-              <a:t> Risco de Crédito</a:t>
-            </a:r>
-            <a:endParaRPr lang="en-US" sz="1400" dirty="0">
-              <a:solidFill>
-                <a:srgbClr val="FF6A00"/>
-              </a:solidFill>
-              <a:latin typeface="Manrope" pitchFamily="2" charset="0"/>
-            </a:endParaRPr>
-          </a:p>
-          <a:p>
-            <a:pPr algn="r"/>
-            <a:endParaRPr lang="en-US" sz="1400" dirty="0">
-              <a:solidFill>
-                <a:srgbClr val="FF6A00"/>
-              </a:solidFill>
-              <a:latin typeface="Manrope" pitchFamily="2" charset="0"/>
-            </a:endParaRPr>
-          </a:p>
-        </p:txBody>
-      </p:sp>
-      <p:pic>
-        <p:nvPicPr>
-          <p:cNvPr id="9" name="Imagem 8">
-            <a:extLst>
-              <a:ext uri="{FF2B5EF4-FFF2-40B4-BE49-F238E27FC236}">
-                <a16:creationId xmlns:a16="http://schemas.microsoft.com/office/drawing/2014/main" id="{9D443CF8-4709-F2E1-458C-562E4D98D661}"/>
-              </a:ext>
-            </a:extLst>
-          </p:cNvPr>
-          <p:cNvPicPr>
-            <a:picLocks noChangeAspect="1"/>
-          </p:cNvPicPr>
-          <p:nvPr/>
-        </p:nvPicPr>
-        <p:blipFill>
-          <a:blip r:embed="rId2">
-            <a:extLst>
-              <a:ext uri="{28A0092B-C50C-407E-A947-70E740481C1C}">
-                <a14:useLocalDpi xmlns:a14="http://schemas.microsoft.com/office/drawing/2010/main" val="0"/>
-              </a:ext>
-            </a:extLst>
-          </a:blip>
-          <a:srcRect b="92427"/>
-          <a:stretch>
-            <a:fillRect/>
-          </a:stretch>
-        </p:blipFill>
-        <p:spPr>
-          <a:xfrm>
-            <a:off x="0" y="0"/>
-            <a:ext cx="12192000" cy="461665"/>
-          </a:xfrm>
-          <a:prstGeom prst="rect">
-            <a:avLst/>
-          </a:prstGeom>
-        </p:spPr>
-      </p:pic>
-      <p:sp>
-        <p:nvSpPr>
-          <p:cNvPr id="2" name="Text 2">
-            <a:extLst>
-              <a:ext uri="{FF2B5EF4-FFF2-40B4-BE49-F238E27FC236}">
-                <a16:creationId xmlns:a16="http://schemas.microsoft.com/office/drawing/2014/main" id="{23A8666E-1198-9FFE-5B6C-E5756A1380F9}"/>
-              </a:ext>
-            </a:extLst>
-          </p:cNvPr>
-          <p:cNvSpPr/>
-          <p:nvPr/>
-        </p:nvSpPr>
-        <p:spPr>
-          <a:xfrm>
-            <a:off x="10847119" y="6272986"/>
-            <a:ext cx="1010584" cy="246698"/>
-          </a:xfrm>
-          <a:prstGeom prst="rect">
-            <a:avLst/>
-          </a:prstGeom>
-          <a:noFill/>
-          <a:ln/>
-        </p:spPr>
-        <p:txBody>
-          <a:bodyPr wrap="none" lIns="0" tIns="0" rIns="0" bIns="0" rtlCol="0" anchor="t"/>
-          <a:lstStyle/>
-          <a:p>
-            <a:pPr marL="0" indent="0" algn="l">
-              <a:lnSpc>
-                <a:spcPts val="1900"/>
-              </a:lnSpc>
-              <a:buNone/>
-            </a:pPr>
-            <a:r>
-              <a:rPr lang="en-US" sz="1550" b="1" dirty="0">
-                <a:solidFill>
-                  <a:srgbClr val="EEEFF5"/>
-                </a:solidFill>
-                <a:latin typeface="Barlow Bold" pitchFamily="34" charset="0"/>
-                <a:ea typeface="Barlow Bold" pitchFamily="34" charset="-122"/>
-                <a:cs typeface="Barlow Bold" pitchFamily="34" charset="-120"/>
-              </a:rPr>
-              <a:t>João Maia</a:t>
-            </a:r>
-            <a:endParaRPr lang="en-US" sz="1550" dirty="0"/>
-          </a:p>
-        </p:txBody>
-      </p:sp>
-    </p:spTree>
-    <p:extLst>
-      <p:ext uri="{BB962C8B-B14F-4D97-AF65-F5344CB8AC3E}">
-        <p14:creationId xmlns:p14="http://schemas.microsoft.com/office/powerpoint/2010/main" val="3067211120"/>
       </p:ext>
     </p:extLst>
   </p:cSld>
@@ -36776,6 +36951,292 @@
         <p:cNvPr id="1" name="">
           <a:extLst>
             <a:ext uri="{FF2B5EF4-FFF2-40B4-BE49-F238E27FC236}">
+              <a16:creationId xmlns:a16="http://schemas.microsoft.com/office/drawing/2014/main" id="{46F2272C-E616-4D83-69AD-8D814367D77B}"/>
+            </a:ext>
+          </a:extLst>
+        </p:cNvPr>
+        <p:cNvGrpSpPr/>
+        <p:nvPr/>
+      </p:nvGrpSpPr>
+      <p:grpSpPr>
+        <a:xfrm>
+          <a:off x="0" y="0"/>
+          <a:ext cx="0" cy="0"/>
+          <a:chOff x="0" y="0"/>
+          <a:chExt cx="0" cy="0"/>
+        </a:xfrm>
+      </p:grpSpPr>
+      <p:pic>
+        <p:nvPicPr>
+          <p:cNvPr id="10" name="Imagem 9">
+            <a:extLst>
+              <a:ext uri="{FF2B5EF4-FFF2-40B4-BE49-F238E27FC236}">
+                <a16:creationId xmlns:a16="http://schemas.microsoft.com/office/drawing/2014/main" id="{EFC3068A-2E3E-1756-77F0-A2DF5CD8C464}"/>
+              </a:ext>
+            </a:extLst>
+          </p:cNvPr>
+          <p:cNvPicPr>
+            <a:picLocks noChangeAspect="1"/>
+          </p:cNvPicPr>
+          <p:nvPr/>
+        </p:nvPicPr>
+        <p:blipFill>
+          <a:blip r:embed="rId2">
+            <a:extLst>
+              <a:ext uri="{28A0092B-C50C-407E-A947-70E740481C1C}">
+                <a14:useLocalDpi xmlns:a14="http://schemas.microsoft.com/office/drawing/2010/main" val="0"/>
+              </a:ext>
+            </a:extLst>
+          </a:blip>
+          <a:srcRect b="92427"/>
+          <a:stretch>
+            <a:fillRect/>
+          </a:stretch>
+        </p:blipFill>
+        <p:spPr>
+          <a:xfrm>
+            <a:off x="0" y="6396335"/>
+            <a:ext cx="12192000" cy="461665"/>
+          </a:xfrm>
+          <a:prstGeom prst="rect">
+            <a:avLst/>
+          </a:prstGeom>
+        </p:spPr>
+      </p:pic>
+      <p:pic>
+        <p:nvPicPr>
+          <p:cNvPr id="5" name="Imagem 4">
+            <a:extLst>
+              <a:ext uri="{FF2B5EF4-FFF2-40B4-BE49-F238E27FC236}">
+                <a16:creationId xmlns:a16="http://schemas.microsoft.com/office/drawing/2014/main" id="{5A3F4CBE-316D-074C-5E88-012734318B92}"/>
+              </a:ext>
+            </a:extLst>
+          </p:cNvPr>
+          <p:cNvPicPr>
+            <a:picLocks noChangeAspect="1"/>
+          </p:cNvPicPr>
+          <p:nvPr/>
+        </p:nvPicPr>
+        <p:blipFill>
+          <a:blip r:embed="rId2">
+            <a:extLst>
+              <a:ext uri="{28A0092B-C50C-407E-A947-70E740481C1C}">
+                <a14:useLocalDpi xmlns:a14="http://schemas.microsoft.com/office/drawing/2010/main" val="0"/>
+              </a:ext>
+            </a:extLst>
+          </a:blip>
+          <a:stretch>
+            <a:fillRect/>
+          </a:stretch>
+        </p:blipFill>
+        <p:spPr>
+          <a:xfrm>
+            <a:off x="0" y="381000"/>
+            <a:ext cx="12192000" cy="6096000"/>
+          </a:xfrm>
+          <a:prstGeom prst="rect">
+            <a:avLst/>
+          </a:prstGeom>
+        </p:spPr>
+      </p:pic>
+      <p:sp>
+        <p:nvSpPr>
+          <p:cNvPr id="8" name="CaixaDeTexto 7">
+            <a:extLst>
+              <a:ext uri="{FF2B5EF4-FFF2-40B4-BE49-F238E27FC236}">
+                <a16:creationId xmlns:a16="http://schemas.microsoft.com/office/drawing/2014/main" id="{21B90178-B9A3-A18D-12BB-495ACF0C7487}"/>
+              </a:ext>
+            </a:extLst>
+          </p:cNvPr>
+          <p:cNvSpPr txBox="1"/>
+          <p:nvPr/>
+        </p:nvSpPr>
+        <p:spPr>
+          <a:xfrm>
+            <a:off x="5441132" y="4074498"/>
+            <a:ext cx="5307928" cy="523220"/>
+          </a:xfrm>
+          <a:prstGeom prst="rect">
+            <a:avLst/>
+          </a:prstGeom>
+          <a:noFill/>
+        </p:spPr>
+        <p:txBody>
+          <a:bodyPr wrap="square" rtlCol="0">
+            <a:spAutoFit/>
+          </a:bodyPr>
+          <a:lstStyle/>
+          <a:p>
+            <a:pPr algn="r"/>
+            <a:r>
+              <a:rPr lang="en-US" sz="1400" dirty="0">
+                <a:solidFill>
+                  <a:srgbClr val="FF6A00"/>
+                </a:solidFill>
+                <a:latin typeface="Manrope" pitchFamily="2" charset="0"/>
+              </a:rPr>
+              <a:t>Mentoria </a:t>
+            </a:r>
+            <a:r>
+              <a:rPr lang="pt-BR" sz="1100" dirty="0">
+                <a:solidFill>
+                  <a:srgbClr val="FF6A00"/>
+                </a:solidFill>
+                <a:latin typeface="Manrope" pitchFamily="2" charset="0"/>
+              </a:rPr>
+              <a:t>●</a:t>
+            </a:r>
+            <a:r>
+              <a:rPr lang="pt-BR" sz="1400" dirty="0">
+                <a:solidFill>
+                  <a:srgbClr val="FF6A00"/>
+                </a:solidFill>
+                <a:latin typeface="Manrope" pitchFamily="2" charset="0"/>
+              </a:rPr>
+              <a:t> Ciência de Dados </a:t>
+            </a:r>
+            <a:r>
+              <a:rPr lang="pt-BR" sz="1100" dirty="0">
+                <a:solidFill>
+                  <a:srgbClr val="FF6A00"/>
+                </a:solidFill>
+                <a:latin typeface="Manrope" pitchFamily="2" charset="0"/>
+              </a:rPr>
+              <a:t>●</a:t>
+            </a:r>
+            <a:r>
+              <a:rPr lang="pt-BR" sz="1400" dirty="0">
+                <a:solidFill>
+                  <a:srgbClr val="FF6A00"/>
+                </a:solidFill>
+                <a:latin typeface="Manrope" pitchFamily="2" charset="0"/>
+              </a:rPr>
+              <a:t> Risco de Crédito</a:t>
+            </a:r>
+            <a:endParaRPr lang="en-US" sz="1400" dirty="0">
+              <a:solidFill>
+                <a:srgbClr val="FF6A00"/>
+              </a:solidFill>
+              <a:latin typeface="Manrope" pitchFamily="2" charset="0"/>
+            </a:endParaRPr>
+          </a:p>
+          <a:p>
+            <a:pPr algn="r"/>
+            <a:endParaRPr lang="en-US" sz="1400" dirty="0">
+              <a:solidFill>
+                <a:srgbClr val="FF6A00"/>
+              </a:solidFill>
+              <a:latin typeface="Manrope" pitchFamily="2" charset="0"/>
+            </a:endParaRPr>
+          </a:p>
+        </p:txBody>
+      </p:sp>
+      <p:pic>
+        <p:nvPicPr>
+          <p:cNvPr id="9" name="Imagem 8">
+            <a:extLst>
+              <a:ext uri="{FF2B5EF4-FFF2-40B4-BE49-F238E27FC236}">
+                <a16:creationId xmlns:a16="http://schemas.microsoft.com/office/drawing/2014/main" id="{9D443CF8-4709-F2E1-458C-562E4D98D661}"/>
+              </a:ext>
+            </a:extLst>
+          </p:cNvPr>
+          <p:cNvPicPr>
+            <a:picLocks noChangeAspect="1"/>
+          </p:cNvPicPr>
+          <p:nvPr/>
+        </p:nvPicPr>
+        <p:blipFill>
+          <a:blip r:embed="rId2">
+            <a:extLst>
+              <a:ext uri="{28A0092B-C50C-407E-A947-70E740481C1C}">
+                <a14:useLocalDpi xmlns:a14="http://schemas.microsoft.com/office/drawing/2010/main" val="0"/>
+              </a:ext>
+            </a:extLst>
+          </a:blip>
+          <a:srcRect b="92427"/>
+          <a:stretch>
+            <a:fillRect/>
+          </a:stretch>
+        </p:blipFill>
+        <p:spPr>
+          <a:xfrm>
+            <a:off x="0" y="0"/>
+            <a:ext cx="12192000" cy="461665"/>
+          </a:xfrm>
+          <a:prstGeom prst="rect">
+            <a:avLst/>
+          </a:prstGeom>
+        </p:spPr>
+      </p:pic>
+      <p:sp>
+        <p:nvSpPr>
+          <p:cNvPr id="2" name="Text 2">
+            <a:extLst>
+              <a:ext uri="{FF2B5EF4-FFF2-40B4-BE49-F238E27FC236}">
+                <a16:creationId xmlns:a16="http://schemas.microsoft.com/office/drawing/2014/main" id="{23A8666E-1198-9FFE-5B6C-E5756A1380F9}"/>
+              </a:ext>
+            </a:extLst>
+          </p:cNvPr>
+          <p:cNvSpPr/>
+          <p:nvPr/>
+        </p:nvSpPr>
+        <p:spPr>
+          <a:xfrm>
+            <a:off x="10847119" y="6272986"/>
+            <a:ext cx="1010584" cy="246698"/>
+          </a:xfrm>
+          <a:prstGeom prst="rect">
+            <a:avLst/>
+          </a:prstGeom>
+          <a:noFill/>
+          <a:ln/>
+        </p:spPr>
+        <p:txBody>
+          <a:bodyPr wrap="none" lIns="0" tIns="0" rIns="0" bIns="0" rtlCol="0" anchor="t"/>
+          <a:lstStyle/>
+          <a:p>
+            <a:pPr marL="0" indent="0" algn="l">
+              <a:lnSpc>
+                <a:spcPts val="1900"/>
+              </a:lnSpc>
+              <a:buNone/>
+            </a:pPr>
+            <a:r>
+              <a:rPr lang="en-US" sz="1550" b="1" dirty="0">
+                <a:solidFill>
+                  <a:srgbClr val="EEEFF5"/>
+                </a:solidFill>
+                <a:latin typeface="Barlow Bold" pitchFamily="34" charset="0"/>
+                <a:ea typeface="Barlow Bold" pitchFamily="34" charset="-122"/>
+                <a:cs typeface="Barlow Bold" pitchFamily="34" charset="-120"/>
+              </a:rPr>
+              <a:t>João Maia</a:t>
+            </a:r>
+            <a:endParaRPr lang="en-US" sz="1550" dirty="0"/>
+          </a:p>
+        </p:txBody>
+      </p:sp>
+    </p:spTree>
+    <p:extLst>
+      <p:ext uri="{BB962C8B-B14F-4D97-AF65-F5344CB8AC3E}">
+        <p14:creationId xmlns:p14="http://schemas.microsoft.com/office/powerpoint/2010/main" val="3067211120"/>
+      </p:ext>
+    </p:extLst>
+  </p:cSld>
+  <p:clrMapOvr>
+    <a:masterClrMapping/>
+  </p:clrMapOvr>
+</p:sld>
+</file>
+
+<file path=ppt/slides/slide51.xml><?xml version="1.0" encoding="utf-8"?>
+<p:sld xmlns:a="http://schemas.openxmlformats.org/drawingml/2006/main" xmlns:r="http://schemas.openxmlformats.org/officeDocument/2006/relationships" xmlns:p="http://schemas.openxmlformats.org/presentationml/2006/main">
+  <p:cSld>
+    <p:spTree>
+      <p:nvGrpSpPr>
+        <p:cNvPr id="1" name="">
+          <a:extLst>
+            <a:ext uri="{FF2B5EF4-FFF2-40B4-BE49-F238E27FC236}">
               <a16:creationId xmlns:a16="http://schemas.microsoft.com/office/drawing/2014/main" id="{074D3D09-AF75-CE2E-2FBA-AAB59324DBE2}"/>
             </a:ext>
           </a:extLst>
@@ -36841,7 +37302,7 @@
 </p:sld>
 </file>
 
-<file path=ppt/slides/slide51.xml><?xml version="1.0" encoding="utf-8"?>
+<file path=ppt/slides/slide52.xml><?xml version="1.0" encoding="utf-8"?>
 <p:sld xmlns:a="http://schemas.openxmlformats.org/drawingml/2006/main" xmlns:r="http://schemas.openxmlformats.org/officeDocument/2006/relationships" xmlns:p="http://schemas.openxmlformats.org/presentationml/2006/main">
   <p:cSld>
     <p:spTree>
@@ -36914,7 +37375,7 @@
 </p:sld>
 </file>
 
-<file path=ppt/slides/slide52.xml><?xml version="1.0" encoding="utf-8"?>
+<file path=ppt/slides/slide53.xml><?xml version="1.0" encoding="utf-8"?>
 <p:sld xmlns:a="http://schemas.openxmlformats.org/drawingml/2006/main" xmlns:r="http://schemas.openxmlformats.org/officeDocument/2006/relationships" xmlns:p="http://schemas.openxmlformats.org/presentationml/2006/main">
   <p:cSld>
     <p:spTree>
@@ -36987,7 +37448,7 @@
 </p:sld>
 </file>
 
-<file path=ppt/slides/slide53.xml><?xml version="1.0" encoding="utf-8"?>
+<file path=ppt/slides/slide54.xml><?xml version="1.0" encoding="utf-8"?>
 <p:sld xmlns:a="http://schemas.openxmlformats.org/drawingml/2006/main" xmlns:r="http://schemas.openxmlformats.org/officeDocument/2006/relationships" xmlns:p="http://schemas.openxmlformats.org/presentationml/2006/main">
   <p:cSld>
     <p:spTree>
@@ -37137,7 +37598,7 @@
 </p:sld>
 </file>
 
-<file path=ppt/slides/slide54.xml><?xml version="1.0" encoding="utf-8"?>
+<file path=ppt/slides/slide55.xml><?xml version="1.0" encoding="utf-8"?>
 <p:sld xmlns:a="http://schemas.openxmlformats.org/drawingml/2006/main" xmlns:r="http://schemas.openxmlformats.org/officeDocument/2006/relationships" xmlns:p="http://schemas.openxmlformats.org/presentationml/2006/main">
   <p:cSld>
     <p:spTree>
@@ -37328,7 +37789,7 @@
 </p:sld>
 </file>
 
-<file path=ppt/slides/slide55.xml><?xml version="1.0" encoding="utf-8"?>
+<file path=ppt/slides/slide56.xml><?xml version="1.0" encoding="utf-8"?>
 <p:sld xmlns:a="http://schemas.openxmlformats.org/drawingml/2006/main" xmlns:r="http://schemas.openxmlformats.org/officeDocument/2006/relationships" xmlns:p="http://schemas.openxmlformats.org/presentationml/2006/main">
   <p:cSld>
     <p:spTree>
@@ -37662,7 +38123,7 @@
 </p:sld>
 </file>
 
-<file path=ppt/slides/slide56.xml><?xml version="1.0" encoding="utf-8"?>
+<file path=ppt/slides/slide57.xml><?xml version="1.0" encoding="utf-8"?>
 <p:sld xmlns:a="http://schemas.openxmlformats.org/drawingml/2006/main" xmlns:r="http://schemas.openxmlformats.org/officeDocument/2006/relationships" xmlns:p="http://schemas.openxmlformats.org/presentationml/2006/main">
   <p:cSld>
     <p:spTree>
@@ -37836,7 +38297,7 @@
 </p:sld>
 </file>
 
-<file path=ppt/slides/slide57.xml><?xml version="1.0" encoding="utf-8"?>
+<file path=ppt/slides/slide58.xml><?xml version="1.0" encoding="utf-8"?>
 <p:sld xmlns:a="http://schemas.openxmlformats.org/drawingml/2006/main" xmlns:r="http://schemas.openxmlformats.org/officeDocument/2006/relationships" xmlns:p="http://schemas.openxmlformats.org/presentationml/2006/main">
   <p:cSld>
     <p:spTree>
@@ -37957,7 +38418,7 @@
 </p:sld>
 </file>
 
-<file path=ppt/slides/slide58.xml><?xml version="1.0" encoding="utf-8"?>
+<file path=ppt/slides/slide59.xml><?xml version="1.0" encoding="utf-8"?>
 <p:sld xmlns:a="http://schemas.openxmlformats.org/drawingml/2006/main" xmlns:r="http://schemas.openxmlformats.org/officeDocument/2006/relationships" xmlns:p="http://schemas.openxmlformats.org/presentationml/2006/main">
   <p:cSld>
     <p:spTree>
@@ -38030,7 +38491,341 @@
 </p:sld>
 </file>
 
-<file path=ppt/slides/slide59.xml><?xml version="1.0" encoding="utf-8"?>
+<file path=ppt/slides/slide6.xml><?xml version="1.0" encoding="utf-8"?>
+<p:sld xmlns:a="http://schemas.openxmlformats.org/drawingml/2006/main" xmlns:r="http://schemas.openxmlformats.org/officeDocument/2006/relationships" xmlns:p="http://schemas.openxmlformats.org/presentationml/2006/main">
+  <p:cSld>
+    <p:spTree>
+      <p:nvGrpSpPr>
+        <p:cNvPr id="1" name="">
+          <a:extLst>
+            <a:ext uri="{FF2B5EF4-FFF2-40B4-BE49-F238E27FC236}">
+              <a16:creationId xmlns:a16="http://schemas.microsoft.com/office/drawing/2014/main" id="{0F51EB97-C990-5BA6-2CED-0E5312433839}"/>
+            </a:ext>
+          </a:extLst>
+        </p:cNvPr>
+        <p:cNvGrpSpPr/>
+        <p:nvPr/>
+      </p:nvGrpSpPr>
+      <p:grpSpPr>
+        <a:xfrm>
+          <a:off x="0" y="0"/>
+          <a:ext cx="0" cy="0"/>
+          <a:chOff x="0" y="0"/>
+          <a:chExt cx="0" cy="0"/>
+        </a:xfrm>
+      </p:grpSpPr>
+      <p:pic>
+        <p:nvPicPr>
+          <p:cNvPr id="9" name="Imagem 8">
+            <a:extLst>
+              <a:ext uri="{FF2B5EF4-FFF2-40B4-BE49-F238E27FC236}">
+                <a16:creationId xmlns:a16="http://schemas.microsoft.com/office/drawing/2014/main" id="{D6EC362E-10CC-8676-9A2D-EE5830480062}"/>
+              </a:ext>
+            </a:extLst>
+          </p:cNvPr>
+          <p:cNvPicPr>
+            <a:picLocks noChangeAspect="1"/>
+          </p:cNvPicPr>
+          <p:nvPr/>
+        </p:nvPicPr>
+        <p:blipFill>
+          <a:blip r:embed="rId3">
+            <a:extLst>
+              <a:ext uri="{28A0092B-C50C-407E-A947-70E740481C1C}">
+                <a14:useLocalDpi xmlns:a14="http://schemas.microsoft.com/office/drawing/2010/main" val="0"/>
+              </a:ext>
+            </a:extLst>
+          </a:blip>
+          <a:srcRect b="92427"/>
+          <a:stretch>
+            <a:fillRect/>
+          </a:stretch>
+        </p:blipFill>
+        <p:spPr>
+          <a:xfrm>
+            <a:off x="0" y="0"/>
+            <a:ext cx="12192000" cy="6858000"/>
+          </a:xfrm>
+          <a:prstGeom prst="rect">
+            <a:avLst/>
+          </a:prstGeom>
+        </p:spPr>
+      </p:pic>
+      <p:sp>
+        <p:nvSpPr>
+          <p:cNvPr id="5" name="CaixaDeTexto 4">
+            <a:extLst>
+              <a:ext uri="{FF2B5EF4-FFF2-40B4-BE49-F238E27FC236}">
+                <a16:creationId xmlns:a16="http://schemas.microsoft.com/office/drawing/2014/main" id="{B6E76A00-33BB-9E6E-8447-17E0DD2A0191}"/>
+              </a:ext>
+            </a:extLst>
+          </p:cNvPr>
+          <p:cNvSpPr txBox="1"/>
+          <p:nvPr/>
+        </p:nvSpPr>
+        <p:spPr>
+          <a:xfrm>
+            <a:off x="3032774" y="1817872"/>
+            <a:ext cx="1132826" cy="830997"/>
+          </a:xfrm>
+          <a:prstGeom prst="rect">
+            <a:avLst/>
+          </a:prstGeom>
+          <a:noFill/>
+        </p:spPr>
+        <p:txBody>
+          <a:bodyPr wrap="square">
+            <a:spAutoFit/>
+          </a:bodyPr>
+          <a:lstStyle/>
+          <a:p>
+            <a:r>
+              <a:rPr lang="pt-BR" sz="4800" dirty="0">
+                <a:solidFill>
+                  <a:srgbClr val="FF6A00"/>
+                </a:solidFill>
+                <a:latin typeface="Manrope" pitchFamily="2" charset="0"/>
+              </a:rPr>
+              <a:t>O</a:t>
+            </a:r>
+          </a:p>
+        </p:txBody>
+      </p:sp>
+      <p:sp>
+        <p:nvSpPr>
+          <p:cNvPr id="16" name="CaixaDeTexto 15">
+            <a:extLst>
+              <a:ext uri="{FF2B5EF4-FFF2-40B4-BE49-F238E27FC236}">
+                <a16:creationId xmlns:a16="http://schemas.microsoft.com/office/drawing/2014/main" id="{B8E6EC86-6C04-B17D-4CDD-DA0FFA0D2C61}"/>
+              </a:ext>
+            </a:extLst>
+          </p:cNvPr>
+          <p:cNvSpPr txBox="1"/>
+          <p:nvPr/>
+        </p:nvSpPr>
+        <p:spPr>
+          <a:xfrm>
+            <a:off x="3032774" y="2648869"/>
+            <a:ext cx="4964598" cy="2123658"/>
+          </a:xfrm>
+          <a:prstGeom prst="rect">
+            <a:avLst/>
+          </a:prstGeom>
+          <a:noFill/>
+        </p:spPr>
+        <p:txBody>
+          <a:bodyPr wrap="square">
+            <a:spAutoFit/>
+          </a:bodyPr>
+          <a:lstStyle/>
+          <a:p>
+            <a:r>
+              <a:rPr lang="pt-BR" sz="6600" b="1" dirty="0">
+                <a:solidFill>
+                  <a:srgbClr val="FF6A00"/>
+                </a:solidFill>
+                <a:latin typeface="Manrope" pitchFamily="2" charset="0"/>
+              </a:rPr>
+              <a:t>Risco de Crédito</a:t>
+            </a:r>
+            <a:endParaRPr lang="en-US" sz="6600" b="1" dirty="0"/>
+          </a:p>
+        </p:txBody>
+      </p:sp>
+      <p:sp>
+        <p:nvSpPr>
+          <p:cNvPr id="18" name="CaixaDeTexto 17">
+            <a:extLst>
+              <a:ext uri="{FF2B5EF4-FFF2-40B4-BE49-F238E27FC236}">
+                <a16:creationId xmlns:a16="http://schemas.microsoft.com/office/drawing/2014/main" id="{61C52148-33D2-17CD-ACD9-A037A86D4F97}"/>
+              </a:ext>
+            </a:extLst>
+          </p:cNvPr>
+          <p:cNvSpPr txBox="1"/>
+          <p:nvPr/>
+        </p:nvSpPr>
+        <p:spPr>
+          <a:xfrm>
+            <a:off x="3795486" y="1817873"/>
+            <a:ext cx="6197600" cy="830997"/>
+          </a:xfrm>
+          <a:prstGeom prst="rect">
+            <a:avLst/>
+          </a:prstGeom>
+          <a:noFill/>
+        </p:spPr>
+        <p:txBody>
+          <a:bodyPr wrap="square">
+            <a:spAutoFit/>
+          </a:bodyPr>
+          <a:lstStyle>
+            <a:defPPr>
+              <a:defRPr lang="pt-BR"/>
+            </a:defPPr>
+            <a:lvl1pPr>
+              <a:defRPr sz="4800">
+                <a:solidFill>
+                  <a:srgbClr val="FF6A00"/>
+                </a:solidFill>
+                <a:latin typeface="Manrope" pitchFamily="2" charset="0"/>
+              </a:defRPr>
+            </a:lvl1pPr>
+          </a:lstStyle>
+          <a:p>
+            <a:r>
+              <a:rPr lang="pt-BR" dirty="0"/>
+              <a:t>que é</a:t>
+            </a:r>
+            <a:endParaRPr lang="en-US" dirty="0"/>
+          </a:p>
+        </p:txBody>
+      </p:sp>
+      <p:sp>
+        <p:nvSpPr>
+          <p:cNvPr id="19" name="CaixaDeTexto 18">
+            <a:extLst>
+              <a:ext uri="{FF2B5EF4-FFF2-40B4-BE49-F238E27FC236}">
+                <a16:creationId xmlns:a16="http://schemas.microsoft.com/office/drawing/2014/main" id="{442A12BD-BA7D-D345-AD69-DFBF8C77A118}"/>
+              </a:ext>
+            </a:extLst>
+          </p:cNvPr>
+          <p:cNvSpPr txBox="1"/>
+          <p:nvPr/>
+        </p:nvSpPr>
+        <p:spPr>
+          <a:xfrm>
+            <a:off x="6821503" y="1413239"/>
+            <a:ext cx="2173726" cy="3770263"/>
+          </a:xfrm>
+          <a:prstGeom prst="rect">
+            <a:avLst/>
+          </a:prstGeom>
+          <a:noFill/>
+        </p:spPr>
+        <p:txBody>
+          <a:bodyPr wrap="square">
+            <a:spAutoFit/>
+          </a:bodyPr>
+          <a:lstStyle/>
+          <a:p>
+            <a:r>
+              <a:rPr lang="pt-BR" sz="23900" b="1" dirty="0">
+                <a:solidFill>
+                  <a:schemeClr val="bg1">
+                    <a:lumMod val="85000"/>
+                  </a:schemeClr>
+                </a:solidFill>
+                <a:latin typeface="Barlow Bold" pitchFamily="34" charset="0"/>
+              </a:rPr>
+              <a:t>?</a:t>
+            </a:r>
+            <a:endParaRPr lang="en-US" sz="23900" dirty="0">
+              <a:solidFill>
+                <a:schemeClr val="bg1">
+                  <a:lumMod val="85000"/>
+                </a:schemeClr>
+              </a:solidFill>
+            </a:endParaRPr>
+          </a:p>
+        </p:txBody>
+      </p:sp>
+      <p:graphicFrame>
+        <p:nvGraphicFramePr>
+          <p:cNvPr id="20" name="Tabela 19">
+            <a:extLst>
+              <a:ext uri="{FF2B5EF4-FFF2-40B4-BE49-F238E27FC236}">
+                <a16:creationId xmlns:a16="http://schemas.microsoft.com/office/drawing/2014/main" id="{C1304973-238A-050B-91DD-1D1A8F22FC56}"/>
+              </a:ext>
+            </a:extLst>
+          </p:cNvPr>
+          <p:cNvGraphicFramePr>
+            <a:graphicFrameLocks noGrp="1"/>
+          </p:cNvGraphicFramePr>
+          <p:nvPr>
+            <p:extLst>
+              <p:ext uri="{D42A27DB-BD31-4B8C-83A1-F6EECF244321}">
+                <p14:modId xmlns:p14="http://schemas.microsoft.com/office/powerpoint/2010/main" val="31246082"/>
+              </p:ext>
+            </p:extLst>
+          </p:nvPr>
+        </p:nvGraphicFramePr>
+        <p:xfrm>
+          <a:off x="257273" y="6309361"/>
+          <a:ext cx="308784" cy="365760"/>
+        </p:xfrm>
+        <a:graphic>
+          <a:graphicData uri="http://schemas.openxmlformats.org/drawingml/2006/table">
+            <a:tbl>
+              <a:tblPr/>
+              <a:tblGrid>
+                <a:gridCol w="308784">
+                  <a:extLst>
+                    <a:ext uri="{9D8B030D-6E8A-4147-A177-3AD203B41FA5}">
+                      <a16:colId xmlns:a16="http://schemas.microsoft.com/office/drawing/2014/main" val="1127612811"/>
+                    </a:ext>
+                  </a:extLst>
+                </a:gridCol>
+              </a:tblGrid>
+              <a:tr h="0">
+                <a:tc>
+                  <a:txBody>
+                    <a:bodyPr/>
+                    <a:lstStyle/>
+                    <a:p>
+                      <a:pPr marL="0" algn="l" defTabSz="914400" rtl="0" eaLnBrk="1" latinLnBrk="0" hangingPunct="1"/>
+                      <a:r>
+                        <a:rPr lang="pt-BR" sz="1800" kern="1200" dirty="0">
+                          <a:solidFill>
+                            <a:srgbClr val="005AA4"/>
+                          </a:solidFill>
+                          <a:latin typeface="+mn-lt"/>
+                          <a:ea typeface="+mn-ea"/>
+                          <a:cs typeface="+mn-cs"/>
+                        </a:rPr>
+                        <a:t>0</a:t>
+                      </a:r>
+                    </a:p>
+                  </a:txBody>
+                  <a:tcPr anchor="ctr">
+                    <a:lnL>
+                      <a:noFill/>
+                    </a:lnL>
+                    <a:lnR>
+                      <a:noFill/>
+                    </a:lnR>
+                    <a:lnT>
+                      <a:noFill/>
+                    </a:lnT>
+                    <a:lnB>
+                      <a:noFill/>
+                    </a:lnB>
+                    <a:noFill/>
+                  </a:tcPr>
+                </a:tc>
+                <a:extLst>
+                  <a:ext uri="{0D108BD9-81ED-4DB2-BD59-A6C34878D82A}">
+                    <a16:rowId xmlns:a16="http://schemas.microsoft.com/office/drawing/2014/main" val="611138889"/>
+                  </a:ext>
+                </a:extLst>
+              </a:tr>
+            </a:tbl>
+          </a:graphicData>
+        </a:graphic>
+      </p:graphicFrame>
+    </p:spTree>
+    <p:extLst>
+      <p:ext uri="{BB962C8B-B14F-4D97-AF65-F5344CB8AC3E}">
+        <p14:creationId xmlns:p14="http://schemas.microsoft.com/office/powerpoint/2010/main" val="3462415483"/>
+      </p:ext>
+    </p:extLst>
+  </p:cSld>
+  <p:clrMapOvr>
+    <a:masterClrMapping/>
+  </p:clrMapOvr>
+</p:sld>
+</file>
+
+<file path=ppt/slides/slide60.xml><?xml version="1.0" encoding="utf-8"?>
 <p:sld xmlns:a="http://schemas.openxmlformats.org/drawingml/2006/main" xmlns:r="http://schemas.openxmlformats.org/officeDocument/2006/relationships" xmlns:p="http://schemas.openxmlformats.org/presentationml/2006/main" show="0">
   <p:cSld>
     <p:spTree>
@@ -38237,341 +39032,7 @@
 </p:sld>
 </file>
 
-<file path=ppt/slides/slide6.xml><?xml version="1.0" encoding="utf-8"?>
-<p:sld xmlns:a="http://schemas.openxmlformats.org/drawingml/2006/main" xmlns:r="http://schemas.openxmlformats.org/officeDocument/2006/relationships" xmlns:p="http://schemas.openxmlformats.org/presentationml/2006/main">
-  <p:cSld>
-    <p:spTree>
-      <p:nvGrpSpPr>
-        <p:cNvPr id="1" name="">
-          <a:extLst>
-            <a:ext uri="{FF2B5EF4-FFF2-40B4-BE49-F238E27FC236}">
-              <a16:creationId xmlns:a16="http://schemas.microsoft.com/office/drawing/2014/main" id="{0F51EB97-C990-5BA6-2CED-0E5312433839}"/>
-            </a:ext>
-          </a:extLst>
-        </p:cNvPr>
-        <p:cNvGrpSpPr/>
-        <p:nvPr/>
-      </p:nvGrpSpPr>
-      <p:grpSpPr>
-        <a:xfrm>
-          <a:off x="0" y="0"/>
-          <a:ext cx="0" cy="0"/>
-          <a:chOff x="0" y="0"/>
-          <a:chExt cx="0" cy="0"/>
-        </a:xfrm>
-      </p:grpSpPr>
-      <p:pic>
-        <p:nvPicPr>
-          <p:cNvPr id="9" name="Imagem 8">
-            <a:extLst>
-              <a:ext uri="{FF2B5EF4-FFF2-40B4-BE49-F238E27FC236}">
-                <a16:creationId xmlns:a16="http://schemas.microsoft.com/office/drawing/2014/main" id="{D6EC362E-10CC-8676-9A2D-EE5830480062}"/>
-              </a:ext>
-            </a:extLst>
-          </p:cNvPr>
-          <p:cNvPicPr>
-            <a:picLocks noChangeAspect="1"/>
-          </p:cNvPicPr>
-          <p:nvPr/>
-        </p:nvPicPr>
-        <p:blipFill>
-          <a:blip r:embed="rId3">
-            <a:extLst>
-              <a:ext uri="{28A0092B-C50C-407E-A947-70E740481C1C}">
-                <a14:useLocalDpi xmlns:a14="http://schemas.microsoft.com/office/drawing/2010/main" val="0"/>
-              </a:ext>
-            </a:extLst>
-          </a:blip>
-          <a:srcRect b="92427"/>
-          <a:stretch>
-            <a:fillRect/>
-          </a:stretch>
-        </p:blipFill>
-        <p:spPr>
-          <a:xfrm>
-            <a:off x="0" y="0"/>
-            <a:ext cx="12192000" cy="6858000"/>
-          </a:xfrm>
-          <a:prstGeom prst="rect">
-            <a:avLst/>
-          </a:prstGeom>
-        </p:spPr>
-      </p:pic>
-      <p:sp>
-        <p:nvSpPr>
-          <p:cNvPr id="5" name="CaixaDeTexto 4">
-            <a:extLst>
-              <a:ext uri="{FF2B5EF4-FFF2-40B4-BE49-F238E27FC236}">
-                <a16:creationId xmlns:a16="http://schemas.microsoft.com/office/drawing/2014/main" id="{B6E76A00-33BB-9E6E-8447-17E0DD2A0191}"/>
-              </a:ext>
-            </a:extLst>
-          </p:cNvPr>
-          <p:cNvSpPr txBox="1"/>
-          <p:nvPr/>
-        </p:nvSpPr>
-        <p:spPr>
-          <a:xfrm>
-            <a:off x="3032774" y="1817872"/>
-            <a:ext cx="1132826" cy="830997"/>
-          </a:xfrm>
-          <a:prstGeom prst="rect">
-            <a:avLst/>
-          </a:prstGeom>
-          <a:noFill/>
-        </p:spPr>
-        <p:txBody>
-          <a:bodyPr wrap="square">
-            <a:spAutoFit/>
-          </a:bodyPr>
-          <a:lstStyle/>
-          <a:p>
-            <a:r>
-              <a:rPr lang="pt-BR" sz="4800" dirty="0">
-                <a:solidFill>
-                  <a:srgbClr val="FF6A00"/>
-                </a:solidFill>
-                <a:latin typeface="Manrope" pitchFamily="2" charset="0"/>
-              </a:rPr>
-              <a:t>O</a:t>
-            </a:r>
-          </a:p>
-        </p:txBody>
-      </p:sp>
-      <p:sp>
-        <p:nvSpPr>
-          <p:cNvPr id="16" name="CaixaDeTexto 15">
-            <a:extLst>
-              <a:ext uri="{FF2B5EF4-FFF2-40B4-BE49-F238E27FC236}">
-                <a16:creationId xmlns:a16="http://schemas.microsoft.com/office/drawing/2014/main" id="{B8E6EC86-6C04-B17D-4CDD-DA0FFA0D2C61}"/>
-              </a:ext>
-            </a:extLst>
-          </p:cNvPr>
-          <p:cNvSpPr txBox="1"/>
-          <p:nvPr/>
-        </p:nvSpPr>
-        <p:spPr>
-          <a:xfrm>
-            <a:off x="3032774" y="2648869"/>
-            <a:ext cx="4964598" cy="2123658"/>
-          </a:xfrm>
-          <a:prstGeom prst="rect">
-            <a:avLst/>
-          </a:prstGeom>
-          <a:noFill/>
-        </p:spPr>
-        <p:txBody>
-          <a:bodyPr wrap="square">
-            <a:spAutoFit/>
-          </a:bodyPr>
-          <a:lstStyle/>
-          <a:p>
-            <a:r>
-              <a:rPr lang="pt-BR" sz="6600" b="1" dirty="0">
-                <a:solidFill>
-                  <a:srgbClr val="FF6A00"/>
-                </a:solidFill>
-                <a:latin typeface="Manrope" pitchFamily="2" charset="0"/>
-              </a:rPr>
-              <a:t>Risco de Crédito</a:t>
-            </a:r>
-            <a:endParaRPr lang="en-US" sz="6600" b="1" dirty="0"/>
-          </a:p>
-        </p:txBody>
-      </p:sp>
-      <p:sp>
-        <p:nvSpPr>
-          <p:cNvPr id="18" name="CaixaDeTexto 17">
-            <a:extLst>
-              <a:ext uri="{FF2B5EF4-FFF2-40B4-BE49-F238E27FC236}">
-                <a16:creationId xmlns:a16="http://schemas.microsoft.com/office/drawing/2014/main" id="{61C52148-33D2-17CD-ACD9-A037A86D4F97}"/>
-              </a:ext>
-            </a:extLst>
-          </p:cNvPr>
-          <p:cNvSpPr txBox="1"/>
-          <p:nvPr/>
-        </p:nvSpPr>
-        <p:spPr>
-          <a:xfrm>
-            <a:off x="3795486" y="1817873"/>
-            <a:ext cx="6197600" cy="830997"/>
-          </a:xfrm>
-          <a:prstGeom prst="rect">
-            <a:avLst/>
-          </a:prstGeom>
-          <a:noFill/>
-        </p:spPr>
-        <p:txBody>
-          <a:bodyPr wrap="square">
-            <a:spAutoFit/>
-          </a:bodyPr>
-          <a:lstStyle>
-            <a:defPPr>
-              <a:defRPr lang="pt-BR"/>
-            </a:defPPr>
-            <a:lvl1pPr>
-              <a:defRPr sz="4800">
-                <a:solidFill>
-                  <a:srgbClr val="FF6A00"/>
-                </a:solidFill>
-                <a:latin typeface="Manrope" pitchFamily="2" charset="0"/>
-              </a:defRPr>
-            </a:lvl1pPr>
-          </a:lstStyle>
-          <a:p>
-            <a:r>
-              <a:rPr lang="pt-BR" dirty="0"/>
-              <a:t>que é</a:t>
-            </a:r>
-            <a:endParaRPr lang="en-US" dirty="0"/>
-          </a:p>
-        </p:txBody>
-      </p:sp>
-      <p:sp>
-        <p:nvSpPr>
-          <p:cNvPr id="19" name="CaixaDeTexto 18">
-            <a:extLst>
-              <a:ext uri="{FF2B5EF4-FFF2-40B4-BE49-F238E27FC236}">
-                <a16:creationId xmlns:a16="http://schemas.microsoft.com/office/drawing/2014/main" id="{442A12BD-BA7D-D345-AD69-DFBF8C77A118}"/>
-              </a:ext>
-            </a:extLst>
-          </p:cNvPr>
-          <p:cNvSpPr txBox="1"/>
-          <p:nvPr/>
-        </p:nvSpPr>
-        <p:spPr>
-          <a:xfrm>
-            <a:off x="6821503" y="1413239"/>
-            <a:ext cx="2173726" cy="3770263"/>
-          </a:xfrm>
-          <a:prstGeom prst="rect">
-            <a:avLst/>
-          </a:prstGeom>
-          <a:noFill/>
-        </p:spPr>
-        <p:txBody>
-          <a:bodyPr wrap="square">
-            <a:spAutoFit/>
-          </a:bodyPr>
-          <a:lstStyle/>
-          <a:p>
-            <a:r>
-              <a:rPr lang="pt-BR" sz="23900" b="1" dirty="0">
-                <a:solidFill>
-                  <a:schemeClr val="bg1">
-                    <a:lumMod val="85000"/>
-                  </a:schemeClr>
-                </a:solidFill>
-                <a:latin typeface="Barlow Bold" pitchFamily="34" charset="0"/>
-              </a:rPr>
-              <a:t>?</a:t>
-            </a:r>
-            <a:endParaRPr lang="en-US" sz="23900" dirty="0">
-              <a:solidFill>
-                <a:schemeClr val="bg1">
-                  <a:lumMod val="85000"/>
-                </a:schemeClr>
-              </a:solidFill>
-            </a:endParaRPr>
-          </a:p>
-        </p:txBody>
-      </p:sp>
-      <p:graphicFrame>
-        <p:nvGraphicFramePr>
-          <p:cNvPr id="20" name="Tabela 19">
-            <a:extLst>
-              <a:ext uri="{FF2B5EF4-FFF2-40B4-BE49-F238E27FC236}">
-                <a16:creationId xmlns:a16="http://schemas.microsoft.com/office/drawing/2014/main" id="{C1304973-238A-050B-91DD-1D1A8F22FC56}"/>
-              </a:ext>
-            </a:extLst>
-          </p:cNvPr>
-          <p:cNvGraphicFramePr>
-            <a:graphicFrameLocks noGrp="1"/>
-          </p:cNvGraphicFramePr>
-          <p:nvPr>
-            <p:extLst>
-              <p:ext uri="{D42A27DB-BD31-4B8C-83A1-F6EECF244321}">
-                <p14:modId xmlns:p14="http://schemas.microsoft.com/office/powerpoint/2010/main" val="31246082"/>
-              </p:ext>
-            </p:extLst>
-          </p:nvPr>
-        </p:nvGraphicFramePr>
-        <p:xfrm>
-          <a:off x="257273" y="6309361"/>
-          <a:ext cx="308784" cy="365760"/>
-        </p:xfrm>
-        <a:graphic>
-          <a:graphicData uri="http://schemas.openxmlformats.org/drawingml/2006/table">
-            <a:tbl>
-              <a:tblPr/>
-              <a:tblGrid>
-                <a:gridCol w="308784">
-                  <a:extLst>
-                    <a:ext uri="{9D8B030D-6E8A-4147-A177-3AD203B41FA5}">
-                      <a16:colId xmlns:a16="http://schemas.microsoft.com/office/drawing/2014/main" val="1127612811"/>
-                    </a:ext>
-                  </a:extLst>
-                </a:gridCol>
-              </a:tblGrid>
-              <a:tr h="0">
-                <a:tc>
-                  <a:txBody>
-                    <a:bodyPr/>
-                    <a:lstStyle/>
-                    <a:p>
-                      <a:pPr marL="0" algn="l" defTabSz="914400" rtl="0" eaLnBrk="1" latinLnBrk="0" hangingPunct="1"/>
-                      <a:r>
-                        <a:rPr lang="pt-BR" sz="1800" kern="1200" dirty="0">
-                          <a:solidFill>
-                            <a:srgbClr val="005AA4"/>
-                          </a:solidFill>
-                          <a:latin typeface="+mn-lt"/>
-                          <a:ea typeface="+mn-ea"/>
-                          <a:cs typeface="+mn-cs"/>
-                        </a:rPr>
-                        <a:t>0</a:t>
-                      </a:r>
-                    </a:p>
-                  </a:txBody>
-                  <a:tcPr anchor="ctr">
-                    <a:lnL>
-                      <a:noFill/>
-                    </a:lnL>
-                    <a:lnR>
-                      <a:noFill/>
-                    </a:lnR>
-                    <a:lnT>
-                      <a:noFill/>
-                    </a:lnT>
-                    <a:lnB>
-                      <a:noFill/>
-                    </a:lnB>
-                    <a:noFill/>
-                  </a:tcPr>
-                </a:tc>
-                <a:extLst>
-                  <a:ext uri="{0D108BD9-81ED-4DB2-BD59-A6C34878D82A}">
-                    <a16:rowId xmlns:a16="http://schemas.microsoft.com/office/drawing/2014/main" val="611138889"/>
-                  </a:ext>
-                </a:extLst>
-              </a:tr>
-            </a:tbl>
-          </a:graphicData>
-        </a:graphic>
-      </p:graphicFrame>
-    </p:spTree>
-    <p:extLst>
-      <p:ext uri="{BB962C8B-B14F-4D97-AF65-F5344CB8AC3E}">
-        <p14:creationId xmlns:p14="http://schemas.microsoft.com/office/powerpoint/2010/main" val="3462415483"/>
-      </p:ext>
-    </p:extLst>
-  </p:cSld>
-  <p:clrMapOvr>
-    <a:masterClrMapping/>
-  </p:clrMapOvr>
-</p:sld>
-</file>
-
-<file path=ppt/slides/slide60.xml><?xml version="1.0" encoding="utf-8"?>
+<file path=ppt/slides/slide61.xml><?xml version="1.0" encoding="utf-8"?>
 <p:sld xmlns:a="http://schemas.openxmlformats.org/drawingml/2006/main" xmlns:r="http://schemas.openxmlformats.org/officeDocument/2006/relationships" xmlns:p="http://schemas.openxmlformats.org/presentationml/2006/main" show="0">
   <p:cSld>
     <p:spTree>
@@ -38710,7 +39171,7 @@
 </p:sld>
 </file>
 
-<file path=ppt/slides/slide61.xml><?xml version="1.0" encoding="utf-8"?>
+<file path=ppt/slides/slide62.xml><?xml version="1.0" encoding="utf-8"?>
 <p:sld xmlns:a="http://schemas.openxmlformats.org/drawingml/2006/main" xmlns:r="http://schemas.openxmlformats.org/officeDocument/2006/relationships" xmlns:p="http://schemas.openxmlformats.org/presentationml/2006/main" show="0">
   <p:cSld>
     <p:spTree>
